--- a/3.7 and 3.8 Documentation Template (1).pptx
+++ b/3.7 and 3.8 Documentation Template (1).pptx
@@ -177,6 +177,22 @@
         <pc:sldMkLst>
           <pc:docMk/>
           <pc:sldMk cId="3838895173" sldId="258"/>
+        </pc:sldMkLst>
+      </pc:sldChg>
+    </pc:docChg>
+  </pc:docChgLst>
+  <pc:docChgLst>
+    <pc:chgData name="Patrick Baker" userId="dbad0e87-82bb-43bf-9a70-a6d8fad31ef1" providerId="ADAL" clId="{7D8F8EE7-E92D-4C89-905A-9A2ACB7D2A64}"/>
+    <pc:docChg chg="addSld modSld">
+      <pc:chgData name="Patrick Baker" userId="dbad0e87-82bb-43bf-9a70-a6d8fad31ef1" providerId="ADAL" clId="{7D8F8EE7-E92D-4C89-905A-9A2ACB7D2A64}" dt="2021-11-12T21:38:41.727" v="0"/>
+      <pc:docMkLst>
+        <pc:docMk/>
+      </pc:docMkLst>
+      <pc:sldChg chg="add">
+        <pc:chgData name="Patrick Baker" userId="dbad0e87-82bb-43bf-9a70-a6d8fad31ef1" providerId="ADAL" clId="{7D8F8EE7-E92D-4C89-905A-9A2ACB7D2A64}" dt="2021-11-12T21:38:41.727" v="0"/>
+        <pc:sldMkLst>
+          <pc:docMk/>
+          <pc:sldMk cId="1393068817" sldId="277"/>
         </pc:sldMkLst>
       </pc:sldChg>
     </pc:docChg>
@@ -585,22 +601,6 @@
       </pc:sldMasterChg>
     </pc:docChg>
   </pc:docChgLst>
-  <pc:docChgLst>
-    <pc:chgData name="Patrick Baker" userId="dbad0e87-82bb-43bf-9a70-a6d8fad31ef1" providerId="ADAL" clId="{7D8F8EE7-E92D-4C89-905A-9A2ACB7D2A64}"/>
-    <pc:docChg chg="addSld modSld">
-      <pc:chgData name="Patrick Baker" userId="dbad0e87-82bb-43bf-9a70-a6d8fad31ef1" providerId="ADAL" clId="{7D8F8EE7-E92D-4C89-905A-9A2ACB7D2A64}" dt="2021-11-12T21:38:41.727" v="0"/>
-      <pc:docMkLst>
-        <pc:docMk/>
-      </pc:docMkLst>
-      <pc:sldChg chg="add">
-        <pc:chgData name="Patrick Baker" userId="dbad0e87-82bb-43bf-9a70-a6d8fad31ef1" providerId="ADAL" clId="{7D8F8EE7-E92D-4C89-905A-9A2ACB7D2A64}" dt="2021-11-12T21:38:41.727" v="0"/>
-        <pc:sldMkLst>
-          <pc:docMk/>
-          <pc:sldMk cId="1393068817" sldId="277"/>
-        </pc:sldMkLst>
-      </pc:sldChg>
-    </pc:docChg>
-  </pc:docChgLst>
 </pc:chgInfo>
 </file>
 
@@ -686,7 +686,7 @@
           <a:p>
             <a:fld id="{F37D28C0-BEB6-42B0-A203-EEE1023219C4}" type="datetimeFigureOut">
               <a:rPr lang="en-NZ" smtClean="0"/>
-              <a:t>2/05/2023</a:t>
+              <a:t>12/05/2023</a:t>
             </a:fld>
             <a:endParaRPr lang="en-NZ"/>
           </a:p>
@@ -3205,7 +3205,7 @@
           <a:p>
             <a:fld id="{9C4A4F43-1C06-40E6-8F87-8B286982E50E}" type="datetimeFigureOut">
               <a:rPr lang="en-NZ" smtClean="0"/>
-              <a:t>2/05/2023</a:t>
+              <a:t>12/05/2023</a:t>
             </a:fld>
             <a:endParaRPr lang="en-NZ" dirty="0"/>
           </a:p>
@@ -3405,7 +3405,7 @@
           <a:p>
             <a:fld id="{9C4A4F43-1C06-40E6-8F87-8B286982E50E}" type="datetimeFigureOut">
               <a:rPr lang="en-NZ" smtClean="0"/>
-              <a:t>2/05/2023</a:t>
+              <a:t>12/05/2023</a:t>
             </a:fld>
             <a:endParaRPr lang="en-NZ" dirty="0"/>
           </a:p>
@@ -3615,7 +3615,7 @@
           <a:p>
             <a:fld id="{9C4A4F43-1C06-40E6-8F87-8B286982E50E}" type="datetimeFigureOut">
               <a:rPr lang="en-NZ" smtClean="0"/>
-              <a:t>2/05/2023</a:t>
+              <a:t>12/05/2023</a:t>
             </a:fld>
             <a:endParaRPr lang="en-NZ" dirty="0"/>
           </a:p>
@@ -3815,7 +3815,7 @@
           <a:p>
             <a:fld id="{9C4A4F43-1C06-40E6-8F87-8B286982E50E}" type="datetimeFigureOut">
               <a:rPr lang="en-NZ" smtClean="0"/>
-              <a:t>2/05/2023</a:t>
+              <a:t>12/05/2023</a:t>
             </a:fld>
             <a:endParaRPr lang="en-NZ" dirty="0"/>
           </a:p>
@@ -4091,7 +4091,7 @@
           <a:p>
             <a:fld id="{9C4A4F43-1C06-40E6-8F87-8B286982E50E}" type="datetimeFigureOut">
               <a:rPr lang="en-NZ" smtClean="0"/>
-              <a:t>2/05/2023</a:t>
+              <a:t>12/05/2023</a:t>
             </a:fld>
             <a:endParaRPr lang="en-NZ" dirty="0"/>
           </a:p>
@@ -4359,7 +4359,7 @@
           <a:p>
             <a:fld id="{9C4A4F43-1C06-40E6-8F87-8B286982E50E}" type="datetimeFigureOut">
               <a:rPr lang="en-NZ" smtClean="0"/>
-              <a:t>2/05/2023</a:t>
+              <a:t>12/05/2023</a:t>
             </a:fld>
             <a:endParaRPr lang="en-NZ" dirty="0"/>
           </a:p>
@@ -4774,7 +4774,7 @@
           <a:p>
             <a:fld id="{9C4A4F43-1C06-40E6-8F87-8B286982E50E}" type="datetimeFigureOut">
               <a:rPr lang="en-NZ" smtClean="0"/>
-              <a:t>2/05/2023</a:t>
+              <a:t>12/05/2023</a:t>
             </a:fld>
             <a:endParaRPr lang="en-NZ" dirty="0"/>
           </a:p>
@@ -4916,7 +4916,7 @@
           <a:p>
             <a:fld id="{9C4A4F43-1C06-40E6-8F87-8B286982E50E}" type="datetimeFigureOut">
               <a:rPr lang="en-NZ" smtClean="0"/>
-              <a:t>2/05/2023</a:t>
+              <a:t>12/05/2023</a:t>
             </a:fld>
             <a:endParaRPr lang="en-NZ" dirty="0"/>
           </a:p>
@@ -5029,7 +5029,7 @@
           <a:p>
             <a:fld id="{9C4A4F43-1C06-40E6-8F87-8B286982E50E}" type="datetimeFigureOut">
               <a:rPr lang="en-NZ" smtClean="0"/>
-              <a:t>2/05/2023</a:t>
+              <a:t>12/05/2023</a:t>
             </a:fld>
             <a:endParaRPr lang="en-NZ" dirty="0"/>
           </a:p>
@@ -5342,7 +5342,7 @@
           <a:p>
             <a:fld id="{9C4A4F43-1C06-40E6-8F87-8B286982E50E}" type="datetimeFigureOut">
               <a:rPr lang="en-NZ" smtClean="0"/>
-              <a:t>2/05/2023</a:t>
+              <a:t>12/05/2023</a:t>
             </a:fld>
             <a:endParaRPr lang="en-NZ" dirty="0"/>
           </a:p>
@@ -5631,7 +5631,7 @@
           <a:p>
             <a:fld id="{9C4A4F43-1C06-40E6-8F87-8B286982E50E}" type="datetimeFigureOut">
               <a:rPr lang="en-NZ" smtClean="0"/>
-              <a:t>2/05/2023</a:t>
+              <a:t>12/05/2023</a:t>
             </a:fld>
             <a:endParaRPr lang="en-NZ" dirty="0"/>
           </a:p>
@@ -5874,7 +5874,7 @@
           <a:p>
             <a:fld id="{9C4A4F43-1C06-40E6-8F87-8B286982E50E}" type="datetimeFigureOut">
               <a:rPr lang="en-NZ" smtClean="0"/>
-              <a:t>2/05/2023</a:t>
+              <a:t>12/05/2023</a:t>
             </a:fld>
             <a:endParaRPr lang="en-NZ" dirty="0"/>
           </a:p>
@@ -7938,8 +7938,25 @@
                   <a:srgbClr val="274E13"/>
                 </a:solidFill>
               </a:rPr>
-              <a:t>Link to GitHub Repository: [here]</a:t>
-            </a:r>
+              <a:t>Link to GitHub Repository: </a:t>
+            </a:r>
+            <a:r>
+              <a:rPr lang="en-US" sz="1400" dirty="0" err="1">
+                <a:hlinkClick r:id="rId2"/>
+              </a:rPr>
+              <a:t>SmitieC</a:t>
+            </a:r>
+            <a:r>
+              <a:rPr lang="en-US" sz="1400" dirty="0">
+                <a:hlinkClick r:id="rId2"/>
+              </a:rPr>
+              <a:t>/Assessment: Car Game (github.com)</a:t>
+            </a:r>
+            <a:endParaRPr lang="en-NZ" sz="2000" dirty="0">
+              <a:solidFill>
+                <a:srgbClr val="274E13"/>
+              </a:solidFill>
+            </a:endParaRPr>
           </a:p>
           <a:p>
             <a:pPr marL="0" indent="0">
@@ -7953,27 +7970,6 @@
                 <a:schemeClr val="dk1"/>
               </a:buClr>
               <a:buSzPts val="1100"/>
-              <a:buFont typeface="Arial"/>
-              <a:buNone/>
-            </a:pPr>
-            <a:endParaRPr lang="en-NZ" sz="2000" dirty="0">
-              <a:solidFill>
-                <a:srgbClr val="274E13"/>
-              </a:solidFill>
-            </a:endParaRPr>
-          </a:p>
-          <a:p>
-            <a:pPr marL="0" indent="0">
-              <a:lnSpc>
-                <a:spcPct val="100000"/>
-              </a:lnSpc>
-              <a:spcBef>
-                <a:spcPts val="0"/>
-              </a:spcBef>
-              <a:buClr>
-                <a:schemeClr val="dk1"/>
-              </a:buClr>
-              <a:buSzPts val="1100"/>
               <a:buNone/>
             </a:pPr>
             <a:r>
@@ -7982,23 +7978,14 @@
                   <a:srgbClr val="274E13"/>
                 </a:solidFill>
               </a:rPr>
-              <a:t>Links to Trello board / project management tools: [here]</a:t>
-            </a:r>
-          </a:p>
-          <a:p>
-            <a:pPr marL="0" indent="0">
-              <a:lnSpc>
-                <a:spcPct val="100000"/>
-              </a:lnSpc>
-              <a:spcBef>
-                <a:spcPts val="0"/>
-              </a:spcBef>
-              <a:buClr>
-                <a:schemeClr val="dk1"/>
-              </a:buClr>
-              <a:buSzPts val="1100"/>
-              <a:buNone/>
-            </a:pPr>
+              <a:t>Links to Trello board / project management tools: </a:t>
+            </a:r>
+            <a:r>
+              <a:rPr lang="en-NZ" sz="1400" dirty="0">
+                <a:hlinkClick r:id="rId3"/>
+              </a:rPr>
+              <a:t>Car Game | Trello</a:t>
+            </a:r>
             <a:endParaRPr lang="en-NZ" sz="2000" b="1" dirty="0">
               <a:solidFill>
                 <a:srgbClr val="274E13"/>
@@ -9840,12 +9827,11 @@
 </file>
 
 <file path=customXml/item1.xml><?xml version="1.0" encoding="utf-8"?>
-<?mso-contentType ?>
-<FormTemplates xmlns="http://schemas.microsoft.com/sharepoint/v3/contenttype/forms">
-  <Display>DocumentLibraryForm</Display>
-  <Edit>DocumentLibraryForm</Edit>
-  <New>DocumentLibraryForm</New>
-</FormTemplates>
+<p:properties xmlns:p="http://schemas.microsoft.com/office/2006/metadata/properties" xmlns:xsi="http://www.w3.org/2001/XMLSchema-instance" xmlns:pc="http://schemas.microsoft.com/office/infopath/2007/PartnerControls">
+  <documentManagement>
+    <ReferenceId xmlns="12aa44a7-9dfd-4ca0-86a8-cc75321b8748" xsi:nil="true"/>
+  </documentManagement>
+</p:properties>
 </file>
 
 <file path=customXml/item2.xml><?xml version="1.0" encoding="utf-8"?>
@@ -9987,17 +9973,20 @@
 </file>
 
 <file path=customXml/item3.xml><?xml version="1.0" encoding="utf-8"?>
-<p:properties xmlns:p="http://schemas.microsoft.com/office/2006/metadata/properties" xmlns:xsi="http://www.w3.org/2001/XMLSchema-instance" xmlns:pc="http://schemas.microsoft.com/office/infopath/2007/PartnerControls">
-  <documentManagement>
-    <ReferenceId xmlns="12aa44a7-9dfd-4ca0-86a8-cc75321b8748" xsi:nil="true"/>
-  </documentManagement>
-</p:properties>
+<?mso-contentType ?>
+<FormTemplates xmlns="http://schemas.microsoft.com/sharepoint/v3/contenttype/forms">
+  <Display>DocumentLibraryForm</Display>
+  <Edit>DocumentLibraryForm</Edit>
+  <New>DocumentLibraryForm</New>
+</FormTemplates>
 </file>
 
 <file path=customXml/itemProps1.xml><?xml version="1.0" encoding="utf-8"?>
-<ds:datastoreItem xmlns:ds="http://schemas.openxmlformats.org/officeDocument/2006/customXml" ds:itemID="{25660B88-93BD-441B-8193-7A1E5DE6F2E8}">
+<ds:datastoreItem xmlns:ds="http://schemas.openxmlformats.org/officeDocument/2006/customXml" ds:itemID="{6C50612E-F1E5-4F56-91C6-EC12B0BDAC14}">
   <ds:schemaRefs>
-    <ds:schemaRef ds:uri="http://schemas.microsoft.com/sharepoint/v3/contenttype/forms"/>
+    <ds:schemaRef ds:uri="http://schemas.microsoft.com/office/2006/metadata/properties"/>
+    <ds:schemaRef ds:uri="http://schemas.microsoft.com/office/infopath/2007/PartnerControls"/>
+    <ds:schemaRef ds:uri="12aa44a7-9dfd-4ca0-86a8-cc75321b8748"/>
   </ds:schemaRefs>
 </ds:datastoreItem>
 </file>
@@ -10021,11 +10010,9 @@
 </file>
 
 <file path=customXml/itemProps3.xml><?xml version="1.0" encoding="utf-8"?>
-<ds:datastoreItem xmlns:ds="http://schemas.openxmlformats.org/officeDocument/2006/customXml" ds:itemID="{6C50612E-F1E5-4F56-91C6-EC12B0BDAC14}">
+<ds:datastoreItem xmlns:ds="http://schemas.openxmlformats.org/officeDocument/2006/customXml" ds:itemID="{25660B88-93BD-441B-8193-7A1E5DE6F2E8}">
   <ds:schemaRefs>
-    <ds:schemaRef ds:uri="http://schemas.microsoft.com/office/2006/metadata/properties"/>
-    <ds:schemaRef ds:uri="http://schemas.microsoft.com/office/infopath/2007/PartnerControls"/>
-    <ds:schemaRef ds:uri="12aa44a7-9dfd-4ca0-86a8-cc75321b8748"/>
+    <ds:schemaRef ds:uri="http://schemas.microsoft.com/sharepoint/v3/contenttype/forms"/>
   </ds:schemaRefs>
 </ds:datastoreItem>
 </file>
--- a/3.7 and 3.8 Documentation Template (1).pptx
+++ b/3.7 and 3.8 Documentation Template (1).pptx
@@ -177,22 +177,6 @@
         <pc:sldMkLst>
           <pc:docMk/>
           <pc:sldMk cId="3838895173" sldId="258"/>
-        </pc:sldMkLst>
-      </pc:sldChg>
-    </pc:docChg>
-  </pc:docChgLst>
-  <pc:docChgLst>
-    <pc:chgData name="Patrick Baker" userId="dbad0e87-82bb-43bf-9a70-a6d8fad31ef1" providerId="ADAL" clId="{7D8F8EE7-E92D-4C89-905A-9A2ACB7D2A64}"/>
-    <pc:docChg chg="addSld modSld">
-      <pc:chgData name="Patrick Baker" userId="dbad0e87-82bb-43bf-9a70-a6d8fad31ef1" providerId="ADAL" clId="{7D8F8EE7-E92D-4C89-905A-9A2ACB7D2A64}" dt="2021-11-12T21:38:41.727" v="0"/>
-      <pc:docMkLst>
-        <pc:docMk/>
-      </pc:docMkLst>
-      <pc:sldChg chg="add">
-        <pc:chgData name="Patrick Baker" userId="dbad0e87-82bb-43bf-9a70-a6d8fad31ef1" providerId="ADAL" clId="{7D8F8EE7-E92D-4C89-905A-9A2ACB7D2A64}" dt="2021-11-12T21:38:41.727" v="0"/>
-        <pc:sldMkLst>
-          <pc:docMk/>
-          <pc:sldMk cId="1393068817" sldId="277"/>
         </pc:sldMkLst>
       </pc:sldChg>
     </pc:docChg>
@@ -601,6 +585,22 @@
       </pc:sldMasterChg>
     </pc:docChg>
   </pc:docChgLst>
+  <pc:docChgLst>
+    <pc:chgData name="Patrick Baker" userId="dbad0e87-82bb-43bf-9a70-a6d8fad31ef1" providerId="ADAL" clId="{7D8F8EE7-E92D-4C89-905A-9A2ACB7D2A64}"/>
+    <pc:docChg chg="addSld modSld">
+      <pc:chgData name="Patrick Baker" userId="dbad0e87-82bb-43bf-9a70-a6d8fad31ef1" providerId="ADAL" clId="{7D8F8EE7-E92D-4C89-905A-9A2ACB7D2A64}" dt="2021-11-12T21:38:41.727" v="0"/>
+      <pc:docMkLst>
+        <pc:docMk/>
+      </pc:docMkLst>
+      <pc:sldChg chg="add">
+        <pc:chgData name="Patrick Baker" userId="dbad0e87-82bb-43bf-9a70-a6d8fad31ef1" providerId="ADAL" clId="{7D8F8EE7-E92D-4C89-905A-9A2ACB7D2A64}" dt="2021-11-12T21:38:41.727" v="0"/>
+        <pc:sldMkLst>
+          <pc:docMk/>
+          <pc:sldMk cId="1393068817" sldId="277"/>
+        </pc:sldMkLst>
+      </pc:sldChg>
+    </pc:docChg>
+  </pc:docChgLst>
 </pc:chgInfo>
 </file>
 
@@ -686,7 +686,7 @@
           <a:p>
             <a:fld id="{F37D28C0-BEB6-42B0-A203-EEE1023219C4}" type="datetimeFigureOut">
               <a:rPr lang="en-NZ" smtClean="0"/>
-              <a:t>12/05/2023</a:t>
+              <a:t>27/05/2023</a:t>
             </a:fld>
             <a:endParaRPr lang="en-NZ"/>
           </a:p>
@@ -3205,7 +3205,7 @@
           <a:p>
             <a:fld id="{9C4A4F43-1C06-40E6-8F87-8B286982E50E}" type="datetimeFigureOut">
               <a:rPr lang="en-NZ" smtClean="0"/>
-              <a:t>12/05/2023</a:t>
+              <a:t>27/05/2023</a:t>
             </a:fld>
             <a:endParaRPr lang="en-NZ" dirty="0"/>
           </a:p>
@@ -3405,7 +3405,7 @@
           <a:p>
             <a:fld id="{9C4A4F43-1C06-40E6-8F87-8B286982E50E}" type="datetimeFigureOut">
               <a:rPr lang="en-NZ" smtClean="0"/>
-              <a:t>12/05/2023</a:t>
+              <a:t>27/05/2023</a:t>
             </a:fld>
             <a:endParaRPr lang="en-NZ" dirty="0"/>
           </a:p>
@@ -3615,7 +3615,7 @@
           <a:p>
             <a:fld id="{9C4A4F43-1C06-40E6-8F87-8B286982E50E}" type="datetimeFigureOut">
               <a:rPr lang="en-NZ" smtClean="0"/>
-              <a:t>12/05/2023</a:t>
+              <a:t>27/05/2023</a:t>
             </a:fld>
             <a:endParaRPr lang="en-NZ" dirty="0"/>
           </a:p>
@@ -3815,7 +3815,7 @@
           <a:p>
             <a:fld id="{9C4A4F43-1C06-40E6-8F87-8B286982E50E}" type="datetimeFigureOut">
               <a:rPr lang="en-NZ" smtClean="0"/>
-              <a:t>12/05/2023</a:t>
+              <a:t>27/05/2023</a:t>
             </a:fld>
             <a:endParaRPr lang="en-NZ" dirty="0"/>
           </a:p>
@@ -4091,7 +4091,7 @@
           <a:p>
             <a:fld id="{9C4A4F43-1C06-40E6-8F87-8B286982E50E}" type="datetimeFigureOut">
               <a:rPr lang="en-NZ" smtClean="0"/>
-              <a:t>12/05/2023</a:t>
+              <a:t>27/05/2023</a:t>
             </a:fld>
             <a:endParaRPr lang="en-NZ" dirty="0"/>
           </a:p>
@@ -4359,7 +4359,7 @@
           <a:p>
             <a:fld id="{9C4A4F43-1C06-40E6-8F87-8B286982E50E}" type="datetimeFigureOut">
               <a:rPr lang="en-NZ" smtClean="0"/>
-              <a:t>12/05/2023</a:t>
+              <a:t>27/05/2023</a:t>
             </a:fld>
             <a:endParaRPr lang="en-NZ" dirty="0"/>
           </a:p>
@@ -4774,7 +4774,7 @@
           <a:p>
             <a:fld id="{9C4A4F43-1C06-40E6-8F87-8B286982E50E}" type="datetimeFigureOut">
               <a:rPr lang="en-NZ" smtClean="0"/>
-              <a:t>12/05/2023</a:t>
+              <a:t>27/05/2023</a:t>
             </a:fld>
             <a:endParaRPr lang="en-NZ" dirty="0"/>
           </a:p>
@@ -4916,7 +4916,7 @@
           <a:p>
             <a:fld id="{9C4A4F43-1C06-40E6-8F87-8B286982E50E}" type="datetimeFigureOut">
               <a:rPr lang="en-NZ" smtClean="0"/>
-              <a:t>12/05/2023</a:t>
+              <a:t>27/05/2023</a:t>
             </a:fld>
             <a:endParaRPr lang="en-NZ" dirty="0"/>
           </a:p>
@@ -5029,7 +5029,7 @@
           <a:p>
             <a:fld id="{9C4A4F43-1C06-40E6-8F87-8B286982E50E}" type="datetimeFigureOut">
               <a:rPr lang="en-NZ" smtClean="0"/>
-              <a:t>12/05/2023</a:t>
+              <a:t>27/05/2023</a:t>
             </a:fld>
             <a:endParaRPr lang="en-NZ" dirty="0"/>
           </a:p>
@@ -5342,7 +5342,7 @@
           <a:p>
             <a:fld id="{9C4A4F43-1C06-40E6-8F87-8B286982E50E}" type="datetimeFigureOut">
               <a:rPr lang="en-NZ" smtClean="0"/>
-              <a:t>12/05/2023</a:t>
+              <a:t>27/05/2023</a:t>
             </a:fld>
             <a:endParaRPr lang="en-NZ" dirty="0"/>
           </a:p>
@@ -5631,7 +5631,7 @@
           <a:p>
             <a:fld id="{9C4A4F43-1C06-40E6-8F87-8B286982E50E}" type="datetimeFigureOut">
               <a:rPr lang="en-NZ" smtClean="0"/>
-              <a:t>12/05/2023</a:t>
+              <a:t>27/05/2023</a:t>
             </a:fld>
             <a:endParaRPr lang="en-NZ" dirty="0"/>
           </a:p>
@@ -5874,7 +5874,7 @@
           <a:p>
             <a:fld id="{9C4A4F43-1C06-40E6-8F87-8B286982E50E}" type="datetimeFigureOut">
               <a:rPr lang="en-NZ" smtClean="0"/>
-              <a:t>12/05/2023</a:t>
+              <a:t>27/05/2023</a:t>
             </a:fld>
             <a:endParaRPr lang="en-NZ" dirty="0"/>
           </a:p>
@@ -8012,24 +8012,26 @@
                   <a:srgbClr val="274E13"/>
                 </a:solidFill>
               </a:rPr>
-              <a:t>Link to final version of your program: [here]</a:t>
-            </a:r>
-          </a:p>
-          <a:p>
-            <a:pPr marL="0" indent="0">
-              <a:lnSpc>
-                <a:spcPct val="100000"/>
-              </a:lnSpc>
-              <a:spcBef>
-                <a:spcPts val="0"/>
-              </a:spcBef>
-              <a:buClr>
-                <a:schemeClr val="dk1"/>
-              </a:buClr>
-              <a:buSzPts val="1100"/>
-              <a:buFont typeface="Arial"/>
-              <a:buNone/>
-            </a:pPr>
+              <a:t>Link to final version of your program: </a:t>
+            </a:r>
+            <a:r>
+              <a:rPr lang="en-US" sz="1400" dirty="0">
+                <a:hlinkClick r:id="rId4"/>
+              </a:rPr>
+              <a:t>Assessment/Fully working game.py at main · </a:t>
+            </a:r>
+            <a:r>
+              <a:rPr lang="en-US" sz="1400" dirty="0" err="1">
+                <a:hlinkClick r:id="rId4"/>
+              </a:rPr>
+              <a:t>SmitieC</a:t>
+            </a:r>
+            <a:r>
+              <a:rPr lang="en-US" sz="1400" dirty="0">
+                <a:hlinkClick r:id="rId4"/>
+              </a:rPr>
+              <a:t>/Assessment (github.com)</a:t>
+            </a:r>
             <a:r>
               <a:rPr lang="en-NZ" sz="2000" b="1" dirty="0">
                 <a:solidFill>
@@ -8042,127 +8044,6 @@
           </a:p>
         </p:txBody>
       </p:sp>
-      <p:graphicFrame>
-        <p:nvGraphicFramePr>
-          <p:cNvPr id="6" name="Google Shape;56;p13">
-            <a:extLst>
-              <a:ext uri="{FF2B5EF4-FFF2-40B4-BE49-F238E27FC236}">
-                <a16:creationId xmlns:a16="http://schemas.microsoft.com/office/drawing/2014/main" id="{A0658CEC-C8BE-4EBE-8618-7B97BA7329B8}"/>
-              </a:ext>
-            </a:extLst>
-          </p:cNvPr>
-          <p:cNvGraphicFramePr/>
-          <p:nvPr/>
-        </p:nvGraphicFramePr>
-        <p:xfrm>
-          <a:off x="1693460" y="4327480"/>
-          <a:ext cx="8520600" cy="1859026"/>
-        </p:xfrm>
-        <a:graphic>
-          <a:graphicData uri="http://schemas.openxmlformats.org/drawingml/2006/table">
-            <a:tbl>
-              <a:tblPr>
-                <a:noFill/>
-              </a:tblPr>
-              <a:tblGrid>
-                <a:gridCol w="8520600">
-                  <a:extLst>
-                    <a:ext uri="{9D8B030D-6E8A-4147-A177-3AD203B41FA5}">
-                      <a16:colId xmlns:a16="http://schemas.microsoft.com/office/drawing/2014/main" val="20000"/>
-                    </a:ext>
-                  </a:extLst>
-                </a:gridCol>
-              </a:tblGrid>
-              <a:tr h="1495600">
-                <a:tc>
-                  <a:txBody>
-                    <a:bodyPr/>
-                    <a:lstStyle/>
-                    <a:p>
-                      <a:pPr marL="0" lvl="0" indent="0" algn="l" rtl="0">
-                        <a:lnSpc>
-                          <a:spcPct val="115000"/>
-                        </a:lnSpc>
-                        <a:spcBef>
-                          <a:spcPts val="0"/>
-                        </a:spcBef>
-                        <a:spcAft>
-                          <a:spcPts val="0"/>
-                        </a:spcAft>
-                        <a:buNone/>
-                      </a:pPr>
-                      <a:r>
-                        <a:rPr lang="en" sz="2000" b="1" i="1" dirty="0">
-                          <a:solidFill>
-                            <a:srgbClr val="990000"/>
-                          </a:solidFill>
-                        </a:rPr>
-                        <a:t>Ensure you have made these links ‘public’ so that they are open to anyone, including the marker.</a:t>
-                      </a:r>
-                    </a:p>
-                    <a:p>
-                      <a:pPr marL="0" lvl="0" indent="0" algn="l" rtl="0">
-                        <a:lnSpc>
-                          <a:spcPct val="115000"/>
-                        </a:lnSpc>
-                        <a:spcBef>
-                          <a:spcPts val="0"/>
-                        </a:spcBef>
-                        <a:spcAft>
-                          <a:spcPts val="0"/>
-                        </a:spcAft>
-                        <a:buNone/>
-                      </a:pPr>
-                      <a:endParaRPr lang="en" sz="2000" b="1" i="1" dirty="0">
-                        <a:solidFill>
-                          <a:srgbClr val="990000"/>
-                        </a:solidFill>
-                      </a:endParaRPr>
-                    </a:p>
-                    <a:p>
-                      <a:pPr marL="0" lvl="0" indent="0" algn="l" rtl="0">
-                        <a:lnSpc>
-                          <a:spcPct val="115000"/>
-                        </a:lnSpc>
-                        <a:spcBef>
-                          <a:spcPts val="0"/>
-                        </a:spcBef>
-                        <a:spcAft>
-                          <a:spcPts val="0"/>
-                        </a:spcAft>
-                        <a:buNone/>
-                      </a:pPr>
-                      <a:r>
-                        <a:rPr lang="en" sz="2000" b="1" i="1" dirty="0">
-                          <a:solidFill>
-                            <a:srgbClr val="990000"/>
-                          </a:solidFill>
-                        </a:rPr>
-                        <a:t>The link to your program is the final outcome of this whole project – your finished program.</a:t>
-                      </a:r>
-                      <a:endParaRPr sz="2000" b="1" i="1" dirty="0">
-                        <a:solidFill>
-                          <a:srgbClr val="990000"/>
-                        </a:solidFill>
-                      </a:endParaRPr>
-                    </a:p>
-                  </a:txBody>
-                  <a:tcPr marL="63500" marR="63500" marT="63500" marB="63500">
-                    <a:solidFill>
-                      <a:srgbClr val="EA9999"/>
-                    </a:solidFill>
-                  </a:tcPr>
-                </a:tc>
-                <a:extLst>
-                  <a:ext uri="{0D108BD9-81ED-4DB2-BD59-A6C34878D82A}">
-                    <a16:rowId xmlns:a16="http://schemas.microsoft.com/office/drawing/2014/main" val="10000"/>
-                  </a:ext>
-                </a:extLst>
-              </a:tr>
-            </a:tbl>
-          </a:graphicData>
-        </a:graphic>
-      </p:graphicFrame>
     </p:spTree>
     <p:extLst>
       <p:ext uri="{BB962C8B-B14F-4D97-AF65-F5344CB8AC3E}">
@@ -9827,11 +9708,12 @@
 </file>
 
 <file path=customXml/item1.xml><?xml version="1.0" encoding="utf-8"?>
-<p:properties xmlns:p="http://schemas.microsoft.com/office/2006/metadata/properties" xmlns:xsi="http://www.w3.org/2001/XMLSchema-instance" xmlns:pc="http://schemas.microsoft.com/office/infopath/2007/PartnerControls">
-  <documentManagement>
-    <ReferenceId xmlns="12aa44a7-9dfd-4ca0-86a8-cc75321b8748" xsi:nil="true"/>
-  </documentManagement>
-</p:properties>
+<?mso-contentType ?>
+<FormTemplates xmlns="http://schemas.microsoft.com/sharepoint/v3/contenttype/forms">
+  <Display>DocumentLibraryForm</Display>
+  <Edit>DocumentLibraryForm</Edit>
+  <New>DocumentLibraryForm</New>
+</FormTemplates>
 </file>
 
 <file path=customXml/item2.xml><?xml version="1.0" encoding="utf-8"?>
@@ -9973,20 +9855,17 @@
 </file>
 
 <file path=customXml/item3.xml><?xml version="1.0" encoding="utf-8"?>
-<?mso-contentType ?>
-<FormTemplates xmlns="http://schemas.microsoft.com/sharepoint/v3/contenttype/forms">
-  <Display>DocumentLibraryForm</Display>
-  <Edit>DocumentLibraryForm</Edit>
-  <New>DocumentLibraryForm</New>
-</FormTemplates>
+<p:properties xmlns:p="http://schemas.microsoft.com/office/2006/metadata/properties" xmlns:xsi="http://www.w3.org/2001/XMLSchema-instance" xmlns:pc="http://schemas.microsoft.com/office/infopath/2007/PartnerControls">
+  <documentManagement>
+    <ReferenceId xmlns="12aa44a7-9dfd-4ca0-86a8-cc75321b8748" xsi:nil="true"/>
+  </documentManagement>
+</p:properties>
 </file>
 
 <file path=customXml/itemProps1.xml><?xml version="1.0" encoding="utf-8"?>
-<ds:datastoreItem xmlns:ds="http://schemas.openxmlformats.org/officeDocument/2006/customXml" ds:itemID="{6C50612E-F1E5-4F56-91C6-EC12B0BDAC14}">
+<ds:datastoreItem xmlns:ds="http://schemas.openxmlformats.org/officeDocument/2006/customXml" ds:itemID="{25660B88-93BD-441B-8193-7A1E5DE6F2E8}">
   <ds:schemaRefs>
-    <ds:schemaRef ds:uri="http://schemas.microsoft.com/office/2006/metadata/properties"/>
-    <ds:schemaRef ds:uri="http://schemas.microsoft.com/office/infopath/2007/PartnerControls"/>
-    <ds:schemaRef ds:uri="12aa44a7-9dfd-4ca0-86a8-cc75321b8748"/>
+    <ds:schemaRef ds:uri="http://schemas.microsoft.com/sharepoint/v3/contenttype/forms"/>
   </ds:schemaRefs>
 </ds:datastoreItem>
 </file>
@@ -10010,9 +9889,11 @@
 </file>
 
 <file path=customXml/itemProps3.xml><?xml version="1.0" encoding="utf-8"?>
-<ds:datastoreItem xmlns:ds="http://schemas.openxmlformats.org/officeDocument/2006/customXml" ds:itemID="{25660B88-93BD-441B-8193-7A1E5DE6F2E8}">
+<ds:datastoreItem xmlns:ds="http://schemas.openxmlformats.org/officeDocument/2006/customXml" ds:itemID="{6C50612E-F1E5-4F56-91C6-EC12B0BDAC14}">
   <ds:schemaRefs>
-    <ds:schemaRef ds:uri="http://schemas.microsoft.com/sharepoint/v3/contenttype/forms"/>
+    <ds:schemaRef ds:uri="http://schemas.microsoft.com/office/2006/metadata/properties"/>
+    <ds:schemaRef ds:uri="http://schemas.microsoft.com/office/infopath/2007/PartnerControls"/>
+    <ds:schemaRef ds:uri="12aa44a7-9dfd-4ca0-86a8-cc75321b8748"/>
   </ds:schemaRefs>
 </ds:datastoreItem>
 </file>
--- a/3.7 and 3.8 Documentation Template (1).pptx
+++ b/3.7 and 3.8 Documentation Template (1).pptx
@@ -5,7 +5,7 @@
     <p:sldMasterId id="2147483648" r:id="rId4"/>
   </p:sldMasterIdLst>
   <p:notesMasterIdLst>
-    <p:notesMasterId r:id="rId45"/>
+    <p:notesMasterId r:id="rId52"/>
   </p:notesMasterIdLst>
   <p:sldIdLst>
     <p:sldId id="256" r:id="rId5"/>
@@ -43,11 +43,18 @@
     <p:sldId id="303" r:id="rId37"/>
     <p:sldId id="305" r:id="rId38"/>
     <p:sldId id="306" r:id="rId39"/>
-    <p:sldId id="304" r:id="rId40"/>
-    <p:sldId id="263" r:id="rId41"/>
-    <p:sldId id="264" r:id="rId42"/>
-    <p:sldId id="275" r:id="rId43"/>
-    <p:sldId id="265" r:id="rId44"/>
+    <p:sldId id="263" r:id="rId40"/>
+    <p:sldId id="264" r:id="rId41"/>
+    <p:sldId id="275" r:id="rId42"/>
+    <p:sldId id="307" r:id="rId43"/>
+    <p:sldId id="308" r:id="rId44"/>
+    <p:sldId id="309" r:id="rId45"/>
+    <p:sldId id="310" r:id="rId46"/>
+    <p:sldId id="311" r:id="rId47"/>
+    <p:sldId id="312" r:id="rId48"/>
+    <p:sldId id="261" r:id="rId49"/>
+    <p:sldId id="265" r:id="rId50"/>
+    <p:sldId id="313" r:id="rId51"/>
   </p:sldIdLst>
   <p:sldSz cx="12192000" cy="6858000"/>
   <p:notesSz cx="6858000" cy="9144000"/>
@@ -206,15 +213,22 @@
             <p14:sldId id="303"/>
             <p14:sldId id="305"/>
             <p14:sldId id="306"/>
-            <p14:sldId id="304"/>
           </p14:sldIdLst>
         </p14:section>
-        <p14:section name="Untitled Section" id="{71260507-8400-46B6-99F7-F1F60EDB319A}">
+        <p14:section name="Assembled Outcome" id="{71260507-8400-46B6-99F7-F1F60EDB319A}">
           <p14:sldIdLst>
             <p14:sldId id="263"/>
             <p14:sldId id="264"/>
             <p14:sldId id="275"/>
+            <p14:sldId id="307"/>
+            <p14:sldId id="308"/>
+            <p14:sldId id="309"/>
+            <p14:sldId id="310"/>
+            <p14:sldId id="311"/>
+            <p14:sldId id="312"/>
+            <p14:sldId id="261"/>
             <p14:sldId id="265"/>
+            <p14:sldId id="313"/>
           </p14:sldIdLst>
         </p14:section>
       </p14:sectionLst>
@@ -781,7 +795,7 @@
           <a:p>
             <a:fld id="{F37D28C0-BEB6-42B0-A203-EEE1023219C4}" type="datetimeFigureOut">
               <a:rPr lang="en-NZ" smtClean="0"/>
-              <a:t>27/05/2023</a:t>
+              <a:t>28/05/2023</a:t>
             </a:fld>
             <a:endParaRPr lang="en-NZ"/>
           </a:p>
@@ -4556,13 +4570,53 @@
                   <a:schemeClr val="dk2"/>
                 </a:solidFill>
               </a:rPr>
-              <a:t>Use this slide to provide evidence that you have tested your component in accordance with the test plan you developed earlier.</a:t>
-            </a:r>
-            <a:endParaRPr lang="en-NZ" sz="1200" i="1" dirty="0">
+              <a:t>Assemble your components into a working program.  On the slides that follow, please provide a test plan and evidence that your program works as expected.</a:t>
+            </a:r>
+          </a:p>
+          <a:p>
+            <a:pPr marL="0" lvl="0" indent="0" algn="l" rtl="0">
+              <a:spcBef>
+                <a:spcPts val="0"/>
+              </a:spcBef>
+              <a:spcAft>
+                <a:spcPts val="0"/>
+              </a:spcAft>
+              <a:buClr>
+                <a:schemeClr val="dk1"/>
+              </a:buClr>
+              <a:buSzPts val="1100"/>
+              <a:buFont typeface="Arial"/>
+              <a:buNone/>
+            </a:pPr>
+            <a:endParaRPr lang="en-NZ" sz="1200" dirty="0">
               <a:solidFill>
                 <a:schemeClr val="dk2"/>
               </a:solidFill>
             </a:endParaRPr>
+          </a:p>
+          <a:p>
+            <a:pPr marL="0" lvl="0" indent="0" algn="l" rtl="0">
+              <a:spcBef>
+                <a:spcPts val="0"/>
+              </a:spcBef>
+              <a:spcAft>
+                <a:spcPts val="0"/>
+              </a:spcAft>
+              <a:buClr>
+                <a:schemeClr val="dk1"/>
+              </a:buClr>
+              <a:buSzPts val="1100"/>
+              <a:buFont typeface="Arial"/>
+              <a:buNone/>
+            </a:pPr>
+            <a:r>
+              <a:rPr lang="en-NZ" sz="1200" dirty="0">
+                <a:solidFill>
+                  <a:schemeClr val="dk2"/>
+                </a:solidFill>
+              </a:rPr>
+              <a:t>If you are going for M / E, you also need to create extra slides showing how you have used your testing to improve the functionality of your program.  This could mean having multiple test plans (and screenshots) showing several iterations of the assembled program.</a:t>
+            </a:r>
           </a:p>
           <a:p>
             <a:endParaRPr lang="en-NZ" dirty="0"/>
@@ -4595,7 +4649,7 @@
     </p:spTree>
     <p:extLst>
       <p:ext uri="{BB962C8B-B14F-4D97-AF65-F5344CB8AC3E}">
-        <p14:creationId xmlns:p14="http://schemas.microsoft.com/office/powerpoint/2010/main" val="2297475700"/>
+        <p14:creationId xmlns:p14="http://schemas.microsoft.com/office/powerpoint/2010/main" val="2754762789"/>
       </p:ext>
     </p:extLst>
   </p:cSld>
@@ -4664,12 +4718,12 @@
               <a:buNone/>
             </a:pPr>
             <a:r>
-              <a:rPr lang="en-NZ" sz="1200" dirty="0">
+              <a:rPr lang="en-NZ" sz="1200" i="1" dirty="0">
                 <a:solidFill>
                   <a:schemeClr val="dk2"/>
                 </a:solidFill>
               </a:rPr>
-              <a:t>Assemble your components into a working program.  On the slides that follow, please provide a test plan and evidence that your program works as expected.</a:t>
+              <a:t>Use this slide to provide a test plan for your complete program.  You may wish to create multiple slides so that you can test for expected, boundary and unexpected cases.  </a:t>
             </a:r>
           </a:p>
           <a:p>
@@ -4687,7 +4741,7 @@
               <a:buFont typeface="Arial"/>
               <a:buNone/>
             </a:pPr>
-            <a:endParaRPr lang="en-NZ" sz="1200" dirty="0">
+            <a:endParaRPr lang="en-NZ" sz="1200" i="1" dirty="0">
               <a:solidFill>
                 <a:schemeClr val="dk2"/>
               </a:solidFill>
@@ -4709,12 +4763,12 @@
               <a:buNone/>
             </a:pPr>
             <a:r>
-              <a:rPr lang="en-NZ" sz="1200" dirty="0">
+              <a:rPr lang="en-NZ" sz="1200" i="1" dirty="0">
                 <a:solidFill>
                   <a:schemeClr val="dk2"/>
                 </a:solidFill>
               </a:rPr>
-              <a:t>If you are going for M / E, you also need to create extra slides showing how you have used your testing to improve the functionality of your program.  This could mean having multiple test plans (and screenshots) showing several iterations of the assembled program.</a:t>
+              <a:t>Remember to test ALL logical pathways so that you can ensure your program works correctly.</a:t>
             </a:r>
           </a:p>
           <a:p>
@@ -4748,7 +4802,7 @@
     </p:spTree>
     <p:extLst>
       <p:ext uri="{BB962C8B-B14F-4D97-AF65-F5344CB8AC3E}">
-        <p14:creationId xmlns:p14="http://schemas.microsoft.com/office/powerpoint/2010/main" val="2754762789"/>
+        <p14:creationId xmlns:p14="http://schemas.microsoft.com/office/powerpoint/2010/main" val="3577605773"/>
       </p:ext>
     </p:extLst>
   </p:cSld>
@@ -4802,72 +4856,30 @@
           <a:bodyPr/>
           <a:lstStyle/>
           <a:p>
-            <a:pPr marL="0" lvl="0" indent="0" algn="l" rtl="0">
+            <a:pPr marL="0" marR="0" lvl="0" indent="0" algn="l" defTabSz="914400" rtl="0" eaLnBrk="1" fontAlgn="auto" latinLnBrk="0" hangingPunct="1">
+              <a:lnSpc>
+                <a:spcPct val="100000"/>
+              </a:lnSpc>
               <a:spcBef>
                 <a:spcPts val="0"/>
               </a:spcBef>
               <a:spcAft>
                 <a:spcPts val="0"/>
               </a:spcAft>
-              <a:buClr>
-                <a:schemeClr val="dk1"/>
-              </a:buClr>
-              <a:buSzPts val="1100"/>
-              <a:buFont typeface="Arial"/>
+              <a:buClrTx/>
+              <a:buSzTx/>
+              <a:buFontTx/>
               <a:buNone/>
+              <a:tabLst/>
+              <a:defRPr/>
             </a:pPr>
             <a:r>
-              <a:rPr lang="en-NZ" sz="1200" i="1" dirty="0">
+              <a:rPr lang="en-NZ" sz="1200" dirty="0">
                 <a:solidFill>
                   <a:schemeClr val="dk2"/>
                 </a:solidFill>
               </a:rPr>
-              <a:t>Use this slide to provide a test plan for your complete program.  You may wish to create multiple slides so that you can test for expected, boundary and unexpected cases.  </a:t>
-            </a:r>
-          </a:p>
-          <a:p>
-            <a:pPr marL="0" lvl="0" indent="0" algn="l" rtl="0">
-              <a:spcBef>
-                <a:spcPts val="0"/>
-              </a:spcBef>
-              <a:spcAft>
-                <a:spcPts val="0"/>
-              </a:spcAft>
-              <a:buClr>
-                <a:schemeClr val="dk1"/>
-              </a:buClr>
-              <a:buSzPts val="1100"/>
-              <a:buFont typeface="Arial"/>
-              <a:buNone/>
-            </a:pPr>
-            <a:endParaRPr lang="en-NZ" sz="1200" i="1" dirty="0">
-              <a:solidFill>
-                <a:schemeClr val="dk2"/>
-              </a:solidFill>
-            </a:endParaRPr>
-          </a:p>
-          <a:p>
-            <a:pPr marL="0" lvl="0" indent="0" algn="l" rtl="0">
-              <a:spcBef>
-                <a:spcPts val="0"/>
-              </a:spcBef>
-              <a:spcAft>
-                <a:spcPts val="0"/>
-              </a:spcAft>
-              <a:buClr>
-                <a:schemeClr val="dk1"/>
-              </a:buClr>
-              <a:buSzPts val="1100"/>
-              <a:buFont typeface="Arial"/>
-              <a:buNone/>
-            </a:pPr>
-            <a:r>
-              <a:rPr lang="en-NZ" sz="1200" i="1" dirty="0">
-                <a:solidFill>
-                  <a:schemeClr val="dk2"/>
-                </a:solidFill>
-              </a:rPr>
-              <a:t>Remember to test ALL logical pathways so that you can ensure your program works correctly.</a:t>
+              <a:t>Create as many slides as needed to provide evidence of testing that your outcome works for expected, boundary and unexpected cases.  </a:t>
             </a:r>
           </a:p>
           <a:p>
@@ -4901,7 +4913,7 @@
     </p:spTree>
     <p:extLst>
       <p:ext uri="{BB962C8B-B14F-4D97-AF65-F5344CB8AC3E}">
-        <p14:creationId xmlns:p14="http://schemas.microsoft.com/office/powerpoint/2010/main" val="3577605773"/>
+        <p14:creationId xmlns:p14="http://schemas.microsoft.com/office/powerpoint/2010/main" val="1082870189"/>
       </p:ext>
     </p:extLst>
   </p:cSld>
@@ -5012,7 +5024,7 @@
     </p:spTree>
     <p:extLst>
       <p:ext uri="{BB962C8B-B14F-4D97-AF65-F5344CB8AC3E}">
-        <p14:creationId xmlns:p14="http://schemas.microsoft.com/office/powerpoint/2010/main" val="1082870189"/>
+        <p14:creationId xmlns:p14="http://schemas.microsoft.com/office/powerpoint/2010/main" val="3247910443"/>
       </p:ext>
     </p:extLst>
   </p:cSld>
@@ -5066,19 +5078,22 @@
           <a:bodyPr/>
           <a:lstStyle/>
           <a:p>
-            <a:pPr marL="0" lvl="0" indent="0" algn="l" rtl="0">
+            <a:pPr marL="0" marR="0" lvl="0" indent="0" algn="l" defTabSz="914400" rtl="0" eaLnBrk="1" fontAlgn="auto" latinLnBrk="0" hangingPunct="1">
+              <a:lnSpc>
+                <a:spcPct val="100000"/>
+              </a:lnSpc>
               <a:spcBef>
                 <a:spcPts val="0"/>
               </a:spcBef>
               <a:spcAft>
                 <a:spcPts val="0"/>
               </a:spcAft>
-              <a:buClr>
-                <a:schemeClr val="dk1"/>
-              </a:buClr>
-              <a:buSzPts val="1100"/>
-              <a:buFont typeface="Arial"/>
+              <a:buClrTx/>
+              <a:buSzTx/>
+              <a:buFontTx/>
               <a:buNone/>
+              <a:tabLst/>
+              <a:defRPr/>
             </a:pPr>
             <a:r>
               <a:rPr lang="en-NZ" sz="1200" dirty="0">
@@ -5086,8 +5101,11 @@
                   <a:schemeClr val="dk2"/>
                 </a:solidFill>
               </a:rPr>
-              <a:t>Discuss how you used (and combined) information gained from the planning, testing and trialling of your components to improve the quality of your program.  Note that synthesising information from planning, testing and trialling of components and then discussing how this led to a high quality outcome is needed for an E grade.</a:t>
-            </a:r>
+              <a:t>Create as many slides as needed to provide evidence of testing that your outcome works for expected, boundary and unexpected cases.  </a:t>
+            </a:r>
+          </a:p>
+          <a:p>
+            <a:endParaRPr lang="en-NZ" dirty="0"/>
           </a:p>
         </p:txBody>
       </p:sp>
@@ -5117,7 +5135,7 @@
     </p:spTree>
     <p:extLst>
       <p:ext uri="{BB962C8B-B14F-4D97-AF65-F5344CB8AC3E}">
-        <p14:creationId xmlns:p14="http://schemas.microsoft.com/office/powerpoint/2010/main" val="1885275644"/>
+        <p14:creationId xmlns:p14="http://schemas.microsoft.com/office/powerpoint/2010/main" val="3990054260"/>
       </p:ext>
     </p:extLst>
   </p:cSld>
@@ -5205,6 +5223,900 @@
     <p:extLst>
       <p:ext uri="{BB962C8B-B14F-4D97-AF65-F5344CB8AC3E}">
         <p14:creationId xmlns:p14="http://schemas.microsoft.com/office/powerpoint/2010/main" val="1591879856"/>
+      </p:ext>
+    </p:extLst>
+  </p:cSld>
+  <p:clrMapOvr>
+    <a:masterClrMapping/>
+  </p:clrMapOvr>
+</p:notes>
+</file>
+
+<file path=ppt/notesSlides/notesSlide40.xml><?xml version="1.0" encoding="utf-8"?>
+<p:notes xmlns:a="http://schemas.openxmlformats.org/drawingml/2006/main" xmlns:r="http://schemas.openxmlformats.org/officeDocument/2006/relationships" xmlns:p="http://schemas.openxmlformats.org/presentationml/2006/main">
+  <p:cSld>
+    <p:spTree>
+      <p:nvGrpSpPr>
+        <p:cNvPr id="1" name=""/>
+        <p:cNvGrpSpPr/>
+        <p:nvPr/>
+      </p:nvGrpSpPr>
+      <p:grpSpPr>
+        <a:xfrm>
+          <a:off x="0" y="0"/>
+          <a:ext cx="0" cy="0"/>
+          <a:chOff x="0" y="0"/>
+          <a:chExt cx="0" cy="0"/>
+        </a:xfrm>
+      </p:grpSpPr>
+      <p:sp>
+        <p:nvSpPr>
+          <p:cNvPr id="2" name="Slide Image Placeholder 1"/>
+          <p:cNvSpPr>
+            <a:spLocks noGrp="1" noRot="1" noChangeAspect="1"/>
+          </p:cNvSpPr>
+          <p:nvPr>
+            <p:ph type="sldImg"/>
+          </p:nvPr>
+        </p:nvSpPr>
+        <p:spPr/>
+      </p:sp>
+      <p:sp>
+        <p:nvSpPr>
+          <p:cNvPr id="3" name="Notes Placeholder 2"/>
+          <p:cNvSpPr>
+            <a:spLocks noGrp="1"/>
+          </p:cNvSpPr>
+          <p:nvPr>
+            <p:ph type="body" idx="1"/>
+          </p:nvPr>
+        </p:nvSpPr>
+        <p:spPr/>
+        <p:txBody>
+          <a:bodyPr/>
+          <a:lstStyle/>
+          <a:p>
+            <a:pPr marL="0" marR="0" lvl="0" indent="0" algn="l" defTabSz="914400" rtl="0" eaLnBrk="1" fontAlgn="auto" latinLnBrk="0" hangingPunct="1">
+              <a:lnSpc>
+                <a:spcPct val="100000"/>
+              </a:lnSpc>
+              <a:spcBef>
+                <a:spcPts val="0"/>
+              </a:spcBef>
+              <a:spcAft>
+                <a:spcPts val="0"/>
+              </a:spcAft>
+              <a:buClrTx/>
+              <a:buSzTx/>
+              <a:buFontTx/>
+              <a:buNone/>
+              <a:tabLst/>
+              <a:defRPr/>
+            </a:pPr>
+            <a:r>
+              <a:rPr lang="en-NZ" sz="1200" dirty="0">
+                <a:solidFill>
+                  <a:schemeClr val="dk2"/>
+                </a:solidFill>
+              </a:rPr>
+              <a:t>Create as many slides as needed to provide evidence of testing that your outcome works for expected, boundary and unexpected cases.  </a:t>
+            </a:r>
+          </a:p>
+          <a:p>
+            <a:endParaRPr lang="en-NZ" dirty="0"/>
+          </a:p>
+        </p:txBody>
+      </p:sp>
+      <p:sp>
+        <p:nvSpPr>
+          <p:cNvPr id="4" name="Slide Number Placeholder 3"/>
+          <p:cNvSpPr>
+            <a:spLocks noGrp="1"/>
+          </p:cNvSpPr>
+          <p:nvPr>
+            <p:ph type="sldNum" sz="quarter" idx="5"/>
+          </p:nvPr>
+        </p:nvSpPr>
+        <p:spPr/>
+        <p:txBody>
+          <a:bodyPr/>
+          <a:lstStyle/>
+          <a:p>
+            <a:fld id="{D89B2B17-F4B1-4A14-AF99-5A366D45E74A}" type="slidenum">
+              <a:rPr lang="en-NZ" smtClean="0"/>
+              <a:t>41</a:t>
+            </a:fld>
+            <a:endParaRPr lang="en-NZ"/>
+          </a:p>
+        </p:txBody>
+      </p:sp>
+    </p:spTree>
+    <p:extLst>
+      <p:ext uri="{BB962C8B-B14F-4D97-AF65-F5344CB8AC3E}">
+        <p14:creationId xmlns:p14="http://schemas.microsoft.com/office/powerpoint/2010/main" val="4267974081"/>
+      </p:ext>
+    </p:extLst>
+  </p:cSld>
+  <p:clrMapOvr>
+    <a:masterClrMapping/>
+  </p:clrMapOvr>
+</p:notes>
+</file>
+
+<file path=ppt/notesSlides/notesSlide41.xml><?xml version="1.0" encoding="utf-8"?>
+<p:notes xmlns:a="http://schemas.openxmlformats.org/drawingml/2006/main" xmlns:r="http://schemas.openxmlformats.org/officeDocument/2006/relationships" xmlns:p="http://schemas.openxmlformats.org/presentationml/2006/main">
+  <p:cSld>
+    <p:spTree>
+      <p:nvGrpSpPr>
+        <p:cNvPr id="1" name=""/>
+        <p:cNvGrpSpPr/>
+        <p:nvPr/>
+      </p:nvGrpSpPr>
+      <p:grpSpPr>
+        <a:xfrm>
+          <a:off x="0" y="0"/>
+          <a:ext cx="0" cy="0"/>
+          <a:chOff x="0" y="0"/>
+          <a:chExt cx="0" cy="0"/>
+        </a:xfrm>
+      </p:grpSpPr>
+      <p:sp>
+        <p:nvSpPr>
+          <p:cNvPr id="2" name="Slide Image Placeholder 1"/>
+          <p:cNvSpPr>
+            <a:spLocks noGrp="1" noRot="1" noChangeAspect="1"/>
+          </p:cNvSpPr>
+          <p:nvPr>
+            <p:ph type="sldImg"/>
+          </p:nvPr>
+        </p:nvSpPr>
+        <p:spPr/>
+      </p:sp>
+      <p:sp>
+        <p:nvSpPr>
+          <p:cNvPr id="3" name="Notes Placeholder 2"/>
+          <p:cNvSpPr>
+            <a:spLocks noGrp="1"/>
+          </p:cNvSpPr>
+          <p:nvPr>
+            <p:ph type="body" idx="1"/>
+          </p:nvPr>
+        </p:nvSpPr>
+        <p:spPr/>
+        <p:txBody>
+          <a:bodyPr/>
+          <a:lstStyle/>
+          <a:p>
+            <a:pPr marL="0" lvl="0" indent="0" algn="l" rtl="0">
+              <a:spcBef>
+                <a:spcPts val="0"/>
+              </a:spcBef>
+              <a:spcAft>
+                <a:spcPts val="0"/>
+              </a:spcAft>
+              <a:buClr>
+                <a:schemeClr val="dk1"/>
+              </a:buClr>
+              <a:buSzPts val="1100"/>
+              <a:buFont typeface="Arial"/>
+              <a:buNone/>
+            </a:pPr>
+            <a:r>
+              <a:rPr lang="en-NZ" sz="1200" i="1" dirty="0">
+                <a:solidFill>
+                  <a:schemeClr val="dk2"/>
+                </a:solidFill>
+              </a:rPr>
+              <a:t>Use this slide to provide a test plan for your complete program.  You may wish to create multiple slides so that you can test for expected, boundary and unexpected cases.  </a:t>
+            </a:r>
+          </a:p>
+          <a:p>
+            <a:pPr marL="0" lvl="0" indent="0" algn="l" rtl="0">
+              <a:spcBef>
+                <a:spcPts val="0"/>
+              </a:spcBef>
+              <a:spcAft>
+                <a:spcPts val="0"/>
+              </a:spcAft>
+              <a:buClr>
+                <a:schemeClr val="dk1"/>
+              </a:buClr>
+              <a:buSzPts val="1100"/>
+              <a:buFont typeface="Arial"/>
+              <a:buNone/>
+            </a:pPr>
+            <a:endParaRPr lang="en-NZ" sz="1200" i="1" dirty="0">
+              <a:solidFill>
+                <a:schemeClr val="dk2"/>
+              </a:solidFill>
+            </a:endParaRPr>
+          </a:p>
+          <a:p>
+            <a:pPr marL="0" lvl="0" indent="0" algn="l" rtl="0">
+              <a:spcBef>
+                <a:spcPts val="0"/>
+              </a:spcBef>
+              <a:spcAft>
+                <a:spcPts val="0"/>
+              </a:spcAft>
+              <a:buClr>
+                <a:schemeClr val="dk1"/>
+              </a:buClr>
+              <a:buSzPts val="1100"/>
+              <a:buFont typeface="Arial"/>
+              <a:buNone/>
+            </a:pPr>
+            <a:r>
+              <a:rPr lang="en-NZ" sz="1200" i="1" dirty="0">
+                <a:solidFill>
+                  <a:schemeClr val="dk2"/>
+                </a:solidFill>
+              </a:rPr>
+              <a:t>Remember to test ALL logical pathways so that you can ensure your program works correctly.</a:t>
+            </a:r>
+          </a:p>
+          <a:p>
+            <a:endParaRPr lang="en-NZ" dirty="0"/>
+          </a:p>
+        </p:txBody>
+      </p:sp>
+      <p:sp>
+        <p:nvSpPr>
+          <p:cNvPr id="4" name="Slide Number Placeholder 3"/>
+          <p:cNvSpPr>
+            <a:spLocks noGrp="1"/>
+          </p:cNvSpPr>
+          <p:nvPr>
+            <p:ph type="sldNum" sz="quarter" idx="5"/>
+          </p:nvPr>
+        </p:nvSpPr>
+        <p:spPr/>
+        <p:txBody>
+          <a:bodyPr/>
+          <a:lstStyle/>
+          <a:p>
+            <a:fld id="{D89B2B17-F4B1-4A14-AF99-5A366D45E74A}" type="slidenum">
+              <a:rPr lang="en-NZ" smtClean="0"/>
+              <a:t>42</a:t>
+            </a:fld>
+            <a:endParaRPr lang="en-NZ"/>
+          </a:p>
+        </p:txBody>
+      </p:sp>
+    </p:spTree>
+    <p:extLst>
+      <p:ext uri="{BB962C8B-B14F-4D97-AF65-F5344CB8AC3E}">
+        <p14:creationId xmlns:p14="http://schemas.microsoft.com/office/powerpoint/2010/main" val="4233914701"/>
+      </p:ext>
+    </p:extLst>
+  </p:cSld>
+  <p:clrMapOvr>
+    <a:masterClrMapping/>
+  </p:clrMapOvr>
+</p:notes>
+</file>
+
+<file path=ppt/notesSlides/notesSlide42.xml><?xml version="1.0" encoding="utf-8"?>
+<p:notes xmlns:a="http://schemas.openxmlformats.org/drawingml/2006/main" xmlns:r="http://schemas.openxmlformats.org/officeDocument/2006/relationships" xmlns:p="http://schemas.openxmlformats.org/presentationml/2006/main">
+  <p:cSld>
+    <p:spTree>
+      <p:nvGrpSpPr>
+        <p:cNvPr id="1" name=""/>
+        <p:cNvGrpSpPr/>
+        <p:nvPr/>
+      </p:nvGrpSpPr>
+      <p:grpSpPr>
+        <a:xfrm>
+          <a:off x="0" y="0"/>
+          <a:ext cx="0" cy="0"/>
+          <a:chOff x="0" y="0"/>
+          <a:chExt cx="0" cy="0"/>
+        </a:xfrm>
+      </p:grpSpPr>
+      <p:sp>
+        <p:nvSpPr>
+          <p:cNvPr id="2" name="Slide Image Placeholder 1"/>
+          <p:cNvSpPr>
+            <a:spLocks noGrp="1" noRot="1" noChangeAspect="1"/>
+          </p:cNvSpPr>
+          <p:nvPr>
+            <p:ph type="sldImg"/>
+          </p:nvPr>
+        </p:nvSpPr>
+        <p:spPr/>
+      </p:sp>
+      <p:sp>
+        <p:nvSpPr>
+          <p:cNvPr id="3" name="Notes Placeholder 2"/>
+          <p:cNvSpPr>
+            <a:spLocks noGrp="1"/>
+          </p:cNvSpPr>
+          <p:nvPr>
+            <p:ph type="body" idx="1"/>
+          </p:nvPr>
+        </p:nvSpPr>
+        <p:spPr/>
+        <p:txBody>
+          <a:bodyPr/>
+          <a:lstStyle/>
+          <a:p>
+            <a:pPr marL="0" lvl="0" indent="0" algn="l" rtl="0">
+              <a:spcBef>
+                <a:spcPts val="0"/>
+              </a:spcBef>
+              <a:spcAft>
+                <a:spcPts val="0"/>
+              </a:spcAft>
+              <a:buClr>
+                <a:schemeClr val="dk1"/>
+              </a:buClr>
+              <a:buSzPts val="1100"/>
+              <a:buFont typeface="Arial"/>
+              <a:buNone/>
+            </a:pPr>
+            <a:r>
+              <a:rPr lang="en-NZ" sz="1200" i="1" dirty="0">
+                <a:solidFill>
+                  <a:schemeClr val="dk2"/>
+                </a:solidFill>
+              </a:rPr>
+              <a:t>Use this slide to provide a test plan for your complete program.  You may wish to create multiple slides so that you can test for expected, boundary and unexpected cases.  </a:t>
+            </a:r>
+          </a:p>
+          <a:p>
+            <a:pPr marL="0" lvl="0" indent="0" algn="l" rtl="0">
+              <a:spcBef>
+                <a:spcPts val="0"/>
+              </a:spcBef>
+              <a:spcAft>
+                <a:spcPts val="0"/>
+              </a:spcAft>
+              <a:buClr>
+                <a:schemeClr val="dk1"/>
+              </a:buClr>
+              <a:buSzPts val="1100"/>
+              <a:buFont typeface="Arial"/>
+              <a:buNone/>
+            </a:pPr>
+            <a:endParaRPr lang="en-NZ" sz="1200" i="1" dirty="0">
+              <a:solidFill>
+                <a:schemeClr val="dk2"/>
+              </a:solidFill>
+            </a:endParaRPr>
+          </a:p>
+          <a:p>
+            <a:pPr marL="0" lvl="0" indent="0" algn="l" rtl="0">
+              <a:spcBef>
+                <a:spcPts val="0"/>
+              </a:spcBef>
+              <a:spcAft>
+                <a:spcPts val="0"/>
+              </a:spcAft>
+              <a:buClr>
+                <a:schemeClr val="dk1"/>
+              </a:buClr>
+              <a:buSzPts val="1100"/>
+              <a:buFont typeface="Arial"/>
+              <a:buNone/>
+            </a:pPr>
+            <a:r>
+              <a:rPr lang="en-NZ" sz="1200" i="1" dirty="0">
+                <a:solidFill>
+                  <a:schemeClr val="dk2"/>
+                </a:solidFill>
+              </a:rPr>
+              <a:t>Remember to test ALL logical pathways so that you can ensure your program works correctly.</a:t>
+            </a:r>
+          </a:p>
+          <a:p>
+            <a:endParaRPr lang="en-NZ" dirty="0"/>
+          </a:p>
+        </p:txBody>
+      </p:sp>
+      <p:sp>
+        <p:nvSpPr>
+          <p:cNvPr id="4" name="Slide Number Placeholder 3"/>
+          <p:cNvSpPr>
+            <a:spLocks noGrp="1"/>
+          </p:cNvSpPr>
+          <p:nvPr>
+            <p:ph type="sldNum" sz="quarter" idx="5"/>
+          </p:nvPr>
+        </p:nvSpPr>
+        <p:spPr/>
+        <p:txBody>
+          <a:bodyPr/>
+          <a:lstStyle/>
+          <a:p>
+            <a:fld id="{D89B2B17-F4B1-4A14-AF99-5A366D45E74A}" type="slidenum">
+              <a:rPr lang="en-NZ" smtClean="0"/>
+              <a:t>43</a:t>
+            </a:fld>
+            <a:endParaRPr lang="en-NZ"/>
+          </a:p>
+        </p:txBody>
+      </p:sp>
+    </p:spTree>
+    <p:extLst>
+      <p:ext uri="{BB962C8B-B14F-4D97-AF65-F5344CB8AC3E}">
+        <p14:creationId xmlns:p14="http://schemas.microsoft.com/office/powerpoint/2010/main" val="306505648"/>
+      </p:ext>
+    </p:extLst>
+  </p:cSld>
+  <p:clrMapOvr>
+    <a:masterClrMapping/>
+  </p:clrMapOvr>
+</p:notes>
+</file>
+
+<file path=ppt/notesSlides/notesSlide43.xml><?xml version="1.0" encoding="utf-8"?>
+<p:notes xmlns:a="http://schemas.openxmlformats.org/drawingml/2006/main" xmlns:r="http://schemas.openxmlformats.org/officeDocument/2006/relationships" xmlns:p="http://schemas.openxmlformats.org/presentationml/2006/main">
+  <p:cSld>
+    <p:spTree>
+      <p:nvGrpSpPr>
+        <p:cNvPr id="1" name=""/>
+        <p:cNvGrpSpPr/>
+        <p:nvPr/>
+      </p:nvGrpSpPr>
+      <p:grpSpPr>
+        <a:xfrm>
+          <a:off x="0" y="0"/>
+          <a:ext cx="0" cy="0"/>
+          <a:chOff x="0" y="0"/>
+          <a:chExt cx="0" cy="0"/>
+        </a:xfrm>
+      </p:grpSpPr>
+      <p:sp>
+        <p:nvSpPr>
+          <p:cNvPr id="2" name="Slide Image Placeholder 1"/>
+          <p:cNvSpPr>
+            <a:spLocks noGrp="1" noRot="1" noChangeAspect="1"/>
+          </p:cNvSpPr>
+          <p:nvPr>
+            <p:ph type="sldImg"/>
+          </p:nvPr>
+        </p:nvSpPr>
+        <p:spPr/>
+      </p:sp>
+      <p:sp>
+        <p:nvSpPr>
+          <p:cNvPr id="3" name="Notes Placeholder 2"/>
+          <p:cNvSpPr>
+            <a:spLocks noGrp="1"/>
+          </p:cNvSpPr>
+          <p:nvPr>
+            <p:ph type="body" idx="1"/>
+          </p:nvPr>
+        </p:nvSpPr>
+        <p:spPr/>
+        <p:txBody>
+          <a:bodyPr/>
+          <a:lstStyle/>
+          <a:p>
+            <a:pPr marL="0" lvl="0" indent="0" algn="l" rtl="0">
+              <a:spcBef>
+                <a:spcPts val="0"/>
+              </a:spcBef>
+              <a:spcAft>
+                <a:spcPts val="0"/>
+              </a:spcAft>
+              <a:buClr>
+                <a:schemeClr val="dk1"/>
+              </a:buClr>
+              <a:buSzPts val="1100"/>
+              <a:buFont typeface="Arial"/>
+              <a:buNone/>
+            </a:pPr>
+            <a:r>
+              <a:rPr lang="en-NZ" sz="1200" i="1" dirty="0">
+                <a:solidFill>
+                  <a:schemeClr val="dk2"/>
+                </a:solidFill>
+              </a:rPr>
+              <a:t>Use this slide to provide a test plan for your complete program.  You may wish to create multiple slides so that you can test for expected, boundary and unexpected cases.  </a:t>
+            </a:r>
+          </a:p>
+          <a:p>
+            <a:pPr marL="0" lvl="0" indent="0" algn="l" rtl="0">
+              <a:spcBef>
+                <a:spcPts val="0"/>
+              </a:spcBef>
+              <a:spcAft>
+                <a:spcPts val="0"/>
+              </a:spcAft>
+              <a:buClr>
+                <a:schemeClr val="dk1"/>
+              </a:buClr>
+              <a:buSzPts val="1100"/>
+              <a:buFont typeface="Arial"/>
+              <a:buNone/>
+            </a:pPr>
+            <a:endParaRPr lang="en-NZ" sz="1200" i="1" dirty="0">
+              <a:solidFill>
+                <a:schemeClr val="dk2"/>
+              </a:solidFill>
+            </a:endParaRPr>
+          </a:p>
+          <a:p>
+            <a:pPr marL="0" lvl="0" indent="0" algn="l" rtl="0">
+              <a:spcBef>
+                <a:spcPts val="0"/>
+              </a:spcBef>
+              <a:spcAft>
+                <a:spcPts val="0"/>
+              </a:spcAft>
+              <a:buClr>
+                <a:schemeClr val="dk1"/>
+              </a:buClr>
+              <a:buSzPts val="1100"/>
+              <a:buFont typeface="Arial"/>
+              <a:buNone/>
+            </a:pPr>
+            <a:r>
+              <a:rPr lang="en-NZ" sz="1200" i="1" dirty="0">
+                <a:solidFill>
+                  <a:schemeClr val="dk2"/>
+                </a:solidFill>
+              </a:rPr>
+              <a:t>Remember to test ALL logical pathways so that you can ensure your program works correctly.</a:t>
+            </a:r>
+          </a:p>
+          <a:p>
+            <a:endParaRPr lang="en-NZ" dirty="0"/>
+          </a:p>
+        </p:txBody>
+      </p:sp>
+      <p:sp>
+        <p:nvSpPr>
+          <p:cNvPr id="4" name="Slide Number Placeholder 3"/>
+          <p:cNvSpPr>
+            <a:spLocks noGrp="1"/>
+          </p:cNvSpPr>
+          <p:nvPr>
+            <p:ph type="sldNum" sz="quarter" idx="5"/>
+          </p:nvPr>
+        </p:nvSpPr>
+        <p:spPr/>
+        <p:txBody>
+          <a:bodyPr/>
+          <a:lstStyle/>
+          <a:p>
+            <a:fld id="{D89B2B17-F4B1-4A14-AF99-5A366D45E74A}" type="slidenum">
+              <a:rPr lang="en-NZ" smtClean="0"/>
+              <a:t>44</a:t>
+            </a:fld>
+            <a:endParaRPr lang="en-NZ"/>
+          </a:p>
+        </p:txBody>
+      </p:sp>
+    </p:spTree>
+    <p:extLst>
+      <p:ext uri="{BB962C8B-B14F-4D97-AF65-F5344CB8AC3E}">
+        <p14:creationId xmlns:p14="http://schemas.microsoft.com/office/powerpoint/2010/main" val="3356494992"/>
+      </p:ext>
+    </p:extLst>
+  </p:cSld>
+  <p:clrMapOvr>
+    <a:masterClrMapping/>
+  </p:clrMapOvr>
+</p:notes>
+</file>
+
+<file path=ppt/notesSlides/notesSlide44.xml><?xml version="1.0" encoding="utf-8"?>
+<p:notes xmlns:a="http://schemas.openxmlformats.org/drawingml/2006/main" xmlns:r="http://schemas.openxmlformats.org/officeDocument/2006/relationships" xmlns:p="http://schemas.openxmlformats.org/presentationml/2006/main">
+  <p:cSld>
+    <p:spTree>
+      <p:nvGrpSpPr>
+        <p:cNvPr id="1" name=""/>
+        <p:cNvGrpSpPr/>
+        <p:nvPr/>
+      </p:nvGrpSpPr>
+      <p:grpSpPr>
+        <a:xfrm>
+          <a:off x="0" y="0"/>
+          <a:ext cx="0" cy="0"/>
+          <a:chOff x="0" y="0"/>
+          <a:chExt cx="0" cy="0"/>
+        </a:xfrm>
+      </p:grpSpPr>
+      <p:sp>
+        <p:nvSpPr>
+          <p:cNvPr id="2" name="Slide Image Placeholder 1"/>
+          <p:cNvSpPr>
+            <a:spLocks noGrp="1" noRot="1" noChangeAspect="1"/>
+          </p:cNvSpPr>
+          <p:nvPr>
+            <p:ph type="sldImg"/>
+          </p:nvPr>
+        </p:nvSpPr>
+        <p:spPr/>
+      </p:sp>
+      <p:sp>
+        <p:nvSpPr>
+          <p:cNvPr id="3" name="Notes Placeholder 2"/>
+          <p:cNvSpPr>
+            <a:spLocks noGrp="1"/>
+          </p:cNvSpPr>
+          <p:nvPr>
+            <p:ph type="body" idx="1"/>
+          </p:nvPr>
+        </p:nvSpPr>
+        <p:spPr/>
+        <p:txBody>
+          <a:bodyPr/>
+          <a:lstStyle/>
+          <a:p>
+            <a:pPr marL="0" marR="0" lvl="0" indent="0" algn="l" defTabSz="914400" rtl="0" eaLnBrk="1" fontAlgn="auto" latinLnBrk="0" hangingPunct="1">
+              <a:lnSpc>
+                <a:spcPct val="100000"/>
+              </a:lnSpc>
+              <a:spcBef>
+                <a:spcPts val="0"/>
+              </a:spcBef>
+              <a:spcAft>
+                <a:spcPts val="0"/>
+              </a:spcAft>
+              <a:buClrTx/>
+              <a:buSzTx/>
+              <a:buFontTx/>
+              <a:buNone/>
+              <a:tabLst/>
+              <a:defRPr/>
+            </a:pPr>
+            <a:r>
+              <a:rPr lang="en-NZ" i="1" dirty="0">
+                <a:latin typeface="Arial" panose="020B0604020202020204" pitchFamily="34" charset="0"/>
+                <a:ea typeface="Arial" panose="020B0604020202020204" pitchFamily="34" charset="0"/>
+              </a:rPr>
+              <a:t>Your version control evidence should go here.  This could be in the form of screenshots (both of your GitHub repository as well as your local project folder) as evidence of your incremental development.</a:t>
+            </a:r>
+            <a:endParaRPr lang="en-NZ" dirty="0">
+              <a:latin typeface="Arial" panose="020B0604020202020204" pitchFamily="34" charset="0"/>
+              <a:ea typeface="Arial" panose="020B0604020202020204" pitchFamily="34" charset="0"/>
+            </a:endParaRPr>
+          </a:p>
+          <a:p>
+            <a:endParaRPr lang="en-NZ" dirty="0"/>
+          </a:p>
+        </p:txBody>
+      </p:sp>
+      <p:sp>
+        <p:nvSpPr>
+          <p:cNvPr id="4" name="Slide Number Placeholder 3"/>
+          <p:cNvSpPr>
+            <a:spLocks noGrp="1"/>
+          </p:cNvSpPr>
+          <p:nvPr>
+            <p:ph type="sldNum" sz="quarter" idx="5"/>
+          </p:nvPr>
+        </p:nvSpPr>
+        <p:spPr/>
+        <p:txBody>
+          <a:bodyPr/>
+          <a:lstStyle/>
+          <a:p>
+            <a:fld id="{D89B2B17-F4B1-4A14-AF99-5A366D45E74A}" type="slidenum">
+              <a:rPr lang="en-NZ" smtClean="0"/>
+              <a:t>45</a:t>
+            </a:fld>
+            <a:endParaRPr lang="en-NZ"/>
+          </a:p>
+        </p:txBody>
+      </p:sp>
+    </p:spTree>
+    <p:extLst>
+      <p:ext uri="{BB962C8B-B14F-4D97-AF65-F5344CB8AC3E}">
+        <p14:creationId xmlns:p14="http://schemas.microsoft.com/office/powerpoint/2010/main" val="1431557508"/>
+      </p:ext>
+    </p:extLst>
+  </p:cSld>
+  <p:clrMapOvr>
+    <a:masterClrMapping/>
+  </p:clrMapOvr>
+</p:notes>
+</file>
+
+<file path=ppt/notesSlides/notesSlide45.xml><?xml version="1.0" encoding="utf-8"?>
+<p:notes xmlns:a="http://schemas.openxmlformats.org/drawingml/2006/main" xmlns:r="http://schemas.openxmlformats.org/officeDocument/2006/relationships" xmlns:p="http://schemas.openxmlformats.org/presentationml/2006/main">
+  <p:cSld>
+    <p:spTree>
+      <p:nvGrpSpPr>
+        <p:cNvPr id="1" name=""/>
+        <p:cNvGrpSpPr/>
+        <p:nvPr/>
+      </p:nvGrpSpPr>
+      <p:grpSpPr>
+        <a:xfrm>
+          <a:off x="0" y="0"/>
+          <a:ext cx="0" cy="0"/>
+          <a:chOff x="0" y="0"/>
+          <a:chExt cx="0" cy="0"/>
+        </a:xfrm>
+      </p:grpSpPr>
+      <p:sp>
+        <p:nvSpPr>
+          <p:cNvPr id="2" name="Slide Image Placeholder 1"/>
+          <p:cNvSpPr>
+            <a:spLocks noGrp="1" noRot="1" noChangeAspect="1"/>
+          </p:cNvSpPr>
+          <p:nvPr>
+            <p:ph type="sldImg"/>
+          </p:nvPr>
+        </p:nvSpPr>
+        <p:spPr/>
+      </p:sp>
+      <p:sp>
+        <p:nvSpPr>
+          <p:cNvPr id="3" name="Notes Placeholder 2"/>
+          <p:cNvSpPr>
+            <a:spLocks noGrp="1"/>
+          </p:cNvSpPr>
+          <p:nvPr>
+            <p:ph type="body" idx="1"/>
+          </p:nvPr>
+        </p:nvSpPr>
+        <p:spPr/>
+        <p:txBody>
+          <a:bodyPr/>
+          <a:lstStyle/>
+          <a:p>
+            <a:pPr marL="0" lvl="0" indent="0" algn="l" rtl="0">
+              <a:spcBef>
+                <a:spcPts val="0"/>
+              </a:spcBef>
+              <a:spcAft>
+                <a:spcPts val="0"/>
+              </a:spcAft>
+              <a:buClr>
+                <a:schemeClr val="dk1"/>
+              </a:buClr>
+              <a:buSzPts val="1100"/>
+              <a:buFont typeface="Arial"/>
+              <a:buNone/>
+            </a:pPr>
+            <a:r>
+              <a:rPr lang="en-NZ" sz="1200" dirty="0">
+                <a:solidFill>
+                  <a:schemeClr val="dk2"/>
+                </a:solidFill>
+              </a:rPr>
+              <a:t>Discuss how you used (and combined) information gained from the planning, testing and trialling of your components to improve the quality of your program.  Note that synthesising information from planning, testing and trialling of components and then discussing how this led to a high quality outcome is needed for an E grade.</a:t>
+            </a:r>
+          </a:p>
+        </p:txBody>
+      </p:sp>
+      <p:sp>
+        <p:nvSpPr>
+          <p:cNvPr id="4" name="Slide Number Placeholder 3"/>
+          <p:cNvSpPr>
+            <a:spLocks noGrp="1"/>
+          </p:cNvSpPr>
+          <p:nvPr>
+            <p:ph type="sldNum" sz="quarter" idx="5"/>
+          </p:nvPr>
+        </p:nvSpPr>
+        <p:spPr/>
+        <p:txBody>
+          <a:bodyPr/>
+          <a:lstStyle/>
+          <a:p>
+            <a:fld id="{D89B2B17-F4B1-4A14-AF99-5A366D45E74A}" type="slidenum">
+              <a:rPr lang="en-NZ" smtClean="0"/>
+              <a:t>46</a:t>
+            </a:fld>
+            <a:endParaRPr lang="en-NZ"/>
+          </a:p>
+        </p:txBody>
+      </p:sp>
+    </p:spTree>
+    <p:extLst>
+      <p:ext uri="{BB962C8B-B14F-4D97-AF65-F5344CB8AC3E}">
+        <p14:creationId xmlns:p14="http://schemas.microsoft.com/office/powerpoint/2010/main" val="1885275644"/>
+      </p:ext>
+    </p:extLst>
+  </p:cSld>
+  <p:clrMapOvr>
+    <a:masterClrMapping/>
+  </p:clrMapOvr>
+</p:notes>
+</file>
+
+<file path=ppt/notesSlides/notesSlide46.xml><?xml version="1.0" encoding="utf-8"?>
+<p:notes xmlns:a="http://schemas.openxmlformats.org/drawingml/2006/main" xmlns:r="http://schemas.openxmlformats.org/officeDocument/2006/relationships" xmlns:p="http://schemas.openxmlformats.org/presentationml/2006/main">
+  <p:cSld>
+    <p:spTree>
+      <p:nvGrpSpPr>
+        <p:cNvPr id="1" name=""/>
+        <p:cNvGrpSpPr/>
+        <p:nvPr/>
+      </p:nvGrpSpPr>
+      <p:grpSpPr>
+        <a:xfrm>
+          <a:off x="0" y="0"/>
+          <a:ext cx="0" cy="0"/>
+          <a:chOff x="0" y="0"/>
+          <a:chExt cx="0" cy="0"/>
+        </a:xfrm>
+      </p:grpSpPr>
+      <p:sp>
+        <p:nvSpPr>
+          <p:cNvPr id="2" name="Slide Image Placeholder 1"/>
+          <p:cNvSpPr>
+            <a:spLocks noGrp="1" noRot="1" noChangeAspect="1"/>
+          </p:cNvSpPr>
+          <p:nvPr>
+            <p:ph type="sldImg"/>
+          </p:nvPr>
+        </p:nvSpPr>
+        <p:spPr/>
+      </p:sp>
+      <p:sp>
+        <p:nvSpPr>
+          <p:cNvPr id="3" name="Notes Placeholder 2"/>
+          <p:cNvSpPr>
+            <a:spLocks noGrp="1"/>
+          </p:cNvSpPr>
+          <p:nvPr>
+            <p:ph type="body" idx="1"/>
+          </p:nvPr>
+        </p:nvSpPr>
+        <p:spPr/>
+        <p:txBody>
+          <a:bodyPr/>
+          <a:lstStyle/>
+          <a:p>
+            <a:pPr marL="0" lvl="0" indent="0" algn="l" rtl="0">
+              <a:spcBef>
+                <a:spcPts val="0"/>
+              </a:spcBef>
+              <a:spcAft>
+                <a:spcPts val="0"/>
+              </a:spcAft>
+              <a:buClr>
+                <a:schemeClr val="dk1"/>
+              </a:buClr>
+              <a:buSzPts val="1100"/>
+              <a:buFont typeface="Arial"/>
+              <a:buNone/>
+            </a:pPr>
+            <a:r>
+              <a:rPr lang="en-NZ" sz="1200" dirty="0">
+                <a:solidFill>
+                  <a:schemeClr val="dk2"/>
+                </a:solidFill>
+              </a:rPr>
+              <a:t>Discuss how you used (and combined) information gained from the planning, testing and trialling of your components to improve the quality of your program.  Note that synthesising information from planning, testing and trialling of components and then discussing how this led to a high quality outcome is needed for an E grade.</a:t>
+            </a:r>
+          </a:p>
+        </p:txBody>
+      </p:sp>
+      <p:sp>
+        <p:nvSpPr>
+          <p:cNvPr id="4" name="Slide Number Placeholder 3"/>
+          <p:cNvSpPr>
+            <a:spLocks noGrp="1"/>
+          </p:cNvSpPr>
+          <p:nvPr>
+            <p:ph type="sldNum" sz="quarter" idx="5"/>
+          </p:nvPr>
+        </p:nvSpPr>
+        <p:spPr/>
+        <p:txBody>
+          <a:bodyPr/>
+          <a:lstStyle/>
+          <a:p>
+            <a:fld id="{D89B2B17-F4B1-4A14-AF99-5A366D45E74A}" type="slidenum">
+              <a:rPr lang="en-NZ" smtClean="0"/>
+              <a:t>47</a:t>
+            </a:fld>
+            <a:endParaRPr lang="en-NZ"/>
+          </a:p>
+        </p:txBody>
+      </p:sp>
+    </p:spTree>
+    <p:extLst>
+      <p:ext uri="{BB962C8B-B14F-4D97-AF65-F5344CB8AC3E}">
+        <p14:creationId xmlns:p14="http://schemas.microsoft.com/office/powerpoint/2010/main" val="3045269231"/>
       </p:ext>
     </p:extLst>
   </p:cSld>
@@ -6146,7 +7058,7 @@
           <a:p>
             <a:fld id="{9C4A4F43-1C06-40E6-8F87-8B286982E50E}" type="datetimeFigureOut">
               <a:rPr lang="en-NZ" smtClean="0"/>
-              <a:t>27/05/2023</a:t>
+              <a:t>28/05/2023</a:t>
             </a:fld>
             <a:endParaRPr lang="en-NZ" dirty="0"/>
           </a:p>
@@ -6346,7 +7258,7 @@
           <a:p>
             <a:fld id="{9C4A4F43-1C06-40E6-8F87-8B286982E50E}" type="datetimeFigureOut">
               <a:rPr lang="en-NZ" smtClean="0"/>
-              <a:t>27/05/2023</a:t>
+              <a:t>28/05/2023</a:t>
             </a:fld>
             <a:endParaRPr lang="en-NZ" dirty="0"/>
           </a:p>
@@ -6556,7 +7468,7 @@
           <a:p>
             <a:fld id="{9C4A4F43-1C06-40E6-8F87-8B286982E50E}" type="datetimeFigureOut">
               <a:rPr lang="en-NZ" smtClean="0"/>
-              <a:t>27/05/2023</a:t>
+              <a:t>28/05/2023</a:t>
             </a:fld>
             <a:endParaRPr lang="en-NZ" dirty="0"/>
           </a:p>
@@ -6756,7 +7668,7 @@
           <a:p>
             <a:fld id="{9C4A4F43-1C06-40E6-8F87-8B286982E50E}" type="datetimeFigureOut">
               <a:rPr lang="en-NZ" smtClean="0"/>
-              <a:t>27/05/2023</a:t>
+              <a:t>28/05/2023</a:t>
             </a:fld>
             <a:endParaRPr lang="en-NZ" dirty="0"/>
           </a:p>
@@ -7032,7 +7944,7 @@
           <a:p>
             <a:fld id="{9C4A4F43-1C06-40E6-8F87-8B286982E50E}" type="datetimeFigureOut">
               <a:rPr lang="en-NZ" smtClean="0"/>
-              <a:t>27/05/2023</a:t>
+              <a:t>28/05/2023</a:t>
             </a:fld>
             <a:endParaRPr lang="en-NZ" dirty="0"/>
           </a:p>
@@ -7300,7 +8212,7 @@
           <a:p>
             <a:fld id="{9C4A4F43-1C06-40E6-8F87-8B286982E50E}" type="datetimeFigureOut">
               <a:rPr lang="en-NZ" smtClean="0"/>
-              <a:t>27/05/2023</a:t>
+              <a:t>28/05/2023</a:t>
             </a:fld>
             <a:endParaRPr lang="en-NZ" dirty="0"/>
           </a:p>
@@ -7715,7 +8627,7 @@
           <a:p>
             <a:fld id="{9C4A4F43-1C06-40E6-8F87-8B286982E50E}" type="datetimeFigureOut">
               <a:rPr lang="en-NZ" smtClean="0"/>
-              <a:t>27/05/2023</a:t>
+              <a:t>28/05/2023</a:t>
             </a:fld>
             <a:endParaRPr lang="en-NZ" dirty="0"/>
           </a:p>
@@ -7857,7 +8769,7 @@
           <a:p>
             <a:fld id="{9C4A4F43-1C06-40E6-8F87-8B286982E50E}" type="datetimeFigureOut">
               <a:rPr lang="en-NZ" smtClean="0"/>
-              <a:t>27/05/2023</a:t>
+              <a:t>28/05/2023</a:t>
             </a:fld>
             <a:endParaRPr lang="en-NZ" dirty="0"/>
           </a:p>
@@ -7970,7 +8882,7 @@
           <a:p>
             <a:fld id="{9C4A4F43-1C06-40E6-8F87-8B286982E50E}" type="datetimeFigureOut">
               <a:rPr lang="en-NZ" smtClean="0"/>
-              <a:t>27/05/2023</a:t>
+              <a:t>28/05/2023</a:t>
             </a:fld>
             <a:endParaRPr lang="en-NZ" dirty="0"/>
           </a:p>
@@ -8283,7 +9195,7 @@
           <a:p>
             <a:fld id="{9C4A4F43-1C06-40E6-8F87-8B286982E50E}" type="datetimeFigureOut">
               <a:rPr lang="en-NZ" smtClean="0"/>
-              <a:t>27/05/2023</a:t>
+              <a:t>28/05/2023</a:t>
             </a:fld>
             <a:endParaRPr lang="en-NZ" dirty="0"/>
           </a:p>
@@ -8572,7 +9484,7 @@
           <a:p>
             <a:fld id="{9C4A4F43-1C06-40E6-8F87-8B286982E50E}" type="datetimeFigureOut">
               <a:rPr lang="en-NZ" smtClean="0"/>
-              <a:t>27/05/2023</a:t>
+              <a:t>28/05/2023</a:t>
             </a:fld>
             <a:endParaRPr lang="en-NZ" dirty="0"/>
           </a:p>
@@ -8815,7 +9727,7 @@
           <a:p>
             <a:fld id="{9C4A4F43-1C06-40E6-8F87-8B286982E50E}" type="datetimeFigureOut">
               <a:rPr lang="en-NZ" smtClean="0"/>
-              <a:t>27/05/2023</a:t>
+              <a:t>28/05/2023</a:t>
             </a:fld>
             <a:endParaRPr lang="en-NZ" dirty="0"/>
           </a:p>
@@ -12879,7 +13791,7 @@
           <a:p>
             <a:r>
               <a:rPr lang="en-NZ" b="1" dirty="0"/>
-              <a:t>[Overtype this with your program name]</a:t>
+              <a:t>Car Driving Game</a:t>
             </a:r>
             <a:endParaRPr lang="en-NZ" dirty="0"/>
           </a:p>
@@ -18577,8 +19489,8 @@
         </p:nvSpPr>
         <p:spPr>
           <a:xfrm>
-            <a:off x="291402" y="1848897"/>
-            <a:ext cx="9756950" cy="1477328"/>
+            <a:off x="295353" y="1637856"/>
+            <a:ext cx="9756950" cy="5078313"/>
           </a:xfrm>
           <a:prstGeom prst="rect">
             <a:avLst/>
@@ -18593,28 +19505,35 @@
           <a:p>
             <a:r>
               <a:rPr lang="en-NZ" i="1" dirty="0"/>
-              <a:t>Trial 1. When deciding how to score the game I trialled different ways to do it. My first way to calculate score was by each obstacle the driver passed. I did this by updating the </a:t>
-            </a:r>
+              <a:t>Trial 1. When deciding how to score the game I trialled different ways to do it. My first way to calculate score was by each obstacle the driver passed. I did this by checking for obstacle position and if it was greater than drivers position then it would add score by one. I then had to make sure it would only add one score per car forever, so I set a true false value prohibiting anymore contribution to score.</a:t>
+            </a:r>
+          </a:p>
+          <a:p>
             <a:endParaRPr lang="en-NZ" dirty="0"/>
           </a:p>
           <a:p>
             <a:r>
               <a:rPr lang="en-NZ" i="1" dirty="0"/>
-              <a:t>Trial 2. </a:t>
-            </a:r>
+              <a:t>Trial 2.  My second trial I wanted to try set score based on distance travelled. I did this by adding the same value that my road moved to my score. This resulted in much bigger scores then previously and I was not as happy with this outcome</a:t>
+            </a:r>
+          </a:p>
+          <a:p>
             <a:endParaRPr lang="en-NZ" dirty="0"/>
           </a:p>
           <a:p>
             <a:r>
               <a:rPr lang="en-NZ" i="1" dirty="0"/>
-              <a:t>Trial 3. </a:t>
+              <a:t>Trial 3.  On my third Trial I wanted to set score based on time. My first attempt resulted in the score adding 1 per second. To me this felt slow as the score was very rarely getting updated. I changed this to add 0.1 every millisecond this meant that the player would feel like they are accomplishing more in the moment being able to see the score tick up more frequently.</a:t>
             </a:r>
             <a:endParaRPr lang="en-NZ" dirty="0"/>
           </a:p>
           <a:p>
+            <a:endParaRPr lang="en-NZ" dirty="0"/>
+          </a:p>
+          <a:p>
             <a:r>
               <a:rPr lang="en-NZ" dirty="0"/>
-              <a:t>My final result</a:t>
+              <a:t>For my final result I went with cars passed. I did this because it felt for natural and initiative for the player. I consulted others like my dad to play test it and he tried all three and agreed the past cars scoring was the best suited for my game style. I also changed the read to instead be a integer rather than a float so that the end screen looks cleaner. </a:t>
             </a:r>
           </a:p>
         </p:txBody>
@@ -18724,6 +19643,131 @@
           </a:p>
         </p:txBody>
       </p:sp>
+      <p:pic>
+        <p:nvPicPr>
+          <p:cNvPr id="5" name="Picture 4">
+            <a:extLst>
+              <a:ext uri="{FF2B5EF4-FFF2-40B4-BE49-F238E27FC236}">
+                <a16:creationId xmlns:a16="http://schemas.microsoft.com/office/drawing/2014/main" id="{E5E2D336-1560-9770-707C-9D8D7F7090A2}"/>
+              </a:ext>
+            </a:extLst>
+          </p:cNvPr>
+          <p:cNvPicPr>
+            <a:picLocks noChangeAspect="1"/>
+          </p:cNvPicPr>
+          <p:nvPr/>
+        </p:nvPicPr>
+        <p:blipFill>
+          <a:blip r:embed="rId3"/>
+          <a:stretch>
+            <a:fillRect/>
+          </a:stretch>
+        </p:blipFill>
+        <p:spPr>
+          <a:xfrm>
+            <a:off x="10253282" y="365125"/>
+            <a:ext cx="1301497" cy="1776972"/>
+          </a:xfrm>
+          <a:prstGeom prst="rect">
+            <a:avLst/>
+          </a:prstGeom>
+        </p:spPr>
+      </p:pic>
+      <p:sp>
+        <p:nvSpPr>
+          <p:cNvPr id="6" name="TextBox 5">
+            <a:extLst>
+              <a:ext uri="{FF2B5EF4-FFF2-40B4-BE49-F238E27FC236}">
+                <a16:creationId xmlns:a16="http://schemas.microsoft.com/office/drawing/2014/main" id="{CD83B9CD-3186-EBFA-9109-B7D27912751C}"/>
+              </a:ext>
+            </a:extLst>
+          </p:cNvPr>
+          <p:cNvSpPr txBox="1"/>
+          <p:nvPr/>
+        </p:nvSpPr>
+        <p:spPr>
+          <a:xfrm>
+            <a:off x="8362582" y="640809"/>
+            <a:ext cx="1890700" cy="646331"/>
+          </a:xfrm>
+          <a:prstGeom prst="rect">
+            <a:avLst/>
+          </a:prstGeom>
+          <a:noFill/>
+        </p:spPr>
+        <p:txBody>
+          <a:bodyPr wrap="square" rtlCol="0">
+            <a:spAutoFit/>
+          </a:bodyPr>
+          <a:lstStyle/>
+          <a:p>
+            <a:r>
+              <a:rPr lang="en-NZ" sz="1200" i="1" dirty="0"/>
+              <a:t>Screenshot shows score added by 1 once a obstacle is passed</a:t>
+            </a:r>
+          </a:p>
+        </p:txBody>
+      </p:sp>
+      <p:pic>
+        <p:nvPicPr>
+          <p:cNvPr id="8" name="Picture 7">
+            <a:extLst>
+              <a:ext uri="{FF2B5EF4-FFF2-40B4-BE49-F238E27FC236}">
+                <a16:creationId xmlns:a16="http://schemas.microsoft.com/office/drawing/2014/main" id="{8B002AF7-F70A-4AF1-76DA-0A0AD073AEDC}"/>
+              </a:ext>
+            </a:extLst>
+          </p:cNvPr>
+          <p:cNvPicPr>
+            <a:picLocks noChangeAspect="1"/>
+          </p:cNvPicPr>
+          <p:nvPr/>
+        </p:nvPicPr>
+        <p:blipFill>
+          <a:blip r:embed="rId4"/>
+          <a:stretch>
+            <a:fillRect/>
+          </a:stretch>
+        </p:blipFill>
+        <p:spPr>
+          <a:xfrm>
+            <a:off x="10244355" y="2400041"/>
+            <a:ext cx="1310424" cy="1776972"/>
+          </a:xfrm>
+          <a:prstGeom prst="rect">
+            <a:avLst/>
+          </a:prstGeom>
+        </p:spPr>
+      </p:pic>
+      <p:pic>
+        <p:nvPicPr>
+          <p:cNvPr id="10" name="Picture 9">
+            <a:extLst>
+              <a:ext uri="{FF2B5EF4-FFF2-40B4-BE49-F238E27FC236}">
+                <a16:creationId xmlns:a16="http://schemas.microsoft.com/office/drawing/2014/main" id="{43B5D3E8-A221-803B-BFFF-D7E7CAB930AB}"/>
+              </a:ext>
+            </a:extLst>
+          </p:cNvPr>
+          <p:cNvPicPr>
+            <a:picLocks noChangeAspect="1"/>
+          </p:cNvPicPr>
+          <p:nvPr/>
+        </p:nvPicPr>
+        <p:blipFill>
+          <a:blip r:embed="rId5"/>
+          <a:stretch>
+            <a:fillRect/>
+          </a:stretch>
+        </p:blipFill>
+        <p:spPr>
+          <a:xfrm>
+            <a:off x="10188503" y="4608809"/>
+            <a:ext cx="1422127" cy="1884066"/>
+          </a:xfrm>
+          <a:prstGeom prst="rect">
+            <a:avLst/>
+          </a:prstGeom>
+        </p:spPr>
+      </p:pic>
     </p:spTree>
     <p:extLst>
       <p:ext uri="{BB962C8B-B14F-4D97-AF65-F5344CB8AC3E}">
@@ -18738,106 +19782,6 @@
 </file>
 
 <file path=ppt/slides/slide36.xml><?xml version="1.0" encoding="utf-8"?>
-<p:sld xmlns:a="http://schemas.openxmlformats.org/drawingml/2006/main" xmlns:r="http://schemas.openxmlformats.org/officeDocument/2006/relationships" xmlns:p="http://schemas.openxmlformats.org/presentationml/2006/main">
-  <p:cSld>
-    <p:spTree>
-      <p:nvGrpSpPr>
-        <p:cNvPr id="1" name=""/>
-        <p:cNvGrpSpPr/>
-        <p:nvPr/>
-      </p:nvGrpSpPr>
-      <p:grpSpPr>
-        <a:xfrm>
-          <a:off x="0" y="0"/>
-          <a:ext cx="0" cy="0"/>
-          <a:chOff x="0" y="0"/>
-          <a:chExt cx="0" cy="0"/>
-        </a:xfrm>
-      </p:grpSpPr>
-      <p:sp>
-        <p:nvSpPr>
-          <p:cNvPr id="2" name="Title 1">
-            <a:extLst>
-              <a:ext uri="{FF2B5EF4-FFF2-40B4-BE49-F238E27FC236}">
-                <a16:creationId xmlns:a16="http://schemas.microsoft.com/office/drawing/2014/main" id="{929346B1-21F7-4D6B-B685-2CCB524F66E9}"/>
-              </a:ext>
-            </a:extLst>
-          </p:cNvPr>
-          <p:cNvSpPr>
-            <a:spLocks noGrp="1"/>
-          </p:cNvSpPr>
-          <p:nvPr>
-            <p:ph type="title"/>
-          </p:nvPr>
-        </p:nvSpPr>
-        <p:spPr/>
-        <p:txBody>
-          <a:bodyPr/>
-          <a:lstStyle/>
-          <a:p>
-            <a:r>
-              <a:rPr lang="en-NZ" b="1" dirty="0"/>
-              <a:t>5 Discussion: COMPONENT 5</a:t>
-            </a:r>
-            <a:br>
-              <a:rPr lang="en-NZ" b="1" dirty="0"/>
-            </a:br>
-            <a:r>
-              <a:rPr lang="en-NZ" sz="3200" b="1" i="1" dirty="0"/>
-              <a:t>Create High Score</a:t>
-            </a:r>
-          </a:p>
-        </p:txBody>
-      </p:sp>
-      <p:sp>
-        <p:nvSpPr>
-          <p:cNvPr id="3" name="TextBox 2">
-            <a:extLst>
-              <a:ext uri="{FF2B5EF4-FFF2-40B4-BE49-F238E27FC236}">
-                <a16:creationId xmlns:a16="http://schemas.microsoft.com/office/drawing/2014/main" id="{ABB360C9-D853-5B12-D1F8-AAC9402D7C49}"/>
-              </a:ext>
-            </a:extLst>
-          </p:cNvPr>
-          <p:cNvSpPr txBox="1"/>
-          <p:nvPr/>
-        </p:nvSpPr>
-        <p:spPr>
-          <a:xfrm>
-            <a:off x="1034980" y="1909187"/>
-            <a:ext cx="9756950" cy="369332"/>
-          </a:xfrm>
-          <a:prstGeom prst="rect">
-            <a:avLst/>
-          </a:prstGeom>
-          <a:noFill/>
-        </p:spPr>
-        <p:txBody>
-          <a:bodyPr wrap="square" rtlCol="0">
-            <a:spAutoFit/>
-          </a:bodyPr>
-          <a:lstStyle/>
-          <a:p>
-            <a:r>
-              <a:rPr lang="en-NZ" dirty="0"/>
-              <a:t>..</a:t>
-            </a:r>
-          </a:p>
-        </p:txBody>
-      </p:sp>
-    </p:spTree>
-    <p:extLst>
-      <p:ext uri="{BB962C8B-B14F-4D97-AF65-F5344CB8AC3E}">
-        <p14:creationId xmlns:p14="http://schemas.microsoft.com/office/powerpoint/2010/main" val="2114272835"/>
-      </p:ext>
-    </p:extLst>
-  </p:cSld>
-  <p:clrMapOvr>
-    <a:masterClrMapping/>
-  </p:clrMapOvr>
-</p:sld>
-</file>
-
-<file path=ppt/slides/slide37.xml><?xml version="1.0" encoding="utf-8"?>
 <p:sld xmlns:a="http://schemas.openxmlformats.org/drawingml/2006/main" xmlns:r="http://schemas.openxmlformats.org/officeDocument/2006/relationships" xmlns:p="http://schemas.openxmlformats.org/presentationml/2006/main">
   <p:cSld>
     <p:bg>
@@ -19003,6 +19947,1408 @@
 </p:sld>
 </file>
 
+<file path=ppt/slides/slide37.xml><?xml version="1.0" encoding="utf-8"?>
+<p:sld xmlns:a="http://schemas.openxmlformats.org/drawingml/2006/main" xmlns:r="http://schemas.openxmlformats.org/officeDocument/2006/relationships" xmlns:p="http://schemas.openxmlformats.org/presentationml/2006/main">
+  <p:cSld>
+    <p:spTree>
+      <p:nvGrpSpPr>
+        <p:cNvPr id="1" name=""/>
+        <p:cNvGrpSpPr/>
+        <p:nvPr/>
+      </p:nvGrpSpPr>
+      <p:grpSpPr>
+        <a:xfrm>
+          <a:off x="0" y="0"/>
+          <a:ext cx="0" cy="0"/>
+          <a:chOff x="0" y="0"/>
+          <a:chExt cx="0" cy="0"/>
+        </a:xfrm>
+      </p:grpSpPr>
+      <p:sp>
+        <p:nvSpPr>
+          <p:cNvPr id="2" name="Title 1">
+            <a:extLst>
+              <a:ext uri="{FF2B5EF4-FFF2-40B4-BE49-F238E27FC236}">
+                <a16:creationId xmlns:a16="http://schemas.microsoft.com/office/drawing/2014/main" id="{2BA6171A-A641-4513-B116-739642385FE1}"/>
+              </a:ext>
+            </a:extLst>
+          </p:cNvPr>
+          <p:cNvSpPr>
+            <a:spLocks noGrp="1"/>
+          </p:cNvSpPr>
+          <p:nvPr>
+            <p:ph type="title"/>
+          </p:nvPr>
+        </p:nvSpPr>
+        <p:spPr>
+          <a:xfrm>
+            <a:off x="838200" y="-187532"/>
+            <a:ext cx="10515600" cy="1325563"/>
+          </a:xfrm>
+        </p:spPr>
+        <p:txBody>
+          <a:bodyPr/>
+          <a:lstStyle/>
+          <a:p>
+            <a:r>
+              <a:rPr lang="en-NZ" b="1" dirty="0"/>
+              <a:t>1 Assembled Outcome Testing – </a:t>
+            </a:r>
+            <a:r>
+              <a:rPr lang="en-NZ" b="1" i="1" dirty="0"/>
+              <a:t>Test Plan</a:t>
+            </a:r>
+          </a:p>
+        </p:txBody>
+      </p:sp>
+      <p:graphicFrame>
+        <p:nvGraphicFramePr>
+          <p:cNvPr id="4" name="Google Shape;92;p19">
+            <a:extLst>
+              <a:ext uri="{FF2B5EF4-FFF2-40B4-BE49-F238E27FC236}">
+                <a16:creationId xmlns:a16="http://schemas.microsoft.com/office/drawing/2014/main" id="{04C3734E-6593-07D2-84FA-A39DA3B1AC6E}"/>
+              </a:ext>
+            </a:extLst>
+          </p:cNvPr>
+          <p:cNvGraphicFramePr/>
+          <p:nvPr>
+            <p:extLst>
+              <p:ext uri="{D42A27DB-BD31-4B8C-83A1-F6EECF244321}">
+                <p14:modId xmlns:p14="http://schemas.microsoft.com/office/powerpoint/2010/main" val="4019522034"/>
+              </p:ext>
+            </p:extLst>
+          </p:nvPr>
+        </p:nvGraphicFramePr>
+        <p:xfrm>
+          <a:off x="415600" y="859674"/>
+          <a:ext cx="11360800" cy="5851680"/>
+        </p:xfrm>
+        <a:graphic>
+          <a:graphicData uri="http://schemas.openxmlformats.org/drawingml/2006/table">
+            <a:tbl>
+              <a:tblPr>
+                <a:noFill/>
+              </a:tblPr>
+              <a:tblGrid>
+                <a:gridCol w="5680400">
+                  <a:extLst>
+                    <a:ext uri="{9D8B030D-6E8A-4147-A177-3AD203B41FA5}">
+                      <a16:colId xmlns:a16="http://schemas.microsoft.com/office/drawing/2014/main" val="20000"/>
+                    </a:ext>
+                  </a:extLst>
+                </a:gridCol>
+                <a:gridCol w="5680400">
+                  <a:extLst>
+                    <a:ext uri="{9D8B030D-6E8A-4147-A177-3AD203B41FA5}">
+                      <a16:colId xmlns:a16="http://schemas.microsoft.com/office/drawing/2014/main" val="20001"/>
+                    </a:ext>
+                  </a:extLst>
+                </a:gridCol>
+              </a:tblGrid>
+              <a:tr h="427740">
+                <a:tc>
+                  <a:txBody>
+                    <a:bodyPr/>
+                    <a:lstStyle/>
+                    <a:p>
+                      <a:pPr marL="0" lvl="0" indent="0" algn="l" rtl="0">
+                        <a:spcBef>
+                          <a:spcPts val="0"/>
+                        </a:spcBef>
+                        <a:spcAft>
+                          <a:spcPts val="0"/>
+                        </a:spcAft>
+                        <a:buNone/>
+                      </a:pPr>
+                      <a:r>
+                        <a:rPr lang="en" sz="1600" b="1" dirty="0"/>
+                        <a:t>Test Cases - input</a:t>
+                      </a:r>
+                      <a:endParaRPr sz="1600" b="1" dirty="0"/>
+                    </a:p>
+                  </a:txBody>
+                  <a:tcPr marL="121900" marR="121900" marT="121900" marB="121900">
+                    <a:solidFill>
+                      <a:srgbClr val="CCCCCC"/>
+                    </a:solidFill>
+                  </a:tcPr>
+                </a:tc>
+                <a:tc>
+                  <a:txBody>
+                    <a:bodyPr/>
+                    <a:lstStyle/>
+                    <a:p>
+                      <a:pPr marL="0" lvl="0" indent="0" algn="l" rtl="0">
+                        <a:spcBef>
+                          <a:spcPts val="0"/>
+                        </a:spcBef>
+                        <a:spcAft>
+                          <a:spcPts val="0"/>
+                        </a:spcAft>
+                        <a:buNone/>
+                      </a:pPr>
+                      <a:r>
+                        <a:rPr lang="en" sz="1600" b="1" dirty="0"/>
+                        <a:t>Expected output</a:t>
+                      </a:r>
+                      <a:endParaRPr sz="1600" b="1" dirty="0"/>
+                    </a:p>
+                  </a:txBody>
+                  <a:tcPr marL="121900" marR="121900" marT="121900" marB="121900">
+                    <a:solidFill>
+                      <a:srgbClr val="CCCCCC"/>
+                    </a:solidFill>
+                  </a:tcPr>
+                </a:tc>
+                <a:extLst>
+                  <a:ext uri="{0D108BD9-81ED-4DB2-BD59-A6C34878D82A}">
+                    <a16:rowId xmlns:a16="http://schemas.microsoft.com/office/drawing/2014/main" val="10000"/>
+                  </a:ext>
+                </a:extLst>
+              </a:tr>
+              <a:tr h="427740">
+                <a:tc>
+                  <a:txBody>
+                    <a:bodyPr/>
+                    <a:lstStyle/>
+                    <a:p>
+                      <a:pPr marL="0" lvl="0" indent="0" algn="l" rtl="0">
+                        <a:spcBef>
+                          <a:spcPts val="0"/>
+                        </a:spcBef>
+                        <a:spcAft>
+                          <a:spcPts val="0"/>
+                        </a:spcAft>
+                        <a:buNone/>
+                      </a:pPr>
+                      <a:r>
+                        <a:rPr lang="en-NZ" sz="1600" dirty="0"/>
+                        <a:t>Program started</a:t>
+                      </a:r>
+                      <a:endParaRPr sz="1600" dirty="0"/>
+                    </a:p>
+                  </a:txBody>
+                  <a:tcPr marL="121900" marR="121900" marT="121900" marB="121900"/>
+                </a:tc>
+                <a:tc>
+                  <a:txBody>
+                    <a:bodyPr/>
+                    <a:lstStyle/>
+                    <a:p>
+                      <a:pPr marL="0" lvl="0" indent="0" algn="l" rtl="0">
+                        <a:spcBef>
+                          <a:spcPts val="0"/>
+                        </a:spcBef>
+                        <a:spcAft>
+                          <a:spcPts val="0"/>
+                        </a:spcAft>
+                        <a:buNone/>
+                      </a:pPr>
+                      <a:r>
+                        <a:rPr lang="en-NZ" sz="1600" dirty="0"/>
+                        <a:t>red driver car with road background moving</a:t>
+                      </a:r>
+                      <a:endParaRPr sz="1600" dirty="0"/>
+                    </a:p>
+                  </a:txBody>
+                  <a:tcPr marL="121900" marR="121900" marT="121900" marB="121900"/>
+                </a:tc>
+                <a:extLst>
+                  <a:ext uri="{0D108BD9-81ED-4DB2-BD59-A6C34878D82A}">
+                    <a16:rowId xmlns:a16="http://schemas.microsoft.com/office/drawing/2014/main" val="10001"/>
+                  </a:ext>
+                </a:extLst>
+              </a:tr>
+              <a:tr h="427740">
+                <a:tc>
+                  <a:txBody>
+                    <a:bodyPr/>
+                    <a:lstStyle/>
+                    <a:p>
+                      <a:pPr marL="0" lvl="0" indent="0" algn="l" rtl="0">
+                        <a:spcBef>
+                          <a:spcPts val="0"/>
+                        </a:spcBef>
+                        <a:spcAft>
+                          <a:spcPts val="0"/>
+                        </a:spcAft>
+                        <a:buNone/>
+                      </a:pPr>
+                      <a:r>
+                        <a:rPr lang="en-NZ" sz="1600" dirty="0"/>
+                        <a:t>Left arrow pressed</a:t>
+                      </a:r>
+                      <a:endParaRPr sz="1600" dirty="0"/>
+                    </a:p>
+                  </a:txBody>
+                  <a:tcPr marL="121900" marR="121900" marT="121900" marB="121900"/>
+                </a:tc>
+                <a:tc>
+                  <a:txBody>
+                    <a:bodyPr/>
+                    <a:lstStyle/>
+                    <a:p>
+                      <a:pPr marL="0" lvl="0" indent="0" algn="l" rtl="0">
+                        <a:spcBef>
+                          <a:spcPts val="0"/>
+                        </a:spcBef>
+                        <a:spcAft>
+                          <a:spcPts val="0"/>
+                        </a:spcAft>
+                        <a:buNone/>
+                      </a:pPr>
+                      <a:r>
+                        <a:rPr lang="en-NZ" sz="1600" dirty="0"/>
+                        <a:t>Car tilts left and moves left</a:t>
+                      </a:r>
+                      <a:endParaRPr sz="1600" dirty="0"/>
+                    </a:p>
+                  </a:txBody>
+                  <a:tcPr marL="121900" marR="121900" marT="121900" marB="121900"/>
+                </a:tc>
+                <a:extLst>
+                  <a:ext uri="{0D108BD9-81ED-4DB2-BD59-A6C34878D82A}">
+                    <a16:rowId xmlns:a16="http://schemas.microsoft.com/office/drawing/2014/main" val="2368857207"/>
+                  </a:ext>
+                </a:extLst>
+              </a:tr>
+              <a:tr h="427740">
+                <a:tc>
+                  <a:txBody>
+                    <a:bodyPr/>
+                    <a:lstStyle/>
+                    <a:p>
+                      <a:pPr marL="0" lvl="0" indent="0" algn="l" rtl="0">
+                        <a:spcBef>
+                          <a:spcPts val="0"/>
+                        </a:spcBef>
+                        <a:spcAft>
+                          <a:spcPts val="0"/>
+                        </a:spcAft>
+                        <a:buNone/>
+                      </a:pPr>
+                      <a:r>
+                        <a:rPr lang="en-NZ" sz="1600" dirty="0"/>
+                        <a:t>Right arrow pressed</a:t>
+                      </a:r>
+                      <a:endParaRPr sz="1600" dirty="0"/>
+                    </a:p>
+                  </a:txBody>
+                  <a:tcPr marL="121900" marR="121900" marT="121900" marB="121900"/>
+                </a:tc>
+                <a:tc>
+                  <a:txBody>
+                    <a:bodyPr/>
+                    <a:lstStyle/>
+                    <a:p>
+                      <a:pPr marL="0" lvl="0" indent="0" algn="l" rtl="0">
+                        <a:spcBef>
+                          <a:spcPts val="0"/>
+                        </a:spcBef>
+                        <a:spcAft>
+                          <a:spcPts val="0"/>
+                        </a:spcAft>
+                        <a:buNone/>
+                      </a:pPr>
+                      <a:r>
+                        <a:rPr lang="en-NZ" sz="1600" dirty="0"/>
+                        <a:t>Car tilts right and moves right</a:t>
+                      </a:r>
+                      <a:endParaRPr sz="1600" dirty="0"/>
+                    </a:p>
+                  </a:txBody>
+                  <a:tcPr marL="121900" marR="121900" marT="121900" marB="121900"/>
+                </a:tc>
+                <a:extLst>
+                  <a:ext uri="{0D108BD9-81ED-4DB2-BD59-A6C34878D82A}">
+                    <a16:rowId xmlns:a16="http://schemas.microsoft.com/office/drawing/2014/main" val="1160853153"/>
+                  </a:ext>
+                </a:extLst>
+              </a:tr>
+              <a:tr h="427740">
+                <a:tc>
+                  <a:txBody>
+                    <a:bodyPr/>
+                    <a:lstStyle/>
+                    <a:p>
+                      <a:pPr marL="0" lvl="0" indent="0" algn="l" rtl="0">
+                        <a:spcBef>
+                          <a:spcPts val="0"/>
+                        </a:spcBef>
+                        <a:spcAft>
+                          <a:spcPts val="0"/>
+                        </a:spcAft>
+                        <a:buNone/>
+                      </a:pPr>
+                      <a:r>
+                        <a:rPr lang="en-NZ" sz="1600" dirty="0"/>
+                        <a:t>Both arrow pressed</a:t>
+                      </a:r>
+                      <a:endParaRPr sz="1600" dirty="0"/>
+                    </a:p>
+                  </a:txBody>
+                  <a:tcPr marL="121900" marR="121900" marT="121900" marB="121900"/>
+                </a:tc>
+                <a:tc>
+                  <a:txBody>
+                    <a:bodyPr/>
+                    <a:lstStyle/>
+                    <a:p>
+                      <a:pPr marL="0" lvl="0" indent="0" algn="l" rtl="0">
+                        <a:spcBef>
+                          <a:spcPts val="0"/>
+                        </a:spcBef>
+                        <a:spcAft>
+                          <a:spcPts val="0"/>
+                        </a:spcAft>
+                        <a:buNone/>
+                      </a:pPr>
+                      <a:r>
+                        <a:rPr lang="en-NZ" sz="1600" dirty="0"/>
+                        <a:t>Car does not move and faces forewords</a:t>
+                      </a:r>
+                      <a:endParaRPr sz="1600" dirty="0"/>
+                    </a:p>
+                  </a:txBody>
+                  <a:tcPr marL="121900" marR="121900" marT="121900" marB="121900"/>
+                </a:tc>
+                <a:extLst>
+                  <a:ext uri="{0D108BD9-81ED-4DB2-BD59-A6C34878D82A}">
+                    <a16:rowId xmlns:a16="http://schemas.microsoft.com/office/drawing/2014/main" val="2474538660"/>
+                  </a:ext>
+                </a:extLst>
+              </a:tr>
+              <a:tr h="427740">
+                <a:tc>
+                  <a:txBody>
+                    <a:bodyPr/>
+                    <a:lstStyle/>
+                    <a:p>
+                      <a:pPr marL="0" lvl="0" indent="0" algn="l" rtl="0">
+                        <a:spcBef>
+                          <a:spcPts val="0"/>
+                        </a:spcBef>
+                        <a:spcAft>
+                          <a:spcPts val="0"/>
+                        </a:spcAft>
+                        <a:buNone/>
+                      </a:pPr>
+                      <a:r>
+                        <a:rPr lang="en-NZ" sz="1600" dirty="0"/>
+                        <a:t>Nothing pressed</a:t>
+                      </a:r>
+                      <a:endParaRPr sz="1600" dirty="0"/>
+                    </a:p>
+                  </a:txBody>
+                  <a:tcPr marL="121900" marR="121900" marT="121900" marB="121900"/>
+                </a:tc>
+                <a:tc>
+                  <a:txBody>
+                    <a:bodyPr/>
+                    <a:lstStyle/>
+                    <a:p>
+                      <a:pPr marL="0" lvl="0" indent="0" algn="l" rtl="0">
+                        <a:spcBef>
+                          <a:spcPts val="0"/>
+                        </a:spcBef>
+                        <a:spcAft>
+                          <a:spcPts val="0"/>
+                        </a:spcAft>
+                        <a:buNone/>
+                      </a:pPr>
+                      <a:r>
+                        <a:rPr lang="en-NZ" sz="1600" dirty="0"/>
+                        <a:t>Car does not move and faces forewords</a:t>
+                      </a:r>
+                      <a:endParaRPr sz="1600" dirty="0"/>
+                    </a:p>
+                  </a:txBody>
+                  <a:tcPr marL="121900" marR="121900" marT="121900" marB="121900"/>
+                </a:tc>
+                <a:extLst>
+                  <a:ext uri="{0D108BD9-81ED-4DB2-BD59-A6C34878D82A}">
+                    <a16:rowId xmlns:a16="http://schemas.microsoft.com/office/drawing/2014/main" val="39402284"/>
+                  </a:ext>
+                </a:extLst>
+              </a:tr>
+              <a:tr h="427740">
+                <a:tc>
+                  <a:txBody>
+                    <a:bodyPr/>
+                    <a:lstStyle/>
+                    <a:p>
+                      <a:pPr marL="0" lvl="0" indent="0" algn="l" rtl="0">
+                        <a:spcBef>
+                          <a:spcPts val="0"/>
+                        </a:spcBef>
+                        <a:spcAft>
+                          <a:spcPts val="0"/>
+                        </a:spcAft>
+                        <a:buNone/>
+                      </a:pPr>
+                      <a:r>
+                        <a:rPr lang="en-NZ" sz="1600" i="0" dirty="0"/>
+                        <a:t>Driver Hits Obstacle</a:t>
+                      </a:r>
+                      <a:endParaRPr sz="1600" i="0" dirty="0"/>
+                    </a:p>
+                  </a:txBody>
+                  <a:tcPr marL="121900" marR="121900" marT="121900" marB="121900"/>
+                </a:tc>
+                <a:tc>
+                  <a:txBody>
+                    <a:bodyPr/>
+                    <a:lstStyle/>
+                    <a:p>
+                      <a:pPr marL="0" lvl="0" indent="0" algn="l" rtl="0">
+                        <a:spcBef>
+                          <a:spcPts val="0"/>
+                        </a:spcBef>
+                        <a:spcAft>
+                          <a:spcPts val="0"/>
+                        </a:spcAft>
+                        <a:buNone/>
+                      </a:pPr>
+                      <a:r>
+                        <a:rPr lang="en-NZ" sz="1600" dirty="0"/>
+                        <a:t>Game Over, End Screen</a:t>
+                      </a:r>
+                      <a:endParaRPr sz="1600" dirty="0"/>
+                    </a:p>
+                  </a:txBody>
+                  <a:tcPr marL="121900" marR="121900" marT="121900" marB="121900"/>
+                </a:tc>
+                <a:extLst>
+                  <a:ext uri="{0D108BD9-81ED-4DB2-BD59-A6C34878D82A}">
+                    <a16:rowId xmlns:a16="http://schemas.microsoft.com/office/drawing/2014/main" val="613223392"/>
+                  </a:ext>
+                </a:extLst>
+              </a:tr>
+              <a:tr h="427740">
+                <a:tc>
+                  <a:txBody>
+                    <a:bodyPr/>
+                    <a:lstStyle/>
+                    <a:p>
+                      <a:pPr marL="0" lvl="0" indent="0" algn="l" rtl="0">
+                        <a:spcBef>
+                          <a:spcPts val="0"/>
+                        </a:spcBef>
+                        <a:spcAft>
+                          <a:spcPts val="0"/>
+                        </a:spcAft>
+                        <a:buNone/>
+                      </a:pPr>
+                      <a:r>
+                        <a:rPr lang="en-NZ" sz="1600" i="1" dirty="0"/>
+                        <a:t>(When Dead) </a:t>
+                      </a:r>
+                      <a:r>
+                        <a:rPr lang="en-NZ" sz="1600" i="0" dirty="0"/>
+                        <a:t>“r” pressed</a:t>
+                      </a:r>
+                    </a:p>
+                  </a:txBody>
+                  <a:tcPr marL="121900" marR="121900" marT="121900" marB="121900"/>
+                </a:tc>
+                <a:tc>
+                  <a:txBody>
+                    <a:bodyPr/>
+                    <a:lstStyle/>
+                    <a:p>
+                      <a:pPr marL="0" marR="0" lvl="0" indent="0" algn="l" defTabSz="914400" rtl="0" eaLnBrk="1" fontAlgn="auto" latinLnBrk="0" hangingPunct="1">
+                        <a:lnSpc>
+                          <a:spcPct val="100000"/>
+                        </a:lnSpc>
+                        <a:spcBef>
+                          <a:spcPts val="0"/>
+                        </a:spcBef>
+                        <a:spcAft>
+                          <a:spcPts val="0"/>
+                        </a:spcAft>
+                        <a:buClrTx/>
+                        <a:buSzTx/>
+                        <a:buFontTx/>
+                        <a:buNone/>
+                        <a:tabLst/>
+                        <a:defRPr/>
+                      </a:pPr>
+                      <a:r>
+                        <a:rPr lang="en-NZ" sz="1600" dirty="0"/>
+                        <a:t>Program Restarts</a:t>
+                      </a:r>
+                    </a:p>
+                  </a:txBody>
+                  <a:tcPr marL="121900" marR="121900" marT="121900" marB="121900"/>
+                </a:tc>
+                <a:extLst>
+                  <a:ext uri="{0D108BD9-81ED-4DB2-BD59-A6C34878D82A}">
+                    <a16:rowId xmlns:a16="http://schemas.microsoft.com/office/drawing/2014/main" val="2624563762"/>
+                  </a:ext>
+                </a:extLst>
+              </a:tr>
+              <a:tr h="427740">
+                <a:tc>
+                  <a:txBody>
+                    <a:bodyPr/>
+                    <a:lstStyle/>
+                    <a:p>
+                      <a:pPr marL="0" marR="0" lvl="0" indent="0" algn="l" defTabSz="914400" rtl="0" eaLnBrk="1" fontAlgn="auto" latinLnBrk="0" hangingPunct="1">
+                        <a:lnSpc>
+                          <a:spcPct val="100000"/>
+                        </a:lnSpc>
+                        <a:spcBef>
+                          <a:spcPts val="0"/>
+                        </a:spcBef>
+                        <a:spcAft>
+                          <a:spcPts val="0"/>
+                        </a:spcAft>
+                        <a:buClrTx/>
+                        <a:buSzTx/>
+                        <a:buFontTx/>
+                        <a:buNone/>
+                        <a:tabLst/>
+                        <a:defRPr/>
+                      </a:pPr>
+                      <a:r>
+                        <a:rPr lang="en-NZ" sz="1600" i="1" dirty="0"/>
+                        <a:t>(When Dead) </a:t>
+                      </a:r>
+                      <a:r>
+                        <a:rPr lang="en-NZ" sz="1600" i="0" dirty="0"/>
+                        <a:t>“q” pressed</a:t>
+                      </a:r>
+                      <a:endParaRPr lang="en-NZ" sz="1600" i="1" dirty="0"/>
+                    </a:p>
+                  </a:txBody>
+                  <a:tcPr marL="121900" marR="121900" marT="121900" marB="121900"/>
+                </a:tc>
+                <a:tc>
+                  <a:txBody>
+                    <a:bodyPr/>
+                    <a:lstStyle/>
+                    <a:p>
+                      <a:pPr marL="0" marR="0" lvl="0" indent="0" algn="l" defTabSz="914400" rtl="0" eaLnBrk="1" fontAlgn="auto" latinLnBrk="0" hangingPunct="1">
+                        <a:lnSpc>
+                          <a:spcPct val="100000"/>
+                        </a:lnSpc>
+                        <a:spcBef>
+                          <a:spcPts val="0"/>
+                        </a:spcBef>
+                        <a:spcAft>
+                          <a:spcPts val="0"/>
+                        </a:spcAft>
+                        <a:buClrTx/>
+                        <a:buSzTx/>
+                        <a:buFontTx/>
+                        <a:buNone/>
+                        <a:tabLst/>
+                        <a:defRPr/>
+                      </a:pPr>
+                      <a:r>
+                        <a:rPr lang="en-NZ" sz="1600" dirty="0"/>
+                        <a:t>Program Exits</a:t>
+                      </a:r>
+                    </a:p>
+                  </a:txBody>
+                  <a:tcPr marL="121900" marR="121900" marT="121900" marB="121900"/>
+                </a:tc>
+                <a:extLst>
+                  <a:ext uri="{0D108BD9-81ED-4DB2-BD59-A6C34878D82A}">
+                    <a16:rowId xmlns:a16="http://schemas.microsoft.com/office/drawing/2014/main" val="2517999420"/>
+                  </a:ext>
+                </a:extLst>
+              </a:tr>
+              <a:tr h="427740">
+                <a:tc>
+                  <a:txBody>
+                    <a:bodyPr/>
+                    <a:lstStyle/>
+                    <a:p>
+                      <a:pPr marL="0" marR="0" lvl="0" indent="0" algn="l" defTabSz="914400" rtl="0" eaLnBrk="1" fontAlgn="auto" latinLnBrk="0" hangingPunct="1">
+                        <a:lnSpc>
+                          <a:spcPct val="100000"/>
+                        </a:lnSpc>
+                        <a:spcBef>
+                          <a:spcPts val="0"/>
+                        </a:spcBef>
+                        <a:spcAft>
+                          <a:spcPts val="0"/>
+                        </a:spcAft>
+                        <a:buClrTx/>
+                        <a:buSzTx/>
+                        <a:buFontTx/>
+                        <a:buNone/>
+                        <a:tabLst/>
+                        <a:defRPr/>
+                      </a:pPr>
+                      <a:r>
+                        <a:rPr lang="en-NZ" sz="1600" i="1" dirty="0"/>
+                        <a:t>(Score)</a:t>
+                      </a:r>
+                      <a:r>
+                        <a:rPr lang="en-NZ" sz="1600" i="0" dirty="0"/>
+                        <a:t> Score &gt; HS</a:t>
+                      </a:r>
+                      <a:endParaRPr lang="en-NZ" sz="1600" i="1" dirty="0"/>
+                    </a:p>
+                  </a:txBody>
+                  <a:tcPr marL="121900" marR="121900" marT="121900" marB="121900"/>
+                </a:tc>
+                <a:tc>
+                  <a:txBody>
+                    <a:bodyPr/>
+                    <a:lstStyle/>
+                    <a:p>
+                      <a:pPr marL="0" lvl="0" indent="0" algn="l" rtl="0">
+                        <a:spcBef>
+                          <a:spcPts val="0"/>
+                        </a:spcBef>
+                        <a:spcAft>
+                          <a:spcPts val="0"/>
+                        </a:spcAft>
+                        <a:buNone/>
+                      </a:pPr>
+                      <a:r>
+                        <a:rPr lang="en-NZ" sz="1600" dirty="0"/>
+                        <a:t>HS is updated</a:t>
+                      </a:r>
+                    </a:p>
+                  </a:txBody>
+                  <a:tcPr marL="121900" marR="121900" marT="121900" marB="121900"/>
+                </a:tc>
+                <a:extLst>
+                  <a:ext uri="{0D108BD9-81ED-4DB2-BD59-A6C34878D82A}">
+                    <a16:rowId xmlns:a16="http://schemas.microsoft.com/office/drawing/2014/main" val="3165411964"/>
+                  </a:ext>
+                </a:extLst>
+              </a:tr>
+              <a:tr h="427740">
+                <a:tc>
+                  <a:txBody>
+                    <a:bodyPr/>
+                    <a:lstStyle/>
+                    <a:p>
+                      <a:pPr marL="0" marR="0" lvl="0" indent="0" algn="l" defTabSz="914400" rtl="0" eaLnBrk="1" fontAlgn="auto" latinLnBrk="0" hangingPunct="1">
+                        <a:lnSpc>
+                          <a:spcPct val="100000"/>
+                        </a:lnSpc>
+                        <a:spcBef>
+                          <a:spcPts val="0"/>
+                        </a:spcBef>
+                        <a:spcAft>
+                          <a:spcPts val="0"/>
+                        </a:spcAft>
+                        <a:buClrTx/>
+                        <a:buSzTx/>
+                        <a:buFontTx/>
+                        <a:buNone/>
+                        <a:tabLst/>
+                        <a:defRPr/>
+                      </a:pPr>
+                      <a:r>
+                        <a:rPr lang="en-NZ" sz="1600" i="1" dirty="0"/>
+                        <a:t>(Score) </a:t>
+                      </a:r>
+                      <a:r>
+                        <a:rPr lang="en-NZ" sz="1600" i="0" dirty="0"/>
+                        <a:t>Score = HS</a:t>
+                      </a:r>
+                      <a:endParaRPr lang="en-NZ" sz="1600" i="1" dirty="0"/>
+                    </a:p>
+                  </a:txBody>
+                  <a:tcPr marL="121900" marR="121900" marT="121900" marB="121900"/>
+                </a:tc>
+                <a:tc>
+                  <a:txBody>
+                    <a:bodyPr/>
+                    <a:lstStyle/>
+                    <a:p>
+                      <a:pPr marL="0" lvl="0" indent="0" algn="l" rtl="0">
+                        <a:spcBef>
+                          <a:spcPts val="0"/>
+                        </a:spcBef>
+                        <a:spcAft>
+                          <a:spcPts val="0"/>
+                        </a:spcAft>
+                        <a:buNone/>
+                      </a:pPr>
+                      <a:r>
+                        <a:rPr lang="en-NZ" sz="1600" dirty="0"/>
+                        <a:t>HS is not updated</a:t>
+                      </a:r>
+                      <a:endParaRPr sz="1600" dirty="0"/>
+                    </a:p>
+                  </a:txBody>
+                  <a:tcPr marL="121900" marR="121900" marT="121900" marB="121900"/>
+                </a:tc>
+                <a:extLst>
+                  <a:ext uri="{0D108BD9-81ED-4DB2-BD59-A6C34878D82A}">
+                    <a16:rowId xmlns:a16="http://schemas.microsoft.com/office/drawing/2014/main" val="2728000656"/>
+                  </a:ext>
+                </a:extLst>
+              </a:tr>
+              <a:tr h="427740">
+                <a:tc>
+                  <a:txBody>
+                    <a:bodyPr/>
+                    <a:lstStyle/>
+                    <a:p>
+                      <a:pPr marL="0" marR="0" lvl="0" indent="0" algn="l" defTabSz="914400" rtl="0" eaLnBrk="1" fontAlgn="auto" latinLnBrk="0" hangingPunct="1">
+                        <a:lnSpc>
+                          <a:spcPct val="100000"/>
+                        </a:lnSpc>
+                        <a:spcBef>
+                          <a:spcPts val="0"/>
+                        </a:spcBef>
+                        <a:spcAft>
+                          <a:spcPts val="0"/>
+                        </a:spcAft>
+                        <a:buClrTx/>
+                        <a:buSzTx/>
+                        <a:buFontTx/>
+                        <a:buNone/>
+                        <a:tabLst/>
+                        <a:defRPr/>
+                      </a:pPr>
+                      <a:r>
+                        <a:rPr lang="en-NZ" sz="1600" i="1" dirty="0"/>
+                        <a:t>(Score) </a:t>
+                      </a:r>
+                      <a:r>
+                        <a:rPr lang="en-NZ" sz="1600" i="0" dirty="0"/>
+                        <a:t>Score &lt; HS</a:t>
+                      </a:r>
+                      <a:endParaRPr lang="en-NZ" sz="1600" i="1" dirty="0"/>
+                    </a:p>
+                  </a:txBody>
+                  <a:tcPr marL="121900" marR="121900" marT="121900" marB="121900"/>
+                </a:tc>
+                <a:tc>
+                  <a:txBody>
+                    <a:bodyPr/>
+                    <a:lstStyle/>
+                    <a:p>
+                      <a:pPr marL="0" marR="0" lvl="0" indent="0" algn="l" defTabSz="914400" rtl="0" eaLnBrk="1" fontAlgn="auto" latinLnBrk="0" hangingPunct="1">
+                        <a:lnSpc>
+                          <a:spcPct val="100000"/>
+                        </a:lnSpc>
+                        <a:spcBef>
+                          <a:spcPts val="0"/>
+                        </a:spcBef>
+                        <a:spcAft>
+                          <a:spcPts val="0"/>
+                        </a:spcAft>
+                        <a:buClrTx/>
+                        <a:buSzTx/>
+                        <a:buFontTx/>
+                        <a:buNone/>
+                        <a:tabLst/>
+                        <a:defRPr/>
+                      </a:pPr>
+                      <a:r>
+                        <a:rPr lang="en-NZ" sz="1600"/>
+                        <a:t>HS is not updated</a:t>
+                      </a:r>
+                    </a:p>
+                  </a:txBody>
+                  <a:tcPr marL="121900" marR="121900" marT="121900" marB="121900"/>
+                </a:tc>
+                <a:extLst>
+                  <a:ext uri="{0D108BD9-81ED-4DB2-BD59-A6C34878D82A}">
+                    <a16:rowId xmlns:a16="http://schemas.microsoft.com/office/drawing/2014/main" val="2992333860"/>
+                  </a:ext>
+                </a:extLst>
+              </a:tr>
+            </a:tbl>
+          </a:graphicData>
+        </a:graphic>
+      </p:graphicFrame>
+      <p:sp>
+        <p:nvSpPr>
+          <p:cNvPr id="5" name="Rectangle: Rounded Corners 4">
+            <a:extLst>
+              <a:ext uri="{FF2B5EF4-FFF2-40B4-BE49-F238E27FC236}">
+                <a16:creationId xmlns:a16="http://schemas.microsoft.com/office/drawing/2014/main" id="{54BD1A45-A82F-C7BF-7951-A44BFA4A2BE2}"/>
+              </a:ext>
+            </a:extLst>
+          </p:cNvPr>
+          <p:cNvSpPr/>
+          <p:nvPr/>
+        </p:nvSpPr>
+        <p:spPr>
+          <a:xfrm>
+            <a:off x="4819277" y="1429888"/>
+            <a:ext cx="984738" cy="342483"/>
+          </a:xfrm>
+          <a:prstGeom prst="roundRect">
+            <a:avLst/>
+          </a:prstGeom>
+          <a:solidFill>
+            <a:srgbClr val="FF0000"/>
+          </a:solidFill>
+          <a:ln>
+            <a:noFill/>
+          </a:ln>
+        </p:spPr>
+        <p:style>
+          <a:lnRef idx="2">
+            <a:schemeClr val="accent1">
+              <a:shade val="50000"/>
+            </a:schemeClr>
+          </a:lnRef>
+          <a:fillRef idx="1">
+            <a:schemeClr val="accent1"/>
+          </a:fillRef>
+          <a:effectRef idx="0">
+            <a:schemeClr val="accent1"/>
+          </a:effectRef>
+          <a:fontRef idx="minor">
+            <a:schemeClr val="lt1"/>
+          </a:fontRef>
+        </p:style>
+        <p:txBody>
+          <a:bodyPr rtlCol="0" anchor="ctr"/>
+          <a:lstStyle/>
+          <a:p>
+            <a:pPr algn="ctr"/>
+            <a:endParaRPr lang="en-NZ" sz="1000"/>
+          </a:p>
+        </p:txBody>
+      </p:sp>
+      <p:sp>
+        <p:nvSpPr>
+          <p:cNvPr id="6" name="Rectangle: Rounded Corners 5">
+            <a:extLst>
+              <a:ext uri="{FF2B5EF4-FFF2-40B4-BE49-F238E27FC236}">
+                <a16:creationId xmlns:a16="http://schemas.microsoft.com/office/drawing/2014/main" id="{02CC6F0F-673C-EC0A-D640-8FF03B83672E}"/>
+              </a:ext>
+            </a:extLst>
+          </p:cNvPr>
+          <p:cNvSpPr/>
+          <p:nvPr/>
+        </p:nvSpPr>
+        <p:spPr>
+          <a:xfrm>
+            <a:off x="4819277" y="1912640"/>
+            <a:ext cx="984738" cy="342483"/>
+          </a:xfrm>
+          <a:prstGeom prst="roundRect">
+            <a:avLst/>
+          </a:prstGeom>
+          <a:solidFill>
+            <a:srgbClr val="92D050"/>
+          </a:solidFill>
+          <a:ln>
+            <a:noFill/>
+          </a:ln>
+        </p:spPr>
+        <p:style>
+          <a:lnRef idx="2">
+            <a:schemeClr val="accent1">
+              <a:shade val="50000"/>
+            </a:schemeClr>
+          </a:lnRef>
+          <a:fillRef idx="1">
+            <a:schemeClr val="accent1"/>
+          </a:fillRef>
+          <a:effectRef idx="0">
+            <a:schemeClr val="accent1"/>
+          </a:effectRef>
+          <a:fontRef idx="minor">
+            <a:schemeClr val="lt1"/>
+          </a:fontRef>
+        </p:style>
+        <p:txBody>
+          <a:bodyPr rtlCol="0" anchor="ctr"/>
+          <a:lstStyle/>
+          <a:p>
+            <a:pPr algn="ctr"/>
+            <a:endParaRPr lang="en-NZ" sz="1000"/>
+          </a:p>
+        </p:txBody>
+      </p:sp>
+      <p:sp>
+        <p:nvSpPr>
+          <p:cNvPr id="7" name="Rectangle: Rounded Corners 6">
+            <a:extLst>
+              <a:ext uri="{FF2B5EF4-FFF2-40B4-BE49-F238E27FC236}">
+                <a16:creationId xmlns:a16="http://schemas.microsoft.com/office/drawing/2014/main" id="{DB5C6433-6F40-D02D-6FFD-D60902D651F6}"/>
+              </a:ext>
+            </a:extLst>
+          </p:cNvPr>
+          <p:cNvSpPr/>
+          <p:nvPr/>
+        </p:nvSpPr>
+        <p:spPr>
+          <a:xfrm>
+            <a:off x="4819277" y="2416188"/>
+            <a:ext cx="984738" cy="342483"/>
+          </a:xfrm>
+          <a:prstGeom prst="roundRect">
+            <a:avLst/>
+          </a:prstGeom>
+          <a:solidFill>
+            <a:srgbClr val="0070C0"/>
+          </a:solidFill>
+          <a:ln>
+            <a:noFill/>
+          </a:ln>
+        </p:spPr>
+        <p:style>
+          <a:lnRef idx="2">
+            <a:schemeClr val="accent1">
+              <a:shade val="50000"/>
+            </a:schemeClr>
+          </a:lnRef>
+          <a:fillRef idx="1">
+            <a:schemeClr val="accent1"/>
+          </a:fillRef>
+          <a:effectRef idx="0">
+            <a:schemeClr val="accent1"/>
+          </a:effectRef>
+          <a:fontRef idx="minor">
+            <a:schemeClr val="lt1"/>
+          </a:fontRef>
+        </p:style>
+        <p:txBody>
+          <a:bodyPr rtlCol="0" anchor="ctr"/>
+          <a:lstStyle/>
+          <a:p>
+            <a:pPr algn="ctr"/>
+            <a:endParaRPr lang="en-NZ" sz="1000"/>
+          </a:p>
+        </p:txBody>
+      </p:sp>
+      <p:sp>
+        <p:nvSpPr>
+          <p:cNvPr id="8" name="Rectangle: Rounded Corners 7">
+            <a:extLst>
+              <a:ext uri="{FF2B5EF4-FFF2-40B4-BE49-F238E27FC236}">
+                <a16:creationId xmlns:a16="http://schemas.microsoft.com/office/drawing/2014/main" id="{D6EDF3C6-660E-5A75-DF3A-CED9A1F21D31}"/>
+              </a:ext>
+            </a:extLst>
+          </p:cNvPr>
+          <p:cNvSpPr/>
+          <p:nvPr/>
+        </p:nvSpPr>
+        <p:spPr>
+          <a:xfrm>
+            <a:off x="4819277" y="2891349"/>
+            <a:ext cx="984738" cy="342483"/>
+          </a:xfrm>
+          <a:prstGeom prst="roundRect">
+            <a:avLst/>
+          </a:prstGeom>
+          <a:solidFill>
+            <a:srgbClr val="FFC000"/>
+          </a:solidFill>
+          <a:ln>
+            <a:noFill/>
+          </a:ln>
+        </p:spPr>
+        <p:style>
+          <a:lnRef idx="2">
+            <a:schemeClr val="accent1">
+              <a:shade val="50000"/>
+            </a:schemeClr>
+          </a:lnRef>
+          <a:fillRef idx="1">
+            <a:schemeClr val="accent1"/>
+          </a:fillRef>
+          <a:effectRef idx="0">
+            <a:schemeClr val="accent1"/>
+          </a:effectRef>
+          <a:fontRef idx="minor">
+            <a:schemeClr val="lt1"/>
+          </a:fontRef>
+        </p:style>
+        <p:txBody>
+          <a:bodyPr rtlCol="0" anchor="ctr"/>
+          <a:lstStyle/>
+          <a:p>
+            <a:pPr algn="ctr"/>
+            <a:endParaRPr lang="en-NZ" sz="1000"/>
+          </a:p>
+        </p:txBody>
+      </p:sp>
+      <p:sp>
+        <p:nvSpPr>
+          <p:cNvPr id="9" name="Rectangle: Rounded Corners 8">
+            <a:extLst>
+              <a:ext uri="{FF2B5EF4-FFF2-40B4-BE49-F238E27FC236}">
+                <a16:creationId xmlns:a16="http://schemas.microsoft.com/office/drawing/2014/main" id="{5665041E-8FC6-C7E5-7BD9-0309DE434145}"/>
+              </a:ext>
+            </a:extLst>
+          </p:cNvPr>
+          <p:cNvSpPr/>
+          <p:nvPr/>
+        </p:nvSpPr>
+        <p:spPr>
+          <a:xfrm>
+            <a:off x="4819277" y="3392266"/>
+            <a:ext cx="984738" cy="342483"/>
+          </a:xfrm>
+          <a:prstGeom prst="roundRect">
+            <a:avLst/>
+          </a:prstGeom>
+          <a:solidFill>
+            <a:srgbClr val="7030A0"/>
+          </a:solidFill>
+          <a:ln>
+            <a:noFill/>
+          </a:ln>
+        </p:spPr>
+        <p:style>
+          <a:lnRef idx="2">
+            <a:schemeClr val="accent1">
+              <a:shade val="50000"/>
+            </a:schemeClr>
+          </a:lnRef>
+          <a:fillRef idx="1">
+            <a:schemeClr val="accent1"/>
+          </a:fillRef>
+          <a:effectRef idx="0">
+            <a:schemeClr val="accent1"/>
+          </a:effectRef>
+          <a:fontRef idx="minor">
+            <a:schemeClr val="lt1"/>
+          </a:fontRef>
+        </p:style>
+        <p:txBody>
+          <a:bodyPr rtlCol="0" anchor="ctr"/>
+          <a:lstStyle/>
+          <a:p>
+            <a:pPr algn="ctr"/>
+            <a:endParaRPr lang="en-NZ" sz="1000"/>
+          </a:p>
+        </p:txBody>
+      </p:sp>
+      <p:sp>
+        <p:nvSpPr>
+          <p:cNvPr id="11" name="Rectangle: Rounded Corners 10">
+            <a:extLst>
+              <a:ext uri="{FF2B5EF4-FFF2-40B4-BE49-F238E27FC236}">
+                <a16:creationId xmlns:a16="http://schemas.microsoft.com/office/drawing/2014/main" id="{FE1D95A4-D934-85F6-188A-46634DD36A57}"/>
+              </a:ext>
+            </a:extLst>
+          </p:cNvPr>
+          <p:cNvSpPr/>
+          <p:nvPr/>
+        </p:nvSpPr>
+        <p:spPr>
+          <a:xfrm>
+            <a:off x="4819277" y="3855851"/>
+            <a:ext cx="984738" cy="342483"/>
+          </a:xfrm>
+          <a:prstGeom prst="roundRect">
+            <a:avLst/>
+          </a:prstGeom>
+          <a:solidFill>
+            <a:srgbClr val="00B050"/>
+          </a:solidFill>
+          <a:ln>
+            <a:noFill/>
+          </a:ln>
+        </p:spPr>
+        <p:style>
+          <a:lnRef idx="2">
+            <a:schemeClr val="accent1">
+              <a:shade val="50000"/>
+            </a:schemeClr>
+          </a:lnRef>
+          <a:fillRef idx="1">
+            <a:schemeClr val="accent1"/>
+          </a:fillRef>
+          <a:effectRef idx="0">
+            <a:schemeClr val="accent1"/>
+          </a:effectRef>
+          <a:fontRef idx="minor">
+            <a:schemeClr val="lt1"/>
+          </a:fontRef>
+        </p:style>
+        <p:txBody>
+          <a:bodyPr rtlCol="0" anchor="ctr"/>
+          <a:lstStyle/>
+          <a:p>
+            <a:pPr algn="ctr"/>
+            <a:endParaRPr lang="en-NZ" sz="1000"/>
+          </a:p>
+        </p:txBody>
+      </p:sp>
+      <p:sp>
+        <p:nvSpPr>
+          <p:cNvPr id="12" name="Rectangle: Rounded Corners 11">
+            <a:extLst>
+              <a:ext uri="{FF2B5EF4-FFF2-40B4-BE49-F238E27FC236}">
+                <a16:creationId xmlns:a16="http://schemas.microsoft.com/office/drawing/2014/main" id="{BA4ACADC-9562-E510-9A32-F7F5B34CEB00}"/>
+              </a:ext>
+            </a:extLst>
+          </p:cNvPr>
+          <p:cNvSpPr/>
+          <p:nvPr/>
+        </p:nvSpPr>
+        <p:spPr>
+          <a:xfrm>
+            <a:off x="4819277" y="4347703"/>
+            <a:ext cx="984738" cy="342483"/>
+          </a:xfrm>
+          <a:prstGeom prst="roundRect">
+            <a:avLst/>
+          </a:prstGeom>
+          <a:solidFill>
+            <a:srgbClr val="C00000"/>
+          </a:solidFill>
+          <a:ln>
+            <a:noFill/>
+          </a:ln>
+        </p:spPr>
+        <p:style>
+          <a:lnRef idx="2">
+            <a:schemeClr val="accent1">
+              <a:shade val="50000"/>
+            </a:schemeClr>
+          </a:lnRef>
+          <a:fillRef idx="1">
+            <a:schemeClr val="accent1"/>
+          </a:fillRef>
+          <a:effectRef idx="0">
+            <a:schemeClr val="accent1"/>
+          </a:effectRef>
+          <a:fontRef idx="minor">
+            <a:schemeClr val="lt1"/>
+          </a:fontRef>
+        </p:style>
+        <p:txBody>
+          <a:bodyPr rtlCol="0" anchor="ctr"/>
+          <a:lstStyle/>
+          <a:p>
+            <a:pPr algn="ctr"/>
+            <a:endParaRPr lang="en-NZ" sz="1000"/>
+          </a:p>
+        </p:txBody>
+      </p:sp>
+      <p:sp>
+        <p:nvSpPr>
+          <p:cNvPr id="13" name="Rectangle: Rounded Corners 12">
+            <a:extLst>
+              <a:ext uri="{FF2B5EF4-FFF2-40B4-BE49-F238E27FC236}">
+                <a16:creationId xmlns:a16="http://schemas.microsoft.com/office/drawing/2014/main" id="{1B6B0877-2C16-4A69-5542-4D9BE92197E5}"/>
+              </a:ext>
+            </a:extLst>
+          </p:cNvPr>
+          <p:cNvSpPr/>
+          <p:nvPr/>
+        </p:nvSpPr>
+        <p:spPr>
+          <a:xfrm>
+            <a:off x="4819277" y="4825449"/>
+            <a:ext cx="984738" cy="342483"/>
+          </a:xfrm>
+          <a:prstGeom prst="roundRect">
+            <a:avLst/>
+          </a:prstGeom>
+          <a:solidFill>
+            <a:srgbClr val="FFFF00"/>
+          </a:solidFill>
+          <a:ln>
+            <a:noFill/>
+          </a:ln>
+        </p:spPr>
+        <p:style>
+          <a:lnRef idx="2">
+            <a:schemeClr val="accent1">
+              <a:shade val="50000"/>
+            </a:schemeClr>
+          </a:lnRef>
+          <a:fillRef idx="1">
+            <a:schemeClr val="accent1"/>
+          </a:fillRef>
+          <a:effectRef idx="0">
+            <a:schemeClr val="accent1"/>
+          </a:effectRef>
+          <a:fontRef idx="minor">
+            <a:schemeClr val="lt1"/>
+          </a:fontRef>
+        </p:style>
+        <p:txBody>
+          <a:bodyPr rtlCol="0" anchor="ctr"/>
+          <a:lstStyle/>
+          <a:p>
+            <a:pPr algn="ctr"/>
+            <a:endParaRPr lang="en-NZ" sz="1000"/>
+          </a:p>
+        </p:txBody>
+      </p:sp>
+      <p:sp>
+        <p:nvSpPr>
+          <p:cNvPr id="14" name="Rectangle: Rounded Corners 13">
+            <a:extLst>
+              <a:ext uri="{FF2B5EF4-FFF2-40B4-BE49-F238E27FC236}">
+                <a16:creationId xmlns:a16="http://schemas.microsoft.com/office/drawing/2014/main" id="{7FAAF0B1-9CE0-EEA5-C218-07A57C495F22}"/>
+              </a:ext>
+            </a:extLst>
+          </p:cNvPr>
+          <p:cNvSpPr/>
+          <p:nvPr/>
+        </p:nvSpPr>
+        <p:spPr>
+          <a:xfrm>
+            <a:off x="4819277" y="5326369"/>
+            <a:ext cx="984738" cy="342483"/>
+          </a:xfrm>
+          <a:prstGeom prst="roundRect">
+            <a:avLst/>
+          </a:prstGeom>
+          <a:solidFill>
+            <a:srgbClr val="00B0F0"/>
+          </a:solidFill>
+          <a:ln>
+            <a:noFill/>
+          </a:ln>
+        </p:spPr>
+        <p:style>
+          <a:lnRef idx="2">
+            <a:schemeClr val="accent1">
+              <a:shade val="50000"/>
+            </a:schemeClr>
+          </a:lnRef>
+          <a:fillRef idx="1">
+            <a:schemeClr val="accent1"/>
+          </a:fillRef>
+          <a:effectRef idx="0">
+            <a:schemeClr val="accent1"/>
+          </a:effectRef>
+          <a:fontRef idx="minor">
+            <a:schemeClr val="lt1"/>
+          </a:fontRef>
+        </p:style>
+        <p:txBody>
+          <a:bodyPr rtlCol="0" anchor="ctr"/>
+          <a:lstStyle/>
+          <a:p>
+            <a:pPr algn="ctr"/>
+            <a:endParaRPr lang="en-NZ" sz="1000"/>
+          </a:p>
+        </p:txBody>
+      </p:sp>
+      <p:sp>
+        <p:nvSpPr>
+          <p:cNvPr id="15" name="Rectangle: Rounded Corners 14">
+            <a:extLst>
+              <a:ext uri="{FF2B5EF4-FFF2-40B4-BE49-F238E27FC236}">
+                <a16:creationId xmlns:a16="http://schemas.microsoft.com/office/drawing/2014/main" id="{4194B8C1-94BB-7220-16EB-9A68C3082E87}"/>
+              </a:ext>
+            </a:extLst>
+          </p:cNvPr>
+          <p:cNvSpPr/>
+          <p:nvPr/>
+        </p:nvSpPr>
+        <p:spPr>
+          <a:xfrm>
+            <a:off x="4819277" y="5830707"/>
+            <a:ext cx="984738" cy="342483"/>
+          </a:xfrm>
+          <a:prstGeom prst="roundRect">
+            <a:avLst/>
+          </a:prstGeom>
+          <a:solidFill>
+            <a:srgbClr val="002060"/>
+          </a:solidFill>
+          <a:ln>
+            <a:noFill/>
+          </a:ln>
+        </p:spPr>
+        <p:style>
+          <a:lnRef idx="2">
+            <a:schemeClr val="accent1">
+              <a:shade val="50000"/>
+            </a:schemeClr>
+          </a:lnRef>
+          <a:fillRef idx="1">
+            <a:schemeClr val="accent1"/>
+          </a:fillRef>
+          <a:effectRef idx="0">
+            <a:schemeClr val="accent1"/>
+          </a:effectRef>
+          <a:fontRef idx="minor">
+            <a:schemeClr val="lt1"/>
+          </a:fontRef>
+        </p:style>
+        <p:txBody>
+          <a:bodyPr rtlCol="0" anchor="ctr"/>
+          <a:lstStyle/>
+          <a:p>
+            <a:pPr algn="ctr"/>
+            <a:endParaRPr lang="en-NZ" sz="1000"/>
+          </a:p>
+        </p:txBody>
+      </p:sp>
+      <p:sp>
+        <p:nvSpPr>
+          <p:cNvPr id="16" name="Rectangle: Rounded Corners 15">
+            <a:extLst>
+              <a:ext uri="{FF2B5EF4-FFF2-40B4-BE49-F238E27FC236}">
+                <a16:creationId xmlns:a16="http://schemas.microsoft.com/office/drawing/2014/main" id="{A10732B3-4FAD-6F62-A3E4-00CC66DDDC7A}"/>
+              </a:ext>
+            </a:extLst>
+          </p:cNvPr>
+          <p:cNvSpPr/>
+          <p:nvPr/>
+        </p:nvSpPr>
+        <p:spPr>
+          <a:xfrm>
+            <a:off x="4819277" y="6272314"/>
+            <a:ext cx="984738" cy="342483"/>
+          </a:xfrm>
+          <a:prstGeom prst="roundRect">
+            <a:avLst/>
+          </a:prstGeom>
+          <a:solidFill>
+            <a:srgbClr val="EC4502"/>
+          </a:solidFill>
+          <a:ln>
+            <a:noFill/>
+          </a:ln>
+        </p:spPr>
+        <p:style>
+          <a:lnRef idx="2">
+            <a:schemeClr val="accent1">
+              <a:shade val="50000"/>
+            </a:schemeClr>
+          </a:lnRef>
+          <a:fillRef idx="1">
+            <a:schemeClr val="accent1"/>
+          </a:fillRef>
+          <a:effectRef idx="0">
+            <a:schemeClr val="accent1"/>
+          </a:effectRef>
+          <a:fontRef idx="minor">
+            <a:schemeClr val="lt1"/>
+          </a:fontRef>
+        </p:style>
+        <p:txBody>
+          <a:bodyPr rtlCol="0" anchor="ctr"/>
+          <a:lstStyle/>
+          <a:p>
+            <a:pPr algn="ctr"/>
+            <a:endParaRPr lang="en-NZ" sz="1000"/>
+          </a:p>
+        </p:txBody>
+      </p:sp>
+    </p:spTree>
+    <p:extLst>
+      <p:ext uri="{BB962C8B-B14F-4D97-AF65-F5344CB8AC3E}">
+        <p14:creationId xmlns:p14="http://schemas.microsoft.com/office/powerpoint/2010/main" val="4083204153"/>
+      </p:ext>
+    </p:extLst>
+  </p:cSld>
+  <p:clrMapOvr>
+    <a:masterClrMapping/>
+  </p:clrMapOvr>
+</p:sld>
+</file>
+
 <file path=ppt/slides/slide38.xml><?xml version="1.0" encoding="utf-8"?>
 <p:sld xmlns:a="http://schemas.openxmlformats.org/drawingml/2006/main" xmlns:r="http://schemas.openxmlformats.org/officeDocument/2006/relationships" xmlns:p="http://schemas.openxmlformats.org/presentationml/2006/main">
   <p:cSld>
@@ -19043,11 +21389,11 @@
           <a:p>
             <a:r>
               <a:rPr lang="en-NZ" b="1" dirty="0"/>
-              <a:t>1 Assembled Outcome Testing – </a:t>
+              <a:t>2 Assembled Outcome Testing - </a:t>
             </a:r>
             <a:r>
               <a:rPr lang="en-NZ" b="1" i="1" dirty="0"/>
-              <a:t>Test Plan</a:t>
+              <a:t>Evidence</a:t>
             </a:r>
           </a:p>
         </p:txBody>
@@ -19067,7 +21413,7 @@
         <p:spPr>
           <a:xfrm>
             <a:off x="838199" y="1556108"/>
-            <a:ext cx="9682213" cy="1200329"/>
+            <a:ext cx="9682213" cy="646331"/>
           </a:xfrm>
           <a:prstGeom prst="rect">
             <a:avLst/>
@@ -19094,57 +21440,468 @@
               <a:buNone/>
             </a:pPr>
             <a:r>
-              <a:rPr lang="en-NZ" sz="1800" i="1" dirty="0">
+              <a:rPr lang="en-NZ" sz="1800" dirty="0">
                 <a:solidFill>
                   <a:schemeClr val="dk2"/>
                 </a:solidFill>
               </a:rPr>
-              <a:t>Use this slide to provide a test plan for your complete program.  You may wish to create multiple slides so that you can test for expected, boundary and unexpected cases.  </a:t>
-            </a:r>
-          </a:p>
-          <a:p>
-            <a:pPr marL="0" lvl="0" indent="0" algn="l" rtl="0">
-              <a:spcBef>
-                <a:spcPts val="0"/>
-              </a:spcBef>
-              <a:spcAft>
-                <a:spcPts val="0"/>
-              </a:spcAft>
-              <a:buClr>
-                <a:schemeClr val="dk1"/>
-              </a:buClr>
-              <a:buSzPts val="1100"/>
-              <a:buFont typeface="Arial"/>
-              <a:buNone/>
-            </a:pPr>
-            <a:endParaRPr lang="en-NZ" sz="1800" i="1" dirty="0">
-              <a:solidFill>
-                <a:schemeClr val="dk2"/>
-              </a:solidFill>
-            </a:endParaRPr>
-          </a:p>
-          <a:p>
-            <a:pPr marL="0" lvl="0" indent="0" algn="l" rtl="0">
-              <a:spcBef>
-                <a:spcPts val="0"/>
-              </a:spcBef>
-              <a:spcAft>
-                <a:spcPts val="0"/>
-              </a:spcAft>
-              <a:buClr>
-                <a:schemeClr val="dk1"/>
-              </a:buClr>
-              <a:buSzPts val="1100"/>
-              <a:buFont typeface="Arial"/>
-              <a:buNone/>
-            </a:pPr>
-            <a:r>
-              <a:rPr lang="en-NZ" sz="1800" i="1" dirty="0">
-                <a:solidFill>
-                  <a:schemeClr val="dk2"/>
-                </a:solidFill>
-              </a:rPr>
-              <a:t>Remember to test ALL logical pathways so that you can ensure your program works correctly.</a:t>
+              <a:t>Create as many slides as needed to provide evidence of testing that your outcome works for expected, boundary and unexpected cases.  </a:t>
+            </a:r>
+          </a:p>
+        </p:txBody>
+      </p:sp>
+      <p:sp>
+        <p:nvSpPr>
+          <p:cNvPr id="4" name="Rectangle 3">
+            <a:extLst>
+              <a:ext uri="{FF2B5EF4-FFF2-40B4-BE49-F238E27FC236}">
+                <a16:creationId xmlns:a16="http://schemas.microsoft.com/office/drawing/2014/main" id="{46995D75-3FFF-CA24-9A85-FF80A1EEC3C4}"/>
+              </a:ext>
+            </a:extLst>
+          </p:cNvPr>
+          <p:cNvSpPr/>
+          <p:nvPr/>
+        </p:nvSpPr>
+        <p:spPr>
+          <a:xfrm>
+            <a:off x="522514" y="2563901"/>
+            <a:ext cx="3386295" cy="3656029"/>
+          </a:xfrm>
+          <a:prstGeom prst="rect">
+            <a:avLst/>
+          </a:prstGeom>
+          <a:noFill/>
+          <a:ln w="28575">
+            <a:solidFill>
+              <a:srgbClr val="FF0000"/>
+            </a:solidFill>
+          </a:ln>
+        </p:spPr>
+        <p:style>
+          <a:lnRef idx="2">
+            <a:schemeClr val="accent1">
+              <a:shade val="50000"/>
+            </a:schemeClr>
+          </a:lnRef>
+          <a:fillRef idx="1">
+            <a:schemeClr val="accent1"/>
+          </a:fillRef>
+          <a:effectRef idx="0">
+            <a:schemeClr val="accent1"/>
+          </a:effectRef>
+          <a:fontRef idx="minor">
+            <a:schemeClr val="lt1"/>
+          </a:fontRef>
+        </p:style>
+        <p:txBody>
+          <a:bodyPr rtlCol="0" anchor="ctr"/>
+          <a:lstStyle/>
+          <a:p>
+            <a:pPr algn="ctr"/>
+            <a:endParaRPr lang="en-NZ"/>
+          </a:p>
+        </p:txBody>
+      </p:sp>
+      <p:sp>
+        <p:nvSpPr>
+          <p:cNvPr id="5" name="Rectangle 4">
+            <a:extLst>
+              <a:ext uri="{FF2B5EF4-FFF2-40B4-BE49-F238E27FC236}">
+                <a16:creationId xmlns:a16="http://schemas.microsoft.com/office/drawing/2014/main" id="{CBE6E532-0B08-A35A-CB9A-A5700FF8824C}"/>
+              </a:ext>
+            </a:extLst>
+          </p:cNvPr>
+          <p:cNvSpPr/>
+          <p:nvPr/>
+        </p:nvSpPr>
+        <p:spPr>
+          <a:xfrm>
+            <a:off x="4402852" y="2563900"/>
+            <a:ext cx="3386295" cy="3656029"/>
+          </a:xfrm>
+          <a:prstGeom prst="rect">
+            <a:avLst/>
+          </a:prstGeom>
+          <a:noFill/>
+          <a:ln w="28575">
+            <a:solidFill>
+              <a:srgbClr val="92D050"/>
+            </a:solidFill>
+          </a:ln>
+        </p:spPr>
+        <p:style>
+          <a:lnRef idx="2">
+            <a:schemeClr val="accent1">
+              <a:shade val="50000"/>
+            </a:schemeClr>
+          </a:lnRef>
+          <a:fillRef idx="1">
+            <a:schemeClr val="accent1"/>
+          </a:fillRef>
+          <a:effectRef idx="0">
+            <a:schemeClr val="accent1"/>
+          </a:effectRef>
+          <a:fontRef idx="minor">
+            <a:schemeClr val="lt1"/>
+          </a:fontRef>
+        </p:style>
+        <p:txBody>
+          <a:bodyPr rtlCol="0" anchor="ctr"/>
+          <a:lstStyle/>
+          <a:p>
+            <a:pPr algn="ctr"/>
+            <a:endParaRPr lang="en-NZ"/>
+          </a:p>
+        </p:txBody>
+      </p:sp>
+      <p:sp>
+        <p:nvSpPr>
+          <p:cNvPr id="6" name="Rectangle 5">
+            <a:extLst>
+              <a:ext uri="{FF2B5EF4-FFF2-40B4-BE49-F238E27FC236}">
+                <a16:creationId xmlns:a16="http://schemas.microsoft.com/office/drawing/2014/main" id="{ED74B2D2-3658-A29B-86DE-C126EC743D90}"/>
+              </a:ext>
+            </a:extLst>
+          </p:cNvPr>
+          <p:cNvSpPr/>
+          <p:nvPr/>
+        </p:nvSpPr>
+        <p:spPr>
+          <a:xfrm>
+            <a:off x="8283190" y="2563899"/>
+            <a:ext cx="3386295" cy="3656029"/>
+          </a:xfrm>
+          <a:prstGeom prst="rect">
+            <a:avLst/>
+          </a:prstGeom>
+          <a:noFill/>
+          <a:ln w="28575">
+            <a:solidFill>
+              <a:srgbClr val="0070C0"/>
+            </a:solidFill>
+          </a:ln>
+        </p:spPr>
+        <p:style>
+          <a:lnRef idx="2">
+            <a:schemeClr val="accent1">
+              <a:shade val="50000"/>
+            </a:schemeClr>
+          </a:lnRef>
+          <a:fillRef idx="1">
+            <a:schemeClr val="accent1"/>
+          </a:fillRef>
+          <a:effectRef idx="0">
+            <a:schemeClr val="accent1"/>
+          </a:effectRef>
+          <a:fontRef idx="minor">
+            <a:schemeClr val="lt1"/>
+          </a:fontRef>
+        </p:style>
+        <p:txBody>
+          <a:bodyPr rtlCol="0" anchor="ctr"/>
+          <a:lstStyle/>
+          <a:p>
+            <a:pPr algn="ctr"/>
+            <a:endParaRPr lang="en-NZ"/>
+          </a:p>
+        </p:txBody>
+      </p:sp>
+      <p:pic>
+        <p:nvPicPr>
+          <p:cNvPr id="8" name="Picture 7">
+            <a:extLst>
+              <a:ext uri="{FF2B5EF4-FFF2-40B4-BE49-F238E27FC236}">
+                <a16:creationId xmlns:a16="http://schemas.microsoft.com/office/drawing/2014/main" id="{7BC9BBEC-3439-8378-3E54-5729A1348443}"/>
+              </a:ext>
+            </a:extLst>
+          </p:cNvPr>
+          <p:cNvPicPr>
+            <a:picLocks noChangeAspect="1"/>
+          </p:cNvPicPr>
+          <p:nvPr/>
+        </p:nvPicPr>
+        <p:blipFill>
+          <a:blip r:embed="rId3"/>
+          <a:stretch>
+            <a:fillRect/>
+          </a:stretch>
+        </p:blipFill>
+        <p:spPr>
+          <a:xfrm>
+            <a:off x="1507252" y="2713436"/>
+            <a:ext cx="1487565" cy="2032158"/>
+          </a:xfrm>
+          <a:prstGeom prst="rect">
+            <a:avLst/>
+          </a:prstGeom>
+        </p:spPr>
+      </p:pic>
+      <p:pic>
+        <p:nvPicPr>
+          <p:cNvPr id="10" name="Picture 9">
+            <a:extLst>
+              <a:ext uri="{FF2B5EF4-FFF2-40B4-BE49-F238E27FC236}">
+                <a16:creationId xmlns:a16="http://schemas.microsoft.com/office/drawing/2014/main" id="{8ACA4F55-A51E-FBAC-F15D-B2F9BDE7B107}"/>
+              </a:ext>
+            </a:extLst>
+          </p:cNvPr>
+          <p:cNvPicPr>
+            <a:picLocks noChangeAspect="1"/>
+          </p:cNvPicPr>
+          <p:nvPr/>
+        </p:nvPicPr>
+        <p:blipFill>
+          <a:blip r:embed="rId4"/>
+          <a:stretch>
+            <a:fillRect/>
+          </a:stretch>
+        </p:blipFill>
+        <p:spPr>
+          <a:xfrm>
+            <a:off x="9318035" y="2649885"/>
+            <a:ext cx="1559550" cy="2124215"/>
+          </a:xfrm>
+          <a:prstGeom prst="rect">
+            <a:avLst/>
+          </a:prstGeom>
+        </p:spPr>
+      </p:pic>
+      <p:pic>
+        <p:nvPicPr>
+          <p:cNvPr id="12" name="Picture 11">
+            <a:extLst>
+              <a:ext uri="{FF2B5EF4-FFF2-40B4-BE49-F238E27FC236}">
+                <a16:creationId xmlns:a16="http://schemas.microsoft.com/office/drawing/2014/main" id="{739B80FB-66D3-D994-94F3-DBE10AD66E8E}"/>
+              </a:ext>
+            </a:extLst>
+          </p:cNvPr>
+          <p:cNvPicPr>
+            <a:picLocks noChangeAspect="1"/>
+          </p:cNvPicPr>
+          <p:nvPr/>
+        </p:nvPicPr>
+        <p:blipFill>
+          <a:blip r:embed="rId5"/>
+          <a:stretch>
+            <a:fillRect/>
+          </a:stretch>
+        </p:blipFill>
+        <p:spPr>
+          <a:xfrm>
+            <a:off x="5365549" y="2649885"/>
+            <a:ext cx="1460900" cy="2020349"/>
+          </a:xfrm>
+          <a:prstGeom prst="rect">
+            <a:avLst/>
+          </a:prstGeom>
+        </p:spPr>
+      </p:pic>
+      <p:sp>
+        <p:nvSpPr>
+          <p:cNvPr id="13" name="TextBox 12">
+            <a:extLst>
+              <a:ext uri="{FF2B5EF4-FFF2-40B4-BE49-F238E27FC236}">
+                <a16:creationId xmlns:a16="http://schemas.microsoft.com/office/drawing/2014/main" id="{AC5E2959-9733-B75D-6526-483E7FA23D59}"/>
+              </a:ext>
+            </a:extLst>
+          </p:cNvPr>
+          <p:cNvSpPr txBox="1"/>
+          <p:nvPr/>
+        </p:nvSpPr>
+        <p:spPr>
+          <a:xfrm>
+            <a:off x="724129" y="4787305"/>
+            <a:ext cx="3070151" cy="646331"/>
+          </a:xfrm>
+          <a:prstGeom prst="rect">
+            <a:avLst/>
+          </a:prstGeom>
+          <a:noFill/>
+        </p:spPr>
+        <p:txBody>
+          <a:bodyPr wrap="square" rtlCol="0">
+            <a:spAutoFit/>
+          </a:bodyPr>
+          <a:lstStyle/>
+          <a:p>
+            <a:r>
+              <a:rPr lang="en-NZ" dirty="0"/>
+              <a:t>Game Opens and starts as intended</a:t>
+            </a:r>
+          </a:p>
+        </p:txBody>
+      </p:sp>
+      <p:sp>
+        <p:nvSpPr>
+          <p:cNvPr id="14" name="TextBox 13">
+            <a:extLst>
+              <a:ext uri="{FF2B5EF4-FFF2-40B4-BE49-F238E27FC236}">
+                <a16:creationId xmlns:a16="http://schemas.microsoft.com/office/drawing/2014/main" id="{C6A4F6E3-6A82-F649-B28A-51BE2EE0BC0A}"/>
+              </a:ext>
+            </a:extLst>
+          </p:cNvPr>
+          <p:cNvSpPr txBox="1"/>
+          <p:nvPr/>
+        </p:nvSpPr>
+        <p:spPr>
+          <a:xfrm>
+            <a:off x="4560923" y="4978726"/>
+            <a:ext cx="3070151" cy="646331"/>
+          </a:xfrm>
+          <a:prstGeom prst="rect">
+            <a:avLst/>
+          </a:prstGeom>
+          <a:noFill/>
+        </p:spPr>
+        <p:txBody>
+          <a:bodyPr wrap="square" rtlCol="0">
+            <a:spAutoFit/>
+          </a:bodyPr>
+          <a:lstStyle/>
+          <a:p>
+            <a:r>
+              <a:rPr lang="en-NZ" dirty="0"/>
+              <a:t>Left arrow key pressed, car tilts and moves left</a:t>
+            </a:r>
+          </a:p>
+        </p:txBody>
+      </p:sp>
+      <p:sp>
+        <p:nvSpPr>
+          <p:cNvPr id="15" name="TextBox 14">
+            <a:extLst>
+              <a:ext uri="{FF2B5EF4-FFF2-40B4-BE49-F238E27FC236}">
+                <a16:creationId xmlns:a16="http://schemas.microsoft.com/office/drawing/2014/main" id="{1E863830-6902-7C02-952A-7387456FD056}"/>
+              </a:ext>
+            </a:extLst>
+          </p:cNvPr>
+          <p:cNvSpPr txBox="1"/>
+          <p:nvPr/>
+        </p:nvSpPr>
+        <p:spPr>
+          <a:xfrm>
+            <a:off x="1260224" y="5686788"/>
+            <a:ext cx="1997959" cy="369332"/>
+          </a:xfrm>
+          <a:prstGeom prst="rect">
+            <a:avLst/>
+          </a:prstGeom>
+          <a:noFill/>
+        </p:spPr>
+        <p:txBody>
+          <a:bodyPr wrap="square" rtlCol="0">
+            <a:spAutoFit/>
+          </a:bodyPr>
+          <a:lstStyle/>
+          <a:p>
+            <a:r>
+              <a:rPr lang="en-NZ" dirty="0"/>
+              <a:t>Works as intended</a:t>
+            </a:r>
+          </a:p>
+        </p:txBody>
+      </p:sp>
+      <p:sp>
+        <p:nvSpPr>
+          <p:cNvPr id="16" name="TextBox 15">
+            <a:extLst>
+              <a:ext uri="{FF2B5EF4-FFF2-40B4-BE49-F238E27FC236}">
+                <a16:creationId xmlns:a16="http://schemas.microsoft.com/office/drawing/2014/main" id="{A3C67FB9-A875-4CE0-7415-6941ABFB8C25}"/>
+              </a:ext>
+            </a:extLst>
+          </p:cNvPr>
+          <p:cNvSpPr txBox="1"/>
+          <p:nvPr/>
+        </p:nvSpPr>
+        <p:spPr>
+          <a:xfrm>
+            <a:off x="5039230" y="5714016"/>
+            <a:ext cx="1997959" cy="369332"/>
+          </a:xfrm>
+          <a:prstGeom prst="rect">
+            <a:avLst/>
+          </a:prstGeom>
+          <a:noFill/>
+        </p:spPr>
+        <p:txBody>
+          <a:bodyPr wrap="square" rtlCol="0">
+            <a:spAutoFit/>
+          </a:bodyPr>
+          <a:lstStyle/>
+          <a:p>
+            <a:r>
+              <a:rPr lang="en-NZ" dirty="0"/>
+              <a:t>Works as intended</a:t>
+            </a:r>
+          </a:p>
+        </p:txBody>
+      </p:sp>
+      <p:sp>
+        <p:nvSpPr>
+          <p:cNvPr id="17" name="TextBox 16">
+            <a:extLst>
+              <a:ext uri="{FF2B5EF4-FFF2-40B4-BE49-F238E27FC236}">
+                <a16:creationId xmlns:a16="http://schemas.microsoft.com/office/drawing/2014/main" id="{1F7074E1-FC4F-1BB7-37DB-1A18F78EC26A}"/>
+              </a:ext>
+            </a:extLst>
+          </p:cNvPr>
+          <p:cNvSpPr txBox="1"/>
+          <p:nvPr/>
+        </p:nvSpPr>
+        <p:spPr>
+          <a:xfrm>
+            <a:off x="8386618" y="4860086"/>
+            <a:ext cx="3177309" cy="646331"/>
+          </a:xfrm>
+          <a:prstGeom prst="rect">
+            <a:avLst/>
+          </a:prstGeom>
+          <a:noFill/>
+        </p:spPr>
+        <p:txBody>
+          <a:bodyPr wrap="square" rtlCol="0">
+            <a:spAutoFit/>
+          </a:bodyPr>
+          <a:lstStyle/>
+          <a:p>
+            <a:r>
+              <a:rPr lang="en-NZ" dirty="0"/>
+              <a:t>Right arrow key pressed, car tilts and moves right</a:t>
+            </a:r>
+          </a:p>
+        </p:txBody>
+      </p:sp>
+      <p:sp>
+        <p:nvSpPr>
+          <p:cNvPr id="18" name="TextBox 17">
+            <a:extLst>
+              <a:ext uri="{FF2B5EF4-FFF2-40B4-BE49-F238E27FC236}">
+                <a16:creationId xmlns:a16="http://schemas.microsoft.com/office/drawing/2014/main" id="{2FFBE59F-869C-6140-8EC7-DF8D49A47F2E}"/>
+              </a:ext>
+            </a:extLst>
+          </p:cNvPr>
+          <p:cNvSpPr txBox="1"/>
+          <p:nvPr/>
+        </p:nvSpPr>
+        <p:spPr>
+          <a:xfrm>
+            <a:off x="9098830" y="5625057"/>
+            <a:ext cx="1997959" cy="369332"/>
+          </a:xfrm>
+          <a:prstGeom prst="rect">
+            <a:avLst/>
+          </a:prstGeom>
+          <a:noFill/>
+        </p:spPr>
+        <p:txBody>
+          <a:bodyPr wrap="square" rtlCol="0">
+            <a:spAutoFit/>
+          </a:bodyPr>
+          <a:lstStyle/>
+          <a:p>
+            <a:r>
+              <a:rPr lang="en-NZ" dirty="0"/>
+              <a:t>Works as intended</a:t>
             </a:r>
           </a:p>
         </p:txBody>
@@ -19152,7 +21909,7 @@
     </p:spTree>
     <p:extLst>
       <p:ext uri="{BB962C8B-B14F-4D97-AF65-F5344CB8AC3E}">
-        <p14:creationId xmlns:p14="http://schemas.microsoft.com/office/powerpoint/2010/main" val="4083204153"/>
+        <p14:creationId xmlns:p14="http://schemas.microsoft.com/office/powerpoint/2010/main" val="3773934657"/>
       </p:ext>
     </p:extLst>
   </p:cSld>
@@ -19202,7 +21959,7 @@
           <a:p>
             <a:r>
               <a:rPr lang="en-NZ" b="1" dirty="0"/>
-              <a:t>2 Assembled Outcome Testing - </a:t>
+              <a:t>2.1 Assembled Outcome Testing - </a:t>
             </a:r>
             <a:r>
               <a:rPr lang="en-NZ" b="1" i="1" dirty="0"/>
@@ -19263,10 +22020,541 @@
           </a:p>
         </p:txBody>
       </p:sp>
+      <p:sp>
+        <p:nvSpPr>
+          <p:cNvPr id="4" name="Rectangle 3">
+            <a:extLst>
+              <a:ext uri="{FF2B5EF4-FFF2-40B4-BE49-F238E27FC236}">
+                <a16:creationId xmlns:a16="http://schemas.microsoft.com/office/drawing/2014/main" id="{46995D75-3FFF-CA24-9A85-FF80A1EEC3C4}"/>
+              </a:ext>
+            </a:extLst>
+          </p:cNvPr>
+          <p:cNvSpPr/>
+          <p:nvPr/>
+        </p:nvSpPr>
+        <p:spPr>
+          <a:xfrm>
+            <a:off x="522514" y="2563901"/>
+            <a:ext cx="3386295" cy="3656029"/>
+          </a:xfrm>
+          <a:prstGeom prst="rect">
+            <a:avLst/>
+          </a:prstGeom>
+          <a:noFill/>
+          <a:ln w="28575">
+            <a:solidFill>
+              <a:srgbClr val="FFC000"/>
+            </a:solidFill>
+          </a:ln>
+        </p:spPr>
+        <p:style>
+          <a:lnRef idx="2">
+            <a:schemeClr val="accent1">
+              <a:shade val="50000"/>
+            </a:schemeClr>
+          </a:lnRef>
+          <a:fillRef idx="1">
+            <a:schemeClr val="accent1"/>
+          </a:fillRef>
+          <a:effectRef idx="0">
+            <a:schemeClr val="accent1"/>
+          </a:effectRef>
+          <a:fontRef idx="minor">
+            <a:schemeClr val="lt1"/>
+          </a:fontRef>
+        </p:style>
+        <p:txBody>
+          <a:bodyPr rtlCol="0" anchor="ctr"/>
+          <a:lstStyle/>
+          <a:p>
+            <a:pPr algn="ctr"/>
+            <a:endParaRPr lang="en-NZ"/>
+          </a:p>
+        </p:txBody>
+      </p:sp>
+      <p:sp>
+        <p:nvSpPr>
+          <p:cNvPr id="5" name="Rectangle 4">
+            <a:extLst>
+              <a:ext uri="{FF2B5EF4-FFF2-40B4-BE49-F238E27FC236}">
+                <a16:creationId xmlns:a16="http://schemas.microsoft.com/office/drawing/2014/main" id="{CBE6E532-0B08-A35A-CB9A-A5700FF8824C}"/>
+              </a:ext>
+            </a:extLst>
+          </p:cNvPr>
+          <p:cNvSpPr/>
+          <p:nvPr/>
+        </p:nvSpPr>
+        <p:spPr>
+          <a:xfrm>
+            <a:off x="4402852" y="2563900"/>
+            <a:ext cx="3386295" cy="3656029"/>
+          </a:xfrm>
+          <a:prstGeom prst="rect">
+            <a:avLst/>
+          </a:prstGeom>
+          <a:noFill/>
+          <a:ln w="28575">
+            <a:solidFill>
+              <a:srgbClr val="7030A0"/>
+            </a:solidFill>
+          </a:ln>
+        </p:spPr>
+        <p:style>
+          <a:lnRef idx="2">
+            <a:schemeClr val="accent1">
+              <a:shade val="50000"/>
+            </a:schemeClr>
+          </a:lnRef>
+          <a:fillRef idx="1">
+            <a:schemeClr val="accent1"/>
+          </a:fillRef>
+          <a:effectRef idx="0">
+            <a:schemeClr val="accent1"/>
+          </a:effectRef>
+          <a:fontRef idx="minor">
+            <a:schemeClr val="lt1"/>
+          </a:fontRef>
+        </p:style>
+        <p:txBody>
+          <a:bodyPr rtlCol="0" anchor="ctr"/>
+          <a:lstStyle/>
+          <a:p>
+            <a:pPr algn="ctr"/>
+            <a:endParaRPr lang="en-NZ"/>
+          </a:p>
+        </p:txBody>
+      </p:sp>
+      <p:sp>
+        <p:nvSpPr>
+          <p:cNvPr id="6" name="Rectangle 5">
+            <a:extLst>
+              <a:ext uri="{FF2B5EF4-FFF2-40B4-BE49-F238E27FC236}">
+                <a16:creationId xmlns:a16="http://schemas.microsoft.com/office/drawing/2014/main" id="{ED74B2D2-3658-A29B-86DE-C126EC743D90}"/>
+              </a:ext>
+            </a:extLst>
+          </p:cNvPr>
+          <p:cNvSpPr/>
+          <p:nvPr/>
+        </p:nvSpPr>
+        <p:spPr>
+          <a:xfrm>
+            <a:off x="8283190" y="2563899"/>
+            <a:ext cx="3386295" cy="3656029"/>
+          </a:xfrm>
+          <a:prstGeom prst="rect">
+            <a:avLst/>
+          </a:prstGeom>
+          <a:noFill/>
+          <a:ln w="28575">
+            <a:solidFill>
+              <a:srgbClr val="00B050"/>
+            </a:solidFill>
+          </a:ln>
+        </p:spPr>
+        <p:style>
+          <a:lnRef idx="2">
+            <a:schemeClr val="accent1">
+              <a:shade val="50000"/>
+            </a:schemeClr>
+          </a:lnRef>
+          <a:fillRef idx="1">
+            <a:schemeClr val="accent1"/>
+          </a:fillRef>
+          <a:effectRef idx="0">
+            <a:schemeClr val="accent1"/>
+          </a:effectRef>
+          <a:fontRef idx="minor">
+            <a:schemeClr val="lt1"/>
+          </a:fontRef>
+        </p:style>
+        <p:txBody>
+          <a:bodyPr rtlCol="0" anchor="ctr"/>
+          <a:lstStyle/>
+          <a:p>
+            <a:pPr algn="ctr"/>
+            <a:endParaRPr lang="en-NZ"/>
+          </a:p>
+        </p:txBody>
+      </p:sp>
+      <p:pic>
+        <p:nvPicPr>
+          <p:cNvPr id="8" name="Picture 7">
+            <a:extLst>
+              <a:ext uri="{FF2B5EF4-FFF2-40B4-BE49-F238E27FC236}">
+                <a16:creationId xmlns:a16="http://schemas.microsoft.com/office/drawing/2014/main" id="{3713330F-14B8-8075-5587-03F4539A0FB3}"/>
+              </a:ext>
+            </a:extLst>
+          </p:cNvPr>
+          <p:cNvPicPr>
+            <a:picLocks noChangeAspect="1"/>
+          </p:cNvPicPr>
+          <p:nvPr/>
+        </p:nvPicPr>
+        <p:blipFill>
+          <a:blip r:embed="rId3"/>
+          <a:stretch>
+            <a:fillRect/>
+          </a:stretch>
+        </p:blipFill>
+        <p:spPr>
+          <a:xfrm>
+            <a:off x="1405026" y="2736327"/>
+            <a:ext cx="1621271" cy="2202438"/>
+          </a:xfrm>
+          <a:prstGeom prst="rect">
+            <a:avLst/>
+          </a:prstGeom>
+        </p:spPr>
+      </p:pic>
+      <p:pic>
+        <p:nvPicPr>
+          <p:cNvPr id="10" name="Picture 9">
+            <a:extLst>
+              <a:ext uri="{FF2B5EF4-FFF2-40B4-BE49-F238E27FC236}">
+                <a16:creationId xmlns:a16="http://schemas.microsoft.com/office/drawing/2014/main" id="{60FD68D3-1D10-CAA4-831F-1BD5227AEEFA}"/>
+              </a:ext>
+            </a:extLst>
+          </p:cNvPr>
+          <p:cNvPicPr>
+            <a:picLocks noChangeAspect="1"/>
+          </p:cNvPicPr>
+          <p:nvPr/>
+        </p:nvPicPr>
+        <p:blipFill>
+          <a:blip r:embed="rId4"/>
+          <a:stretch>
+            <a:fillRect/>
+          </a:stretch>
+        </p:blipFill>
+        <p:spPr>
+          <a:xfrm>
+            <a:off x="5292010" y="2734726"/>
+            <a:ext cx="1607979" cy="2204039"/>
+          </a:xfrm>
+          <a:prstGeom prst="rect">
+            <a:avLst/>
+          </a:prstGeom>
+        </p:spPr>
+      </p:pic>
+      <p:sp>
+        <p:nvSpPr>
+          <p:cNvPr id="13" name="TextBox 12">
+            <a:extLst>
+              <a:ext uri="{FF2B5EF4-FFF2-40B4-BE49-F238E27FC236}">
+                <a16:creationId xmlns:a16="http://schemas.microsoft.com/office/drawing/2014/main" id="{057B488C-65DF-32F8-6BA8-40D8B25319B1}"/>
+              </a:ext>
+            </a:extLst>
+          </p:cNvPr>
+          <p:cNvSpPr txBox="1"/>
+          <p:nvPr/>
+        </p:nvSpPr>
+        <p:spPr>
+          <a:xfrm>
+            <a:off x="5039230" y="5714016"/>
+            <a:ext cx="1997959" cy="369332"/>
+          </a:xfrm>
+          <a:prstGeom prst="rect">
+            <a:avLst/>
+          </a:prstGeom>
+          <a:noFill/>
+        </p:spPr>
+        <p:txBody>
+          <a:bodyPr wrap="square" rtlCol="0">
+            <a:spAutoFit/>
+          </a:bodyPr>
+          <a:lstStyle/>
+          <a:p>
+            <a:r>
+              <a:rPr lang="en-NZ" dirty="0"/>
+              <a:t>Works as intended</a:t>
+            </a:r>
+          </a:p>
+        </p:txBody>
+      </p:sp>
+      <p:sp>
+        <p:nvSpPr>
+          <p:cNvPr id="14" name="TextBox 13">
+            <a:extLst>
+              <a:ext uri="{FF2B5EF4-FFF2-40B4-BE49-F238E27FC236}">
+                <a16:creationId xmlns:a16="http://schemas.microsoft.com/office/drawing/2014/main" id="{E6F0B5B6-C792-ED7E-ECAD-FF6B475AF8D4}"/>
+              </a:ext>
+            </a:extLst>
+          </p:cNvPr>
+          <p:cNvSpPr txBox="1"/>
+          <p:nvPr/>
+        </p:nvSpPr>
+        <p:spPr>
+          <a:xfrm>
+            <a:off x="1158892" y="5714016"/>
+            <a:ext cx="1997959" cy="369332"/>
+          </a:xfrm>
+          <a:prstGeom prst="rect">
+            <a:avLst/>
+          </a:prstGeom>
+          <a:noFill/>
+        </p:spPr>
+        <p:txBody>
+          <a:bodyPr wrap="square" rtlCol="0">
+            <a:spAutoFit/>
+          </a:bodyPr>
+          <a:lstStyle/>
+          <a:p>
+            <a:r>
+              <a:rPr lang="en-NZ" dirty="0"/>
+              <a:t>Works as intended</a:t>
+            </a:r>
+          </a:p>
+        </p:txBody>
+      </p:sp>
+      <p:sp>
+        <p:nvSpPr>
+          <p:cNvPr id="15" name="TextBox 14">
+            <a:extLst>
+              <a:ext uri="{FF2B5EF4-FFF2-40B4-BE49-F238E27FC236}">
+                <a16:creationId xmlns:a16="http://schemas.microsoft.com/office/drawing/2014/main" id="{3DCDAEA4-816B-C942-5F4B-39DA6A38231A}"/>
+              </a:ext>
+            </a:extLst>
+          </p:cNvPr>
+          <p:cNvSpPr txBox="1"/>
+          <p:nvPr/>
+        </p:nvSpPr>
+        <p:spPr>
+          <a:xfrm>
+            <a:off x="9038614" y="5581414"/>
+            <a:ext cx="1997959" cy="369332"/>
+          </a:xfrm>
+          <a:prstGeom prst="rect">
+            <a:avLst/>
+          </a:prstGeom>
+          <a:noFill/>
+        </p:spPr>
+        <p:txBody>
+          <a:bodyPr wrap="square" rtlCol="0">
+            <a:spAutoFit/>
+          </a:bodyPr>
+          <a:lstStyle/>
+          <a:p>
+            <a:r>
+              <a:rPr lang="en-NZ" dirty="0"/>
+              <a:t>Works as intended</a:t>
+            </a:r>
+          </a:p>
+        </p:txBody>
+      </p:sp>
+      <p:sp>
+        <p:nvSpPr>
+          <p:cNvPr id="16" name="TextBox 15">
+            <a:extLst>
+              <a:ext uri="{FF2B5EF4-FFF2-40B4-BE49-F238E27FC236}">
+                <a16:creationId xmlns:a16="http://schemas.microsoft.com/office/drawing/2014/main" id="{56EC81AE-7706-8AE2-4D44-19D8F369020B}"/>
+              </a:ext>
+            </a:extLst>
+          </p:cNvPr>
+          <p:cNvSpPr txBox="1"/>
+          <p:nvPr/>
+        </p:nvSpPr>
+        <p:spPr>
+          <a:xfrm>
+            <a:off x="693521" y="4979286"/>
+            <a:ext cx="3076419" cy="646331"/>
+          </a:xfrm>
+          <a:prstGeom prst="rect">
+            <a:avLst/>
+          </a:prstGeom>
+          <a:noFill/>
+        </p:spPr>
+        <p:txBody>
+          <a:bodyPr wrap="square" rtlCol="0">
+            <a:spAutoFit/>
+          </a:bodyPr>
+          <a:lstStyle/>
+          <a:p>
+            <a:r>
+              <a:rPr lang="en-NZ" dirty="0"/>
+              <a:t>Both arrow keys pressed, car does not move and no tilt</a:t>
+            </a:r>
+          </a:p>
+        </p:txBody>
+      </p:sp>
+      <p:sp>
+        <p:nvSpPr>
+          <p:cNvPr id="17" name="TextBox 16">
+            <a:extLst>
+              <a:ext uri="{FF2B5EF4-FFF2-40B4-BE49-F238E27FC236}">
+                <a16:creationId xmlns:a16="http://schemas.microsoft.com/office/drawing/2014/main" id="{CCE89E98-18A1-E159-E54C-30FABFB2029D}"/>
+              </a:ext>
+            </a:extLst>
+          </p:cNvPr>
+          <p:cNvSpPr txBox="1"/>
+          <p:nvPr/>
+        </p:nvSpPr>
+        <p:spPr>
+          <a:xfrm>
+            <a:off x="4703709" y="5029389"/>
+            <a:ext cx="3076419" cy="646331"/>
+          </a:xfrm>
+          <a:prstGeom prst="rect">
+            <a:avLst/>
+          </a:prstGeom>
+          <a:noFill/>
+        </p:spPr>
+        <p:txBody>
+          <a:bodyPr wrap="square" rtlCol="0">
+            <a:spAutoFit/>
+          </a:bodyPr>
+          <a:lstStyle/>
+          <a:p>
+            <a:r>
+              <a:rPr lang="en-NZ" dirty="0"/>
+              <a:t>No arrow keys pressed, car does not move and no tilt</a:t>
+            </a:r>
+          </a:p>
+        </p:txBody>
+      </p:sp>
+      <p:sp>
+        <p:nvSpPr>
+          <p:cNvPr id="18" name="TextBox 17">
+            <a:extLst>
+              <a:ext uri="{FF2B5EF4-FFF2-40B4-BE49-F238E27FC236}">
+                <a16:creationId xmlns:a16="http://schemas.microsoft.com/office/drawing/2014/main" id="{63B94945-1067-E2AE-18FB-9D6661D827BF}"/>
+              </a:ext>
+            </a:extLst>
+          </p:cNvPr>
+          <p:cNvSpPr txBox="1"/>
+          <p:nvPr/>
+        </p:nvSpPr>
+        <p:spPr>
+          <a:xfrm>
+            <a:off x="8596662" y="4862348"/>
+            <a:ext cx="3076419" cy="646331"/>
+          </a:xfrm>
+          <a:prstGeom prst="rect">
+            <a:avLst/>
+          </a:prstGeom>
+          <a:noFill/>
+        </p:spPr>
+        <p:txBody>
+          <a:bodyPr wrap="square" rtlCol="0">
+            <a:spAutoFit/>
+          </a:bodyPr>
+          <a:lstStyle/>
+          <a:p>
+            <a:r>
+              <a:rPr lang="en-NZ" dirty="0"/>
+              <a:t>Driver Car collides with obstacle, End screen shows</a:t>
+            </a:r>
+          </a:p>
+        </p:txBody>
+      </p:sp>
+      <p:grpSp>
+        <p:nvGrpSpPr>
+          <p:cNvPr id="20" name="Group 19">
+            <a:extLst>
+              <a:ext uri="{FF2B5EF4-FFF2-40B4-BE49-F238E27FC236}">
+                <a16:creationId xmlns:a16="http://schemas.microsoft.com/office/drawing/2014/main" id="{4E318573-9089-7896-FE78-F964A622BDFA}"/>
+              </a:ext>
+            </a:extLst>
+          </p:cNvPr>
+          <p:cNvGrpSpPr/>
+          <p:nvPr/>
+        </p:nvGrpSpPr>
+        <p:grpSpPr>
+          <a:xfrm>
+            <a:off x="9288215" y="2734726"/>
+            <a:ext cx="1498759" cy="2054888"/>
+            <a:chOff x="9288215" y="2734726"/>
+            <a:chExt cx="1498759" cy="2054888"/>
+          </a:xfrm>
+        </p:grpSpPr>
+        <p:pic>
+          <p:nvPicPr>
+            <p:cNvPr id="12" name="Picture 11">
+              <a:extLst>
+                <a:ext uri="{FF2B5EF4-FFF2-40B4-BE49-F238E27FC236}">
+                  <a16:creationId xmlns:a16="http://schemas.microsoft.com/office/drawing/2014/main" id="{1A229D7B-FE9D-08E6-4BB7-C00A10D32DA4}"/>
+                </a:ext>
+              </a:extLst>
+            </p:cNvPr>
+            <p:cNvPicPr>
+              <a:picLocks noChangeAspect="1"/>
+            </p:cNvPicPr>
+            <p:nvPr/>
+          </p:nvPicPr>
+          <p:blipFill>
+            <a:blip r:embed="rId5"/>
+            <a:stretch>
+              <a:fillRect/>
+            </a:stretch>
+          </p:blipFill>
+          <p:spPr>
+            <a:xfrm>
+              <a:off x="9288215" y="2734726"/>
+              <a:ext cx="1498759" cy="2054888"/>
+            </a:xfrm>
+            <a:prstGeom prst="rect">
+              <a:avLst/>
+            </a:prstGeom>
+          </p:spPr>
+        </p:pic>
+        <p:sp>
+          <p:nvSpPr>
+            <p:cNvPr id="19" name="Rectangle 18">
+              <a:extLst>
+                <a:ext uri="{FF2B5EF4-FFF2-40B4-BE49-F238E27FC236}">
+                  <a16:creationId xmlns:a16="http://schemas.microsoft.com/office/drawing/2014/main" id="{B8074EC1-E576-3880-296D-BEB6D401B147}"/>
+                </a:ext>
+              </a:extLst>
+            </p:cNvPr>
+            <p:cNvSpPr/>
+            <p:nvPr/>
+          </p:nvSpPr>
+          <p:spPr>
+            <a:xfrm>
+              <a:off x="9974898" y="3848457"/>
+              <a:ext cx="200416" cy="91857"/>
+            </a:xfrm>
+            <a:prstGeom prst="rect">
+              <a:avLst/>
+            </a:prstGeom>
+            <a:solidFill>
+              <a:schemeClr val="bg1"/>
+            </a:solidFill>
+            <a:ln>
+              <a:solidFill>
+                <a:schemeClr val="bg1"/>
+              </a:solidFill>
+            </a:ln>
+          </p:spPr>
+          <p:style>
+            <a:lnRef idx="2">
+              <a:schemeClr val="accent1">
+                <a:shade val="50000"/>
+              </a:schemeClr>
+            </a:lnRef>
+            <a:fillRef idx="1">
+              <a:schemeClr val="accent1"/>
+            </a:fillRef>
+            <a:effectRef idx="0">
+              <a:schemeClr val="accent1"/>
+            </a:effectRef>
+            <a:fontRef idx="minor">
+              <a:schemeClr val="lt1"/>
+            </a:fontRef>
+          </p:style>
+          <p:txBody>
+            <a:bodyPr rtlCol="0" anchor="ctr"/>
+            <a:lstStyle/>
+            <a:p>
+              <a:pPr algn="ctr"/>
+              <a:endParaRPr lang="en-NZ"/>
+            </a:p>
+          </p:txBody>
+        </p:sp>
+      </p:grpSp>
     </p:spTree>
     <p:extLst>
       <p:ext uri="{BB962C8B-B14F-4D97-AF65-F5344CB8AC3E}">
-        <p14:creationId xmlns:p14="http://schemas.microsoft.com/office/powerpoint/2010/main" val="3773934657"/>
+        <p14:creationId xmlns:p14="http://schemas.microsoft.com/office/powerpoint/2010/main" val="3525631580"/>
       </p:ext>
     </p:extLst>
   </p:cSld>
@@ -19457,7 +22745,7 @@
           <p:cNvPr id="2" name="Title 1">
             <a:extLst>
               <a:ext uri="{FF2B5EF4-FFF2-40B4-BE49-F238E27FC236}">
-                <a16:creationId xmlns:a16="http://schemas.microsoft.com/office/drawing/2014/main" id="{9BF3066F-120D-4CF3-8985-4C98C0AA647F}"/>
+                <a16:creationId xmlns:a16="http://schemas.microsoft.com/office/drawing/2014/main" id="{2BA6171A-A641-4513-B116-739642385FE1}"/>
               </a:ext>
             </a:extLst>
           </p:cNvPr>
@@ -19475,7 +22763,11 @@
           <a:p>
             <a:r>
               <a:rPr lang="en-NZ" b="1" dirty="0"/>
-              <a:t>Complex processes - Discussion</a:t>
+              <a:t>2.2 Assembled Outcome Testing - </a:t>
+            </a:r>
+            <a:r>
+              <a:rPr lang="en-NZ" b="1" i="1" dirty="0"/>
+              <a:t>Evidence</a:t>
             </a:r>
           </a:p>
         </p:txBody>
@@ -19485,7 +22777,7 @@
           <p:cNvPr id="3" name="Rectangle 2">
             <a:extLst>
               <a:ext uri="{FF2B5EF4-FFF2-40B4-BE49-F238E27FC236}">
-                <a16:creationId xmlns:a16="http://schemas.microsoft.com/office/drawing/2014/main" id="{587AE7D3-5F44-4638-A690-53362BD9429B}"/>
+                <a16:creationId xmlns:a16="http://schemas.microsoft.com/office/drawing/2014/main" id="{DFE20FB7-79E2-4CDA-9D18-45BA2EE30A24}"/>
               </a:ext>
             </a:extLst>
           </p:cNvPr>
@@ -19494,8 +22786,8 @@
         </p:nvSpPr>
         <p:spPr>
           <a:xfrm>
-            <a:off x="838200" y="1470395"/>
-            <a:ext cx="8122920" cy="1200329"/>
+            <a:off x="838199" y="1556108"/>
+            <a:ext cx="9682213" cy="646331"/>
           </a:xfrm>
           <a:prstGeom prst="rect">
             <a:avLst/>
@@ -19527,7 +22819,2128 @@
                   <a:schemeClr val="dk2"/>
                 </a:solidFill>
               </a:rPr>
+              <a:t>Create as many slides as needed to provide evidence of testing that your outcome works for expected, boundary and unexpected cases.  </a:t>
+            </a:r>
+          </a:p>
+        </p:txBody>
+      </p:sp>
+      <p:sp>
+        <p:nvSpPr>
+          <p:cNvPr id="4" name="Rectangle 3">
+            <a:extLst>
+              <a:ext uri="{FF2B5EF4-FFF2-40B4-BE49-F238E27FC236}">
+                <a16:creationId xmlns:a16="http://schemas.microsoft.com/office/drawing/2014/main" id="{46995D75-3FFF-CA24-9A85-FF80A1EEC3C4}"/>
+              </a:ext>
+            </a:extLst>
+          </p:cNvPr>
+          <p:cNvSpPr/>
+          <p:nvPr/>
+        </p:nvSpPr>
+        <p:spPr>
+          <a:xfrm>
+            <a:off x="1475490" y="2599478"/>
+            <a:ext cx="3386295" cy="3656029"/>
+          </a:xfrm>
+          <a:prstGeom prst="rect">
+            <a:avLst/>
+          </a:prstGeom>
+          <a:noFill/>
+          <a:ln w="28575">
+            <a:solidFill>
+              <a:srgbClr val="C00000"/>
+            </a:solidFill>
+          </a:ln>
+        </p:spPr>
+        <p:style>
+          <a:lnRef idx="2">
+            <a:schemeClr val="accent1">
+              <a:shade val="50000"/>
+            </a:schemeClr>
+          </a:lnRef>
+          <a:fillRef idx="1">
+            <a:schemeClr val="accent1"/>
+          </a:fillRef>
+          <a:effectRef idx="0">
+            <a:schemeClr val="accent1"/>
+          </a:effectRef>
+          <a:fontRef idx="minor">
+            <a:schemeClr val="lt1"/>
+          </a:fontRef>
+        </p:style>
+        <p:txBody>
+          <a:bodyPr rtlCol="0" anchor="ctr"/>
+          <a:lstStyle/>
+          <a:p>
+            <a:pPr algn="ctr"/>
+            <a:endParaRPr lang="en-NZ"/>
+          </a:p>
+        </p:txBody>
+      </p:sp>
+      <p:sp>
+        <p:nvSpPr>
+          <p:cNvPr id="5" name="Rectangle 4">
+            <a:extLst>
+              <a:ext uri="{FF2B5EF4-FFF2-40B4-BE49-F238E27FC236}">
+                <a16:creationId xmlns:a16="http://schemas.microsoft.com/office/drawing/2014/main" id="{CBE6E532-0B08-A35A-CB9A-A5700FF8824C}"/>
+              </a:ext>
+            </a:extLst>
+          </p:cNvPr>
+          <p:cNvSpPr/>
+          <p:nvPr/>
+        </p:nvSpPr>
+        <p:spPr>
+          <a:xfrm>
+            <a:off x="7330215" y="2599478"/>
+            <a:ext cx="3386295" cy="3656029"/>
+          </a:xfrm>
+          <a:prstGeom prst="rect">
+            <a:avLst/>
+          </a:prstGeom>
+          <a:noFill/>
+          <a:ln w="28575">
+            <a:solidFill>
+              <a:srgbClr val="FFFF00"/>
+            </a:solidFill>
+          </a:ln>
+        </p:spPr>
+        <p:style>
+          <a:lnRef idx="2">
+            <a:schemeClr val="accent1">
+              <a:shade val="50000"/>
+            </a:schemeClr>
+          </a:lnRef>
+          <a:fillRef idx="1">
+            <a:schemeClr val="accent1"/>
+          </a:fillRef>
+          <a:effectRef idx="0">
+            <a:schemeClr val="accent1"/>
+          </a:effectRef>
+          <a:fontRef idx="minor">
+            <a:schemeClr val="lt1"/>
+          </a:fontRef>
+        </p:style>
+        <p:txBody>
+          <a:bodyPr rtlCol="0" anchor="ctr"/>
+          <a:lstStyle/>
+          <a:p>
+            <a:pPr algn="ctr"/>
+            <a:endParaRPr lang="en-NZ"/>
+          </a:p>
+        </p:txBody>
+      </p:sp>
+      <p:pic>
+        <p:nvPicPr>
+          <p:cNvPr id="8" name="Picture 7">
+            <a:extLst>
+              <a:ext uri="{FF2B5EF4-FFF2-40B4-BE49-F238E27FC236}">
+                <a16:creationId xmlns:a16="http://schemas.microsoft.com/office/drawing/2014/main" id="{A5BA5354-CED0-B9FB-2C30-D12D9A1D5898}"/>
+              </a:ext>
+            </a:extLst>
+          </p:cNvPr>
+          <p:cNvPicPr>
+            <a:picLocks noChangeAspect="1"/>
+          </p:cNvPicPr>
+          <p:nvPr/>
+        </p:nvPicPr>
+        <p:blipFill>
+          <a:blip r:embed="rId3"/>
+          <a:stretch>
+            <a:fillRect/>
+          </a:stretch>
+        </p:blipFill>
+        <p:spPr>
+          <a:xfrm>
+            <a:off x="2461093" y="2649716"/>
+            <a:ext cx="1415088" cy="1926541"/>
+          </a:xfrm>
+          <a:prstGeom prst="rect">
+            <a:avLst/>
+          </a:prstGeom>
+        </p:spPr>
+      </p:pic>
+      <p:pic>
+        <p:nvPicPr>
+          <p:cNvPr id="10" name="Picture 9">
+            <a:extLst>
+              <a:ext uri="{FF2B5EF4-FFF2-40B4-BE49-F238E27FC236}">
+                <a16:creationId xmlns:a16="http://schemas.microsoft.com/office/drawing/2014/main" id="{BE1BF8A6-B658-E068-AE77-758E8DA85629}"/>
+              </a:ext>
+            </a:extLst>
+          </p:cNvPr>
+          <p:cNvPicPr>
+            <a:picLocks noChangeAspect="1"/>
+          </p:cNvPicPr>
+          <p:nvPr/>
+        </p:nvPicPr>
+        <p:blipFill>
+          <a:blip r:embed="rId4"/>
+          <a:stretch>
+            <a:fillRect/>
+          </a:stretch>
+        </p:blipFill>
+        <p:spPr>
+          <a:xfrm>
+            <a:off x="7408160" y="2649717"/>
+            <a:ext cx="3275723" cy="779283"/>
+          </a:xfrm>
+          <a:prstGeom prst="rect">
+            <a:avLst/>
+          </a:prstGeom>
+        </p:spPr>
+      </p:pic>
+      <p:sp>
+        <p:nvSpPr>
+          <p:cNvPr id="11" name="TextBox 10">
+            <a:extLst>
+              <a:ext uri="{FF2B5EF4-FFF2-40B4-BE49-F238E27FC236}">
+                <a16:creationId xmlns:a16="http://schemas.microsoft.com/office/drawing/2014/main" id="{F18B5D91-BBBB-1ACE-DAE8-9708B5F8B4FB}"/>
+              </a:ext>
+            </a:extLst>
+          </p:cNvPr>
+          <p:cNvSpPr txBox="1"/>
+          <p:nvPr/>
+        </p:nvSpPr>
+        <p:spPr>
+          <a:xfrm>
+            <a:off x="1711127" y="4655561"/>
+            <a:ext cx="3076419" cy="646331"/>
+          </a:xfrm>
+          <a:prstGeom prst="rect">
+            <a:avLst/>
+          </a:prstGeom>
+          <a:noFill/>
+        </p:spPr>
+        <p:txBody>
+          <a:bodyPr wrap="square" rtlCol="0">
+            <a:spAutoFit/>
+          </a:bodyPr>
+          <a:lstStyle/>
+          <a:p>
+            <a:r>
+              <a:rPr lang="en-NZ" dirty="0"/>
+              <a:t>When in end screen “r” pressed, Game restarts</a:t>
+            </a:r>
+          </a:p>
+        </p:txBody>
+      </p:sp>
+      <p:sp>
+        <p:nvSpPr>
+          <p:cNvPr id="12" name="TextBox 11">
+            <a:extLst>
+              <a:ext uri="{FF2B5EF4-FFF2-40B4-BE49-F238E27FC236}">
+                <a16:creationId xmlns:a16="http://schemas.microsoft.com/office/drawing/2014/main" id="{82F41632-BC7E-8339-FFEF-8D5977C25627}"/>
+              </a:ext>
+            </a:extLst>
+          </p:cNvPr>
+          <p:cNvSpPr txBox="1"/>
+          <p:nvPr/>
+        </p:nvSpPr>
+        <p:spPr>
+          <a:xfrm>
+            <a:off x="2169657" y="5514265"/>
+            <a:ext cx="1997959" cy="369332"/>
+          </a:xfrm>
+          <a:prstGeom prst="rect">
+            <a:avLst/>
+          </a:prstGeom>
+          <a:noFill/>
+        </p:spPr>
+        <p:txBody>
+          <a:bodyPr wrap="square" rtlCol="0">
+            <a:spAutoFit/>
+          </a:bodyPr>
+          <a:lstStyle/>
+          <a:p>
+            <a:r>
+              <a:rPr lang="en-NZ" dirty="0"/>
+              <a:t>Works as intended</a:t>
+            </a:r>
+          </a:p>
+        </p:txBody>
+      </p:sp>
+      <p:sp>
+        <p:nvSpPr>
+          <p:cNvPr id="13" name="TextBox 12">
+            <a:extLst>
+              <a:ext uri="{FF2B5EF4-FFF2-40B4-BE49-F238E27FC236}">
+                <a16:creationId xmlns:a16="http://schemas.microsoft.com/office/drawing/2014/main" id="{FA2C5213-CA44-21BD-616D-F2065582D486}"/>
+              </a:ext>
+            </a:extLst>
+          </p:cNvPr>
+          <p:cNvSpPr txBox="1"/>
+          <p:nvPr/>
+        </p:nvSpPr>
+        <p:spPr>
+          <a:xfrm>
+            <a:off x="8150819" y="5523596"/>
+            <a:ext cx="1997959" cy="369332"/>
+          </a:xfrm>
+          <a:prstGeom prst="rect">
+            <a:avLst/>
+          </a:prstGeom>
+          <a:noFill/>
+        </p:spPr>
+        <p:txBody>
+          <a:bodyPr wrap="square" rtlCol="0">
+            <a:spAutoFit/>
+          </a:bodyPr>
+          <a:lstStyle/>
+          <a:p>
+            <a:r>
+              <a:rPr lang="en-NZ" dirty="0"/>
+              <a:t>Works as intended</a:t>
+            </a:r>
+          </a:p>
+        </p:txBody>
+      </p:sp>
+      <p:sp>
+        <p:nvSpPr>
+          <p:cNvPr id="14" name="TextBox 13">
+            <a:extLst>
+              <a:ext uri="{FF2B5EF4-FFF2-40B4-BE49-F238E27FC236}">
+                <a16:creationId xmlns:a16="http://schemas.microsoft.com/office/drawing/2014/main" id="{532ADA8B-516A-3BF2-01D1-1FF505F11D42}"/>
+              </a:ext>
+            </a:extLst>
+          </p:cNvPr>
+          <p:cNvSpPr txBox="1"/>
+          <p:nvPr/>
+        </p:nvSpPr>
+        <p:spPr>
+          <a:xfrm>
+            <a:off x="7765563" y="4297035"/>
+            <a:ext cx="3076419" cy="646331"/>
+          </a:xfrm>
+          <a:prstGeom prst="rect">
+            <a:avLst/>
+          </a:prstGeom>
+          <a:noFill/>
+        </p:spPr>
+        <p:txBody>
+          <a:bodyPr wrap="square" rtlCol="0">
+            <a:spAutoFit/>
+          </a:bodyPr>
+          <a:lstStyle/>
+          <a:p>
+            <a:r>
+              <a:rPr lang="en-NZ" dirty="0"/>
+              <a:t>When in end screen “q” pressed, Program exits</a:t>
+            </a:r>
+          </a:p>
+        </p:txBody>
+      </p:sp>
+    </p:spTree>
+    <p:extLst>
+      <p:ext uri="{BB962C8B-B14F-4D97-AF65-F5344CB8AC3E}">
+        <p14:creationId xmlns:p14="http://schemas.microsoft.com/office/powerpoint/2010/main" val="3843914240"/>
+      </p:ext>
+    </p:extLst>
+  </p:cSld>
+  <p:clrMapOvr>
+    <a:masterClrMapping/>
+  </p:clrMapOvr>
+</p:sld>
+</file>
+
+<file path=ppt/slides/slide41.xml><?xml version="1.0" encoding="utf-8"?>
+<p:sld xmlns:a="http://schemas.openxmlformats.org/drawingml/2006/main" xmlns:r="http://schemas.openxmlformats.org/officeDocument/2006/relationships" xmlns:p="http://schemas.openxmlformats.org/presentationml/2006/main">
+  <p:cSld>
+    <p:spTree>
+      <p:nvGrpSpPr>
+        <p:cNvPr id="1" name=""/>
+        <p:cNvGrpSpPr/>
+        <p:nvPr/>
+      </p:nvGrpSpPr>
+      <p:grpSpPr>
+        <a:xfrm>
+          <a:off x="0" y="0"/>
+          <a:ext cx="0" cy="0"/>
+          <a:chOff x="0" y="0"/>
+          <a:chExt cx="0" cy="0"/>
+        </a:xfrm>
+      </p:grpSpPr>
+      <p:sp>
+        <p:nvSpPr>
+          <p:cNvPr id="2" name="Title 1">
+            <a:extLst>
+              <a:ext uri="{FF2B5EF4-FFF2-40B4-BE49-F238E27FC236}">
+                <a16:creationId xmlns:a16="http://schemas.microsoft.com/office/drawing/2014/main" id="{2BA6171A-A641-4513-B116-739642385FE1}"/>
+              </a:ext>
+            </a:extLst>
+          </p:cNvPr>
+          <p:cNvSpPr>
+            <a:spLocks noGrp="1"/>
+          </p:cNvSpPr>
+          <p:nvPr>
+            <p:ph type="title"/>
+          </p:nvPr>
+        </p:nvSpPr>
+        <p:spPr/>
+        <p:txBody>
+          <a:bodyPr/>
+          <a:lstStyle/>
+          <a:p>
+            <a:r>
+              <a:rPr lang="en-NZ" b="1" dirty="0"/>
+              <a:t>2.3 Assembled Outcome Testing - </a:t>
+            </a:r>
+            <a:r>
+              <a:rPr lang="en-NZ" b="1" i="1" dirty="0"/>
+              <a:t>Evidence</a:t>
+            </a:r>
+          </a:p>
+        </p:txBody>
+      </p:sp>
+      <p:sp>
+        <p:nvSpPr>
+          <p:cNvPr id="3" name="Rectangle 2">
+            <a:extLst>
+              <a:ext uri="{FF2B5EF4-FFF2-40B4-BE49-F238E27FC236}">
+                <a16:creationId xmlns:a16="http://schemas.microsoft.com/office/drawing/2014/main" id="{DFE20FB7-79E2-4CDA-9D18-45BA2EE30A24}"/>
+              </a:ext>
+            </a:extLst>
+          </p:cNvPr>
+          <p:cNvSpPr/>
+          <p:nvPr/>
+        </p:nvSpPr>
+        <p:spPr>
+          <a:xfrm>
+            <a:off x="838199" y="1556108"/>
+            <a:ext cx="9682213" cy="646331"/>
+          </a:xfrm>
+          <a:prstGeom prst="rect">
+            <a:avLst/>
+          </a:prstGeom>
+        </p:spPr>
+        <p:txBody>
+          <a:bodyPr wrap="square">
+            <a:spAutoFit/>
+          </a:bodyPr>
+          <a:lstStyle/>
+          <a:p>
+            <a:pPr marL="0" lvl="0" indent="0" algn="l" rtl="0">
+              <a:spcBef>
+                <a:spcPts val="0"/>
+              </a:spcBef>
+              <a:spcAft>
+                <a:spcPts val="0"/>
+              </a:spcAft>
+              <a:buClr>
+                <a:schemeClr val="dk1"/>
+              </a:buClr>
+              <a:buSzPts val="1100"/>
+              <a:buFont typeface="Arial"/>
+              <a:buNone/>
+            </a:pPr>
+            <a:r>
+              <a:rPr lang="en-NZ" sz="1800" dirty="0">
+                <a:solidFill>
+                  <a:schemeClr val="dk2"/>
+                </a:solidFill>
+              </a:rPr>
+              <a:t>Create as many slides as needed to provide evidence of testing that your outcome works for expected, boundary and unexpected cases.  </a:t>
+            </a:r>
+          </a:p>
+        </p:txBody>
+      </p:sp>
+      <p:sp>
+        <p:nvSpPr>
+          <p:cNvPr id="4" name="Rectangle 3">
+            <a:extLst>
+              <a:ext uri="{FF2B5EF4-FFF2-40B4-BE49-F238E27FC236}">
+                <a16:creationId xmlns:a16="http://schemas.microsoft.com/office/drawing/2014/main" id="{46995D75-3FFF-CA24-9A85-FF80A1EEC3C4}"/>
+              </a:ext>
+            </a:extLst>
+          </p:cNvPr>
+          <p:cNvSpPr/>
+          <p:nvPr/>
+        </p:nvSpPr>
+        <p:spPr>
+          <a:xfrm>
+            <a:off x="4402852" y="2555418"/>
+            <a:ext cx="3386295" cy="3656029"/>
+          </a:xfrm>
+          <a:prstGeom prst="rect">
+            <a:avLst/>
+          </a:prstGeom>
+          <a:noFill/>
+          <a:ln w="28575">
+            <a:solidFill>
+              <a:srgbClr val="002060"/>
+            </a:solidFill>
+          </a:ln>
+        </p:spPr>
+        <p:style>
+          <a:lnRef idx="2">
+            <a:schemeClr val="accent1">
+              <a:shade val="50000"/>
+            </a:schemeClr>
+          </a:lnRef>
+          <a:fillRef idx="1">
+            <a:schemeClr val="accent1"/>
+          </a:fillRef>
+          <a:effectRef idx="0">
+            <a:schemeClr val="accent1"/>
+          </a:effectRef>
+          <a:fontRef idx="minor">
+            <a:schemeClr val="lt1"/>
+          </a:fontRef>
+        </p:style>
+        <p:txBody>
+          <a:bodyPr rtlCol="0" anchor="ctr"/>
+          <a:lstStyle/>
+          <a:p>
+            <a:pPr algn="ctr"/>
+            <a:endParaRPr lang="en-NZ"/>
+          </a:p>
+        </p:txBody>
+      </p:sp>
+      <p:sp>
+        <p:nvSpPr>
+          <p:cNvPr id="5" name="Rectangle 4">
+            <a:extLst>
+              <a:ext uri="{FF2B5EF4-FFF2-40B4-BE49-F238E27FC236}">
+                <a16:creationId xmlns:a16="http://schemas.microsoft.com/office/drawing/2014/main" id="{CBE6E532-0B08-A35A-CB9A-A5700FF8824C}"/>
+              </a:ext>
+            </a:extLst>
+          </p:cNvPr>
+          <p:cNvSpPr/>
+          <p:nvPr/>
+        </p:nvSpPr>
+        <p:spPr>
+          <a:xfrm>
+            <a:off x="8269581" y="2555420"/>
+            <a:ext cx="3386295" cy="3656029"/>
+          </a:xfrm>
+          <a:prstGeom prst="rect">
+            <a:avLst/>
+          </a:prstGeom>
+          <a:noFill/>
+          <a:ln w="28575">
+            <a:solidFill>
+              <a:srgbClr val="EC4502"/>
+            </a:solidFill>
+          </a:ln>
+        </p:spPr>
+        <p:style>
+          <a:lnRef idx="2">
+            <a:schemeClr val="accent1">
+              <a:shade val="50000"/>
+            </a:schemeClr>
+          </a:lnRef>
+          <a:fillRef idx="1">
+            <a:schemeClr val="accent1"/>
+          </a:fillRef>
+          <a:effectRef idx="0">
+            <a:schemeClr val="accent1"/>
+          </a:effectRef>
+          <a:fontRef idx="minor">
+            <a:schemeClr val="lt1"/>
+          </a:fontRef>
+        </p:style>
+        <p:txBody>
+          <a:bodyPr rtlCol="0" anchor="ctr"/>
+          <a:lstStyle/>
+          <a:p>
+            <a:pPr algn="ctr"/>
+            <a:endParaRPr lang="en-NZ" dirty="0"/>
+          </a:p>
+        </p:txBody>
+      </p:sp>
+      <p:sp>
+        <p:nvSpPr>
+          <p:cNvPr id="7" name="Rectangle 6">
+            <a:extLst>
+              <a:ext uri="{FF2B5EF4-FFF2-40B4-BE49-F238E27FC236}">
+                <a16:creationId xmlns:a16="http://schemas.microsoft.com/office/drawing/2014/main" id="{D270B05C-D6FC-CBA7-38EB-09A413DD573B}"/>
+              </a:ext>
+            </a:extLst>
+          </p:cNvPr>
+          <p:cNvSpPr/>
+          <p:nvPr/>
+        </p:nvSpPr>
+        <p:spPr>
+          <a:xfrm>
+            <a:off x="536123" y="2555418"/>
+            <a:ext cx="3386295" cy="3656029"/>
+          </a:xfrm>
+          <a:prstGeom prst="rect">
+            <a:avLst/>
+          </a:prstGeom>
+          <a:noFill/>
+          <a:ln w="28575">
+            <a:solidFill>
+              <a:srgbClr val="00B0F0"/>
+            </a:solidFill>
+          </a:ln>
+        </p:spPr>
+        <p:style>
+          <a:lnRef idx="2">
+            <a:schemeClr val="accent1">
+              <a:shade val="50000"/>
+            </a:schemeClr>
+          </a:lnRef>
+          <a:fillRef idx="1">
+            <a:schemeClr val="accent1"/>
+          </a:fillRef>
+          <a:effectRef idx="0">
+            <a:schemeClr val="accent1"/>
+          </a:effectRef>
+          <a:fontRef idx="minor">
+            <a:schemeClr val="lt1"/>
+          </a:fontRef>
+        </p:style>
+        <p:txBody>
+          <a:bodyPr rtlCol="0" anchor="ctr"/>
+          <a:lstStyle/>
+          <a:p>
+            <a:pPr algn="ctr"/>
+            <a:endParaRPr lang="en-NZ"/>
+          </a:p>
+        </p:txBody>
+      </p:sp>
+      <p:pic>
+        <p:nvPicPr>
+          <p:cNvPr id="8" name="Picture 7">
+            <a:extLst>
+              <a:ext uri="{FF2B5EF4-FFF2-40B4-BE49-F238E27FC236}">
+                <a16:creationId xmlns:a16="http://schemas.microsoft.com/office/drawing/2014/main" id="{BAFA1953-07D6-56D3-D2D4-BEA765DC5CDE}"/>
+              </a:ext>
+            </a:extLst>
+          </p:cNvPr>
+          <p:cNvPicPr>
+            <a:picLocks noChangeAspect="1"/>
+          </p:cNvPicPr>
+          <p:nvPr/>
+        </p:nvPicPr>
+        <p:blipFill>
+          <a:blip r:embed="rId3"/>
+          <a:stretch>
+            <a:fillRect/>
+          </a:stretch>
+        </p:blipFill>
+        <p:spPr>
+          <a:xfrm>
+            <a:off x="716451" y="2763078"/>
+            <a:ext cx="3025638" cy="1331843"/>
+          </a:xfrm>
+          <a:prstGeom prst="rect">
+            <a:avLst/>
+          </a:prstGeom>
+        </p:spPr>
+      </p:pic>
+      <p:pic>
+        <p:nvPicPr>
+          <p:cNvPr id="9" name="Picture 8">
+            <a:extLst>
+              <a:ext uri="{FF2B5EF4-FFF2-40B4-BE49-F238E27FC236}">
+                <a16:creationId xmlns:a16="http://schemas.microsoft.com/office/drawing/2014/main" id="{8A5C8430-D78F-DFAC-CB92-50F7C12E3147}"/>
+              </a:ext>
+            </a:extLst>
+          </p:cNvPr>
+          <p:cNvPicPr>
+            <a:picLocks noChangeAspect="1"/>
+          </p:cNvPicPr>
+          <p:nvPr/>
+        </p:nvPicPr>
+        <p:blipFill>
+          <a:blip r:embed="rId4"/>
+          <a:stretch>
+            <a:fillRect/>
+          </a:stretch>
+        </p:blipFill>
+        <p:spPr>
+          <a:xfrm>
+            <a:off x="8488192" y="2711609"/>
+            <a:ext cx="3054264" cy="1295429"/>
+          </a:xfrm>
+          <a:prstGeom prst="rect">
+            <a:avLst/>
+          </a:prstGeom>
+        </p:spPr>
+      </p:pic>
+      <p:pic>
+        <p:nvPicPr>
+          <p:cNvPr id="10" name="Picture 9">
+            <a:extLst>
+              <a:ext uri="{FF2B5EF4-FFF2-40B4-BE49-F238E27FC236}">
+                <a16:creationId xmlns:a16="http://schemas.microsoft.com/office/drawing/2014/main" id="{81BDB0BE-1587-021A-9304-CECA142F636D}"/>
+              </a:ext>
+            </a:extLst>
+          </p:cNvPr>
+          <p:cNvPicPr>
+            <a:picLocks noChangeAspect="1"/>
+          </p:cNvPicPr>
+          <p:nvPr/>
+        </p:nvPicPr>
+        <p:blipFill>
+          <a:blip r:embed="rId5"/>
+          <a:stretch>
+            <a:fillRect/>
+          </a:stretch>
+        </p:blipFill>
+        <p:spPr>
+          <a:xfrm>
+            <a:off x="4500916" y="2652889"/>
+            <a:ext cx="3207847" cy="1354149"/>
+          </a:xfrm>
+          <a:prstGeom prst="rect">
+            <a:avLst/>
+          </a:prstGeom>
+        </p:spPr>
+      </p:pic>
+      <p:sp>
+        <p:nvSpPr>
+          <p:cNvPr id="11" name="TextBox 10">
+            <a:extLst>
+              <a:ext uri="{FF2B5EF4-FFF2-40B4-BE49-F238E27FC236}">
+                <a16:creationId xmlns:a16="http://schemas.microsoft.com/office/drawing/2014/main" id="{65935161-E87F-00A7-CC96-4EFBD21C2912}"/>
+              </a:ext>
+            </a:extLst>
+          </p:cNvPr>
+          <p:cNvSpPr txBox="1"/>
+          <p:nvPr/>
+        </p:nvSpPr>
+        <p:spPr>
+          <a:xfrm>
+            <a:off x="838199" y="4124734"/>
+            <a:ext cx="3076419" cy="646331"/>
+          </a:xfrm>
+          <a:prstGeom prst="rect">
+            <a:avLst/>
+          </a:prstGeom>
+          <a:noFill/>
+        </p:spPr>
+        <p:txBody>
+          <a:bodyPr wrap="square" rtlCol="0">
+            <a:spAutoFit/>
+          </a:bodyPr>
+          <a:lstStyle/>
+          <a:p>
+            <a:r>
+              <a:rPr lang="en-NZ" dirty="0"/>
+              <a:t>When score is higher then HS, HS is updated</a:t>
+            </a:r>
+          </a:p>
+        </p:txBody>
+      </p:sp>
+      <p:sp>
+        <p:nvSpPr>
+          <p:cNvPr id="12" name="TextBox 11">
+            <a:extLst>
+              <a:ext uri="{FF2B5EF4-FFF2-40B4-BE49-F238E27FC236}">
+                <a16:creationId xmlns:a16="http://schemas.microsoft.com/office/drawing/2014/main" id="{700BC2EA-93FB-7143-5C8A-19FCE52A1B82}"/>
+              </a:ext>
+            </a:extLst>
+          </p:cNvPr>
+          <p:cNvSpPr txBox="1"/>
+          <p:nvPr/>
+        </p:nvSpPr>
+        <p:spPr>
+          <a:xfrm>
+            <a:off x="4566629" y="4104509"/>
+            <a:ext cx="3076419" cy="646331"/>
+          </a:xfrm>
+          <a:prstGeom prst="rect">
+            <a:avLst/>
+          </a:prstGeom>
+          <a:noFill/>
+        </p:spPr>
+        <p:txBody>
+          <a:bodyPr wrap="square" rtlCol="0">
+            <a:spAutoFit/>
+          </a:bodyPr>
+          <a:lstStyle/>
+          <a:p>
+            <a:r>
+              <a:rPr lang="en-NZ" dirty="0"/>
+              <a:t>When score is same as HS, HS is not updated</a:t>
+            </a:r>
+          </a:p>
+        </p:txBody>
+      </p:sp>
+      <p:sp>
+        <p:nvSpPr>
+          <p:cNvPr id="13" name="TextBox 12">
+            <a:extLst>
+              <a:ext uri="{FF2B5EF4-FFF2-40B4-BE49-F238E27FC236}">
+                <a16:creationId xmlns:a16="http://schemas.microsoft.com/office/drawing/2014/main" id="{4A29F3DC-0A57-D115-2FC5-D5905E131DC6}"/>
+              </a:ext>
+            </a:extLst>
+          </p:cNvPr>
+          <p:cNvSpPr txBox="1"/>
+          <p:nvPr/>
+        </p:nvSpPr>
+        <p:spPr>
+          <a:xfrm>
+            <a:off x="8466037" y="4036853"/>
+            <a:ext cx="3076419" cy="646331"/>
+          </a:xfrm>
+          <a:prstGeom prst="rect">
+            <a:avLst/>
+          </a:prstGeom>
+          <a:noFill/>
+        </p:spPr>
+        <p:txBody>
+          <a:bodyPr wrap="square" rtlCol="0">
+            <a:spAutoFit/>
+          </a:bodyPr>
+          <a:lstStyle/>
+          <a:p>
+            <a:r>
+              <a:rPr lang="en-NZ" dirty="0"/>
+              <a:t>When score is less then HS, HS is not updated</a:t>
+            </a:r>
+          </a:p>
+        </p:txBody>
+      </p:sp>
+      <p:sp>
+        <p:nvSpPr>
+          <p:cNvPr id="14" name="TextBox 13">
+            <a:extLst>
+              <a:ext uri="{FF2B5EF4-FFF2-40B4-BE49-F238E27FC236}">
+                <a16:creationId xmlns:a16="http://schemas.microsoft.com/office/drawing/2014/main" id="{9F72714F-D24E-DCC7-50CD-CC327C947B9B}"/>
+              </a:ext>
+            </a:extLst>
+          </p:cNvPr>
+          <p:cNvSpPr txBox="1"/>
+          <p:nvPr/>
+        </p:nvSpPr>
+        <p:spPr>
+          <a:xfrm>
+            <a:off x="1158892" y="5714016"/>
+            <a:ext cx="1997959" cy="369332"/>
+          </a:xfrm>
+          <a:prstGeom prst="rect">
+            <a:avLst/>
+          </a:prstGeom>
+          <a:noFill/>
+        </p:spPr>
+        <p:txBody>
+          <a:bodyPr wrap="square" rtlCol="0">
+            <a:spAutoFit/>
+          </a:bodyPr>
+          <a:lstStyle/>
+          <a:p>
+            <a:r>
+              <a:rPr lang="en-NZ" dirty="0"/>
+              <a:t>Works as intended</a:t>
+            </a:r>
+          </a:p>
+        </p:txBody>
+      </p:sp>
+      <p:sp>
+        <p:nvSpPr>
+          <p:cNvPr id="15" name="TextBox 14">
+            <a:extLst>
+              <a:ext uri="{FF2B5EF4-FFF2-40B4-BE49-F238E27FC236}">
+                <a16:creationId xmlns:a16="http://schemas.microsoft.com/office/drawing/2014/main" id="{4A570D45-4779-D63C-A315-17F8875F601B}"/>
+              </a:ext>
+            </a:extLst>
+          </p:cNvPr>
+          <p:cNvSpPr txBox="1"/>
+          <p:nvPr/>
+        </p:nvSpPr>
+        <p:spPr>
+          <a:xfrm>
+            <a:off x="5150453" y="5626270"/>
+            <a:ext cx="1997959" cy="369332"/>
+          </a:xfrm>
+          <a:prstGeom prst="rect">
+            <a:avLst/>
+          </a:prstGeom>
+          <a:noFill/>
+        </p:spPr>
+        <p:txBody>
+          <a:bodyPr wrap="square" rtlCol="0">
+            <a:spAutoFit/>
+          </a:bodyPr>
+          <a:lstStyle/>
+          <a:p>
+            <a:r>
+              <a:rPr lang="en-NZ" dirty="0"/>
+              <a:t>Works as intended</a:t>
+            </a:r>
+          </a:p>
+        </p:txBody>
+      </p:sp>
+      <p:sp>
+        <p:nvSpPr>
+          <p:cNvPr id="16" name="TextBox 15">
+            <a:extLst>
+              <a:ext uri="{FF2B5EF4-FFF2-40B4-BE49-F238E27FC236}">
+                <a16:creationId xmlns:a16="http://schemas.microsoft.com/office/drawing/2014/main" id="{942BA2FC-A6C6-EBE0-8589-3A88E0C25BBE}"/>
+              </a:ext>
+            </a:extLst>
+          </p:cNvPr>
+          <p:cNvSpPr txBox="1"/>
+          <p:nvPr/>
+        </p:nvSpPr>
+        <p:spPr>
+          <a:xfrm>
+            <a:off x="9135944" y="5529350"/>
+            <a:ext cx="1997959" cy="369332"/>
+          </a:xfrm>
+          <a:prstGeom prst="rect">
+            <a:avLst/>
+          </a:prstGeom>
+          <a:noFill/>
+        </p:spPr>
+        <p:txBody>
+          <a:bodyPr wrap="square" rtlCol="0">
+            <a:spAutoFit/>
+          </a:bodyPr>
+          <a:lstStyle/>
+          <a:p>
+            <a:r>
+              <a:rPr lang="en-NZ" dirty="0"/>
+              <a:t>Works as intended</a:t>
+            </a:r>
+          </a:p>
+        </p:txBody>
+      </p:sp>
+    </p:spTree>
+    <p:extLst>
+      <p:ext uri="{BB962C8B-B14F-4D97-AF65-F5344CB8AC3E}">
+        <p14:creationId xmlns:p14="http://schemas.microsoft.com/office/powerpoint/2010/main" val="2778860862"/>
+      </p:ext>
+    </p:extLst>
+  </p:cSld>
+  <p:clrMapOvr>
+    <a:masterClrMapping/>
+  </p:clrMapOvr>
+</p:sld>
+</file>
+
+<file path=ppt/slides/slide42.xml><?xml version="1.0" encoding="utf-8"?>
+<p:sld xmlns:a="http://schemas.openxmlformats.org/drawingml/2006/main" xmlns:r="http://schemas.openxmlformats.org/officeDocument/2006/relationships" xmlns:p="http://schemas.openxmlformats.org/presentationml/2006/main">
+  <p:cSld>
+    <p:spTree>
+      <p:nvGrpSpPr>
+        <p:cNvPr id="1" name=""/>
+        <p:cNvGrpSpPr/>
+        <p:nvPr/>
+      </p:nvGrpSpPr>
+      <p:grpSpPr>
+        <a:xfrm>
+          <a:off x="0" y="0"/>
+          <a:ext cx="0" cy="0"/>
+          <a:chOff x="0" y="0"/>
+          <a:chExt cx="0" cy="0"/>
+        </a:xfrm>
+      </p:grpSpPr>
+      <p:sp>
+        <p:nvSpPr>
+          <p:cNvPr id="2" name="Title 1">
+            <a:extLst>
+              <a:ext uri="{FF2B5EF4-FFF2-40B4-BE49-F238E27FC236}">
+                <a16:creationId xmlns:a16="http://schemas.microsoft.com/office/drawing/2014/main" id="{2BA6171A-A641-4513-B116-739642385FE1}"/>
+              </a:ext>
+            </a:extLst>
+          </p:cNvPr>
+          <p:cNvSpPr>
+            <a:spLocks noGrp="1"/>
+          </p:cNvSpPr>
+          <p:nvPr>
+            <p:ph type="title"/>
+          </p:nvPr>
+        </p:nvSpPr>
+        <p:spPr>
+          <a:xfrm>
+            <a:off x="838200" y="-187532"/>
+            <a:ext cx="10515600" cy="1325563"/>
+          </a:xfrm>
+        </p:spPr>
+        <p:txBody>
+          <a:bodyPr/>
+          <a:lstStyle/>
+          <a:p>
+            <a:r>
+              <a:rPr lang="en-NZ" b="1" dirty="0"/>
+              <a:t>3 Assembled Outcome Testing – </a:t>
+            </a:r>
+            <a:r>
+              <a:rPr lang="en-NZ" b="1" i="1" dirty="0"/>
+              <a:t>Usability</a:t>
+            </a:r>
+          </a:p>
+        </p:txBody>
+      </p:sp>
+      <p:sp>
+        <p:nvSpPr>
+          <p:cNvPr id="3" name="TextBox 2">
+            <a:extLst>
+              <a:ext uri="{FF2B5EF4-FFF2-40B4-BE49-F238E27FC236}">
+                <a16:creationId xmlns:a16="http://schemas.microsoft.com/office/drawing/2014/main" id="{1D747F7E-567A-1ED7-F99F-C962D0721E37}"/>
+              </a:ext>
+            </a:extLst>
+          </p:cNvPr>
+          <p:cNvSpPr txBox="1"/>
+          <p:nvPr/>
+        </p:nvSpPr>
+        <p:spPr>
+          <a:xfrm>
+            <a:off x="951722" y="951722"/>
+            <a:ext cx="9591870" cy="3416320"/>
+          </a:xfrm>
+          <a:prstGeom prst="rect">
+            <a:avLst/>
+          </a:prstGeom>
+          <a:noFill/>
+        </p:spPr>
+        <p:txBody>
+          <a:bodyPr wrap="square" rtlCol="0">
+            <a:spAutoFit/>
+          </a:bodyPr>
+          <a:lstStyle/>
+          <a:p>
+            <a:r>
+              <a:rPr lang="en-NZ" dirty="0"/>
+              <a:t>I got other third parties to test my final program and suggest any changes that I should make:</a:t>
+            </a:r>
+          </a:p>
+          <a:p>
+            <a:endParaRPr lang="en-NZ" dirty="0"/>
+          </a:p>
+          <a:p>
+            <a:r>
+              <a:rPr lang="en-NZ" dirty="0"/>
+              <a:t>Dad:</a:t>
+            </a:r>
+          </a:p>
+          <a:p>
+            <a:r>
+              <a:rPr lang="en-NZ" dirty="0"/>
+              <a:t>Change the start car position so that the player has to move otherwise could collide rather than starting in the middle where no cars are.</a:t>
+            </a:r>
+          </a:p>
+          <a:p>
+            <a:r>
+              <a:rPr lang="en-NZ" dirty="0"/>
+              <a:t>If you get a score higher than your high score but the game is quit before the end screen your new high score is not saved.</a:t>
+            </a:r>
+          </a:p>
+          <a:p>
+            <a:endParaRPr lang="en-NZ" dirty="0"/>
+          </a:p>
+          <a:p>
+            <a:r>
+              <a:rPr lang="en-NZ" dirty="0"/>
+              <a:t>Brother:</a:t>
+            </a:r>
+          </a:p>
+          <a:p>
+            <a:r>
+              <a:rPr lang="en-NZ" dirty="0"/>
+              <a:t>Change it so that no obstacles spawn until the player has made a move, otherwise player could not be ready and also on other systems that have more lag, obstacles could kill the player before they have loaded in.</a:t>
+            </a:r>
+          </a:p>
+        </p:txBody>
+      </p:sp>
+    </p:spTree>
+    <p:extLst>
+      <p:ext uri="{BB962C8B-B14F-4D97-AF65-F5344CB8AC3E}">
+        <p14:creationId xmlns:p14="http://schemas.microsoft.com/office/powerpoint/2010/main" val="3372429538"/>
+      </p:ext>
+    </p:extLst>
+  </p:cSld>
+  <p:clrMapOvr>
+    <a:masterClrMapping/>
+  </p:clrMapOvr>
+</p:sld>
+</file>
+
+<file path=ppt/slides/slide43.xml><?xml version="1.0" encoding="utf-8"?>
+<p:sld xmlns:a="http://schemas.openxmlformats.org/drawingml/2006/main" xmlns:r="http://schemas.openxmlformats.org/officeDocument/2006/relationships" xmlns:p="http://schemas.openxmlformats.org/presentationml/2006/main">
+  <p:cSld>
+    <p:spTree>
+      <p:nvGrpSpPr>
+        <p:cNvPr id="1" name=""/>
+        <p:cNvGrpSpPr/>
+        <p:nvPr/>
+      </p:nvGrpSpPr>
+      <p:grpSpPr>
+        <a:xfrm>
+          <a:off x="0" y="0"/>
+          <a:ext cx="0" cy="0"/>
+          <a:chOff x="0" y="0"/>
+          <a:chExt cx="0" cy="0"/>
+        </a:xfrm>
+      </p:grpSpPr>
+      <p:sp>
+        <p:nvSpPr>
+          <p:cNvPr id="2" name="Title 1">
+            <a:extLst>
+              <a:ext uri="{FF2B5EF4-FFF2-40B4-BE49-F238E27FC236}">
+                <a16:creationId xmlns:a16="http://schemas.microsoft.com/office/drawing/2014/main" id="{2BA6171A-A641-4513-B116-739642385FE1}"/>
+              </a:ext>
+            </a:extLst>
+          </p:cNvPr>
+          <p:cNvSpPr>
+            <a:spLocks noGrp="1"/>
+          </p:cNvSpPr>
+          <p:nvPr>
+            <p:ph type="title"/>
+          </p:nvPr>
+        </p:nvSpPr>
+        <p:spPr>
+          <a:xfrm>
+            <a:off x="838200" y="-187532"/>
+            <a:ext cx="11353800" cy="1325563"/>
+          </a:xfrm>
+        </p:spPr>
+        <p:txBody>
+          <a:bodyPr/>
+          <a:lstStyle/>
+          <a:p>
+            <a:r>
+              <a:rPr lang="en-NZ" b="1" dirty="0"/>
+              <a:t>3.1 Assembled Outcome Testing – </a:t>
+            </a:r>
+            <a:r>
+              <a:rPr lang="en-NZ" b="1" i="1" dirty="0"/>
+              <a:t>Usability Results</a:t>
+            </a:r>
+          </a:p>
+        </p:txBody>
+      </p:sp>
+      <p:sp>
+        <p:nvSpPr>
+          <p:cNvPr id="3" name="TextBox 2">
+            <a:extLst>
+              <a:ext uri="{FF2B5EF4-FFF2-40B4-BE49-F238E27FC236}">
+                <a16:creationId xmlns:a16="http://schemas.microsoft.com/office/drawing/2014/main" id="{1D747F7E-567A-1ED7-F99F-C962D0721E37}"/>
+              </a:ext>
+            </a:extLst>
+          </p:cNvPr>
+          <p:cNvSpPr txBox="1"/>
+          <p:nvPr/>
+        </p:nvSpPr>
+        <p:spPr>
+          <a:xfrm>
+            <a:off x="388776" y="671068"/>
+            <a:ext cx="4486716" cy="3139321"/>
+          </a:xfrm>
+          <a:prstGeom prst="rect">
+            <a:avLst/>
+          </a:prstGeom>
+          <a:noFill/>
+        </p:spPr>
+        <p:txBody>
+          <a:bodyPr wrap="square" rtlCol="0">
+            <a:spAutoFit/>
+          </a:bodyPr>
+          <a:lstStyle/>
+          <a:p>
+            <a:r>
+              <a:rPr lang="en-NZ" dirty="0"/>
+              <a:t>Dad:</a:t>
+            </a:r>
+          </a:p>
+          <a:p>
+            <a:endParaRPr lang="en-NZ" dirty="0"/>
+          </a:p>
+          <a:p>
+            <a:r>
+              <a:rPr lang="en-NZ" dirty="0"/>
+              <a:t>1). Change the start car position </a:t>
+            </a:r>
+          </a:p>
+          <a:p>
+            <a:endParaRPr lang="en-NZ" dirty="0"/>
+          </a:p>
+          <a:p>
+            <a:endParaRPr lang="en-NZ" dirty="0"/>
+          </a:p>
+          <a:p>
+            <a:r>
+              <a:rPr lang="en-NZ" dirty="0"/>
+              <a:t>2). Update High Score when game closes</a:t>
+            </a:r>
+          </a:p>
+          <a:p>
+            <a:endParaRPr lang="en-NZ" dirty="0"/>
+          </a:p>
+          <a:p>
+            <a:endParaRPr lang="en-NZ" dirty="0"/>
+          </a:p>
+          <a:p>
+            <a:r>
+              <a:rPr lang="en-NZ" dirty="0"/>
+              <a:t>Brother:</a:t>
+            </a:r>
+          </a:p>
+          <a:p>
+            <a:endParaRPr lang="en-NZ" dirty="0"/>
+          </a:p>
+          <a:p>
+            <a:r>
+              <a:rPr lang="en-NZ" dirty="0"/>
+              <a:t>3). No obstacles till player moves</a:t>
+            </a:r>
+          </a:p>
+        </p:txBody>
+      </p:sp>
+      <p:pic>
+        <p:nvPicPr>
+          <p:cNvPr id="5" name="Picture 4">
+            <a:extLst>
+              <a:ext uri="{FF2B5EF4-FFF2-40B4-BE49-F238E27FC236}">
+                <a16:creationId xmlns:a16="http://schemas.microsoft.com/office/drawing/2014/main" id="{18763C7B-9447-F1B7-BAF1-C863403DE02D}"/>
+              </a:ext>
+            </a:extLst>
+          </p:cNvPr>
+          <p:cNvPicPr>
+            <a:picLocks noChangeAspect="1"/>
+          </p:cNvPicPr>
+          <p:nvPr/>
+        </p:nvPicPr>
+        <p:blipFill>
+          <a:blip r:embed="rId3"/>
+          <a:stretch>
+            <a:fillRect/>
+          </a:stretch>
+        </p:blipFill>
+        <p:spPr>
+          <a:xfrm>
+            <a:off x="4875492" y="1035697"/>
+            <a:ext cx="1893211" cy="2585323"/>
+          </a:xfrm>
+          <a:prstGeom prst="rect">
+            <a:avLst/>
+          </a:prstGeom>
+        </p:spPr>
+      </p:pic>
+      <p:pic>
+        <p:nvPicPr>
+          <p:cNvPr id="7" name="Picture 6">
+            <a:extLst>
+              <a:ext uri="{FF2B5EF4-FFF2-40B4-BE49-F238E27FC236}">
+                <a16:creationId xmlns:a16="http://schemas.microsoft.com/office/drawing/2014/main" id="{0E0BC946-F313-9DA0-09A5-6488B36548F8}"/>
+              </a:ext>
+            </a:extLst>
+          </p:cNvPr>
+          <p:cNvPicPr>
+            <a:picLocks noChangeAspect="1"/>
+          </p:cNvPicPr>
+          <p:nvPr/>
+        </p:nvPicPr>
+        <p:blipFill>
+          <a:blip r:embed="rId4"/>
+          <a:stretch>
+            <a:fillRect/>
+          </a:stretch>
+        </p:blipFill>
+        <p:spPr>
+          <a:xfrm>
+            <a:off x="6320712" y="3894252"/>
+            <a:ext cx="1995487" cy="2736668"/>
+          </a:xfrm>
+          <a:prstGeom prst="rect">
+            <a:avLst/>
+          </a:prstGeom>
+        </p:spPr>
+      </p:pic>
+      <p:pic>
+        <p:nvPicPr>
+          <p:cNvPr id="9" name="Picture 8">
+            <a:extLst>
+              <a:ext uri="{FF2B5EF4-FFF2-40B4-BE49-F238E27FC236}">
+                <a16:creationId xmlns:a16="http://schemas.microsoft.com/office/drawing/2014/main" id="{51F0AC60-A318-BB7D-8C62-85D86E035C75}"/>
+              </a:ext>
+            </a:extLst>
+          </p:cNvPr>
+          <p:cNvPicPr>
+            <a:picLocks noChangeAspect="1"/>
+          </p:cNvPicPr>
+          <p:nvPr/>
+        </p:nvPicPr>
+        <p:blipFill>
+          <a:blip r:embed="rId5"/>
+          <a:stretch>
+            <a:fillRect/>
+          </a:stretch>
+        </p:blipFill>
+        <p:spPr>
+          <a:xfrm>
+            <a:off x="233728" y="3929421"/>
+            <a:ext cx="885825" cy="1207943"/>
+          </a:xfrm>
+          <a:prstGeom prst="rect">
+            <a:avLst/>
+          </a:prstGeom>
+        </p:spPr>
+      </p:pic>
+      <p:pic>
+        <p:nvPicPr>
+          <p:cNvPr id="11" name="Picture 10">
+            <a:extLst>
+              <a:ext uri="{FF2B5EF4-FFF2-40B4-BE49-F238E27FC236}">
+                <a16:creationId xmlns:a16="http://schemas.microsoft.com/office/drawing/2014/main" id="{FE1D2B79-6C33-DEF8-19A5-EB66EBC5423E}"/>
+              </a:ext>
+            </a:extLst>
+          </p:cNvPr>
+          <p:cNvPicPr>
+            <a:picLocks noChangeAspect="1"/>
+          </p:cNvPicPr>
+          <p:nvPr/>
+        </p:nvPicPr>
+        <p:blipFill>
+          <a:blip r:embed="rId6"/>
+          <a:stretch>
+            <a:fillRect/>
+          </a:stretch>
+        </p:blipFill>
+        <p:spPr>
+          <a:xfrm>
+            <a:off x="1144974" y="3929421"/>
+            <a:ext cx="1000350" cy="1201257"/>
+          </a:xfrm>
+          <a:prstGeom prst="rect">
+            <a:avLst/>
+          </a:prstGeom>
+        </p:spPr>
+      </p:pic>
+      <p:sp>
+        <p:nvSpPr>
+          <p:cNvPr id="12" name="TextBox 11">
+            <a:extLst>
+              <a:ext uri="{FF2B5EF4-FFF2-40B4-BE49-F238E27FC236}">
+                <a16:creationId xmlns:a16="http://schemas.microsoft.com/office/drawing/2014/main" id="{C1200BE0-B50A-E0E7-640D-153D3C0A7BC3}"/>
+              </a:ext>
+            </a:extLst>
+          </p:cNvPr>
+          <p:cNvSpPr txBox="1"/>
+          <p:nvPr/>
+        </p:nvSpPr>
+        <p:spPr>
+          <a:xfrm>
+            <a:off x="6881446" y="1035697"/>
+            <a:ext cx="4921778" cy="1754326"/>
+          </a:xfrm>
+          <a:prstGeom prst="rect">
+            <a:avLst/>
+          </a:prstGeom>
+          <a:noFill/>
+        </p:spPr>
+        <p:txBody>
+          <a:bodyPr wrap="square" rtlCol="0">
+            <a:spAutoFit/>
+          </a:bodyPr>
+          <a:lstStyle/>
+          <a:p>
+            <a:r>
+              <a:rPr lang="en-NZ" dirty="0"/>
+              <a:t>1). Car now starts in the second lane direct in line with </a:t>
+            </a:r>
+            <a:r>
+              <a:rPr lang="en-NZ" dirty="0" err="1"/>
+              <a:t>x_pos</a:t>
+            </a:r>
+            <a:r>
+              <a:rPr lang="en-NZ" dirty="0"/>
+              <a:t> of oncoming traffic, This now forces the player to keep moving once the game has started instead of waiting in the middle the whole time. This is a good change, and I am happy with the result</a:t>
+            </a:r>
+          </a:p>
+        </p:txBody>
+      </p:sp>
+      <p:sp>
+        <p:nvSpPr>
+          <p:cNvPr id="13" name="TextBox 12">
+            <a:extLst>
+              <a:ext uri="{FF2B5EF4-FFF2-40B4-BE49-F238E27FC236}">
+                <a16:creationId xmlns:a16="http://schemas.microsoft.com/office/drawing/2014/main" id="{138D9CBD-F788-CC53-3AB8-C5F0EEBD7BB2}"/>
+              </a:ext>
+            </a:extLst>
+          </p:cNvPr>
+          <p:cNvSpPr txBox="1"/>
+          <p:nvPr/>
+        </p:nvSpPr>
+        <p:spPr>
+          <a:xfrm>
+            <a:off x="233728" y="4034928"/>
+            <a:ext cx="5545749" cy="1754326"/>
+          </a:xfrm>
+          <a:prstGeom prst="rect">
+            <a:avLst/>
+          </a:prstGeom>
+          <a:noFill/>
+        </p:spPr>
+        <p:txBody>
+          <a:bodyPr wrap="square" rtlCol="0">
+            <a:spAutoFit/>
+          </a:bodyPr>
+          <a:lstStyle/>
+          <a:p>
+            <a:r>
+              <a:rPr lang="en-NZ" dirty="0"/>
+              <a:t>                                    2). The High Score now gets updated                           I                                   even if the player does not get to the I                                   end game screen for whatever reason I                      such as game crash or window forced closed. This is a good change and makes the game more usable for the player. </a:t>
+            </a:r>
+          </a:p>
+        </p:txBody>
+      </p:sp>
+      <p:sp>
+        <p:nvSpPr>
+          <p:cNvPr id="14" name="TextBox 13">
+            <a:extLst>
+              <a:ext uri="{FF2B5EF4-FFF2-40B4-BE49-F238E27FC236}">
+                <a16:creationId xmlns:a16="http://schemas.microsoft.com/office/drawing/2014/main" id="{3AF42E96-A5B2-403F-CBA9-30B408164980}"/>
+              </a:ext>
+            </a:extLst>
+          </p:cNvPr>
+          <p:cNvSpPr txBox="1"/>
+          <p:nvPr/>
+        </p:nvSpPr>
+        <p:spPr>
+          <a:xfrm>
+            <a:off x="8405446" y="3894252"/>
+            <a:ext cx="3552826" cy="1754326"/>
+          </a:xfrm>
+          <a:prstGeom prst="rect">
+            <a:avLst/>
+          </a:prstGeom>
+          <a:noFill/>
+        </p:spPr>
+        <p:txBody>
+          <a:bodyPr wrap="square" rtlCol="0">
+            <a:spAutoFit/>
+          </a:bodyPr>
+          <a:lstStyle/>
+          <a:p>
+            <a:r>
+              <a:rPr lang="en-NZ" dirty="0"/>
+              <a:t>3). Now, Obstacles will not spawn until the player makes a move. This is good change as will cause less frustration if a system takes longer to load. This fits in with my relevant implications.</a:t>
+            </a:r>
+          </a:p>
+        </p:txBody>
+      </p:sp>
+      <p:sp>
+        <p:nvSpPr>
+          <p:cNvPr id="15" name="Rectangle 14">
+            <a:extLst>
+              <a:ext uri="{FF2B5EF4-FFF2-40B4-BE49-F238E27FC236}">
+                <a16:creationId xmlns:a16="http://schemas.microsoft.com/office/drawing/2014/main" id="{B18FFCA7-9346-8B08-B483-0853AAFB08A2}"/>
+              </a:ext>
+            </a:extLst>
+          </p:cNvPr>
+          <p:cNvSpPr/>
+          <p:nvPr/>
+        </p:nvSpPr>
+        <p:spPr>
+          <a:xfrm>
+            <a:off x="388776" y="1103915"/>
+            <a:ext cx="3268824" cy="713162"/>
+          </a:xfrm>
+          <a:prstGeom prst="rect">
+            <a:avLst/>
+          </a:prstGeom>
+          <a:noFill/>
+          <a:ln w="19050">
+            <a:solidFill>
+              <a:srgbClr val="FF0000"/>
+            </a:solidFill>
+          </a:ln>
+        </p:spPr>
+        <p:style>
+          <a:lnRef idx="2">
+            <a:schemeClr val="accent1">
+              <a:shade val="50000"/>
+            </a:schemeClr>
+          </a:lnRef>
+          <a:fillRef idx="1">
+            <a:schemeClr val="accent1"/>
+          </a:fillRef>
+          <a:effectRef idx="0">
+            <a:schemeClr val="accent1"/>
+          </a:effectRef>
+          <a:fontRef idx="minor">
+            <a:schemeClr val="lt1"/>
+          </a:fontRef>
+        </p:style>
+        <p:txBody>
+          <a:bodyPr rtlCol="0" anchor="ctr"/>
+          <a:lstStyle/>
+          <a:p>
+            <a:pPr algn="ctr"/>
+            <a:endParaRPr lang="en-NZ"/>
+          </a:p>
+        </p:txBody>
+      </p:sp>
+      <p:sp>
+        <p:nvSpPr>
+          <p:cNvPr id="16" name="Rectangle 15">
+            <a:extLst>
+              <a:ext uri="{FF2B5EF4-FFF2-40B4-BE49-F238E27FC236}">
+                <a16:creationId xmlns:a16="http://schemas.microsoft.com/office/drawing/2014/main" id="{4A9D797D-4967-24AD-CA4B-EBDB9ED57122}"/>
+              </a:ext>
+            </a:extLst>
+          </p:cNvPr>
+          <p:cNvSpPr/>
+          <p:nvPr/>
+        </p:nvSpPr>
+        <p:spPr>
+          <a:xfrm>
+            <a:off x="388776" y="1900940"/>
+            <a:ext cx="3937039" cy="713162"/>
+          </a:xfrm>
+          <a:prstGeom prst="rect">
+            <a:avLst/>
+          </a:prstGeom>
+          <a:noFill/>
+          <a:ln w="19050">
+            <a:solidFill>
+              <a:srgbClr val="92D050"/>
+            </a:solidFill>
+          </a:ln>
+        </p:spPr>
+        <p:style>
+          <a:lnRef idx="2">
+            <a:schemeClr val="accent1">
+              <a:shade val="50000"/>
+            </a:schemeClr>
+          </a:lnRef>
+          <a:fillRef idx="1">
+            <a:schemeClr val="accent1"/>
+          </a:fillRef>
+          <a:effectRef idx="0">
+            <a:schemeClr val="accent1"/>
+          </a:effectRef>
+          <a:fontRef idx="minor">
+            <a:schemeClr val="lt1"/>
+          </a:fontRef>
+        </p:style>
+        <p:txBody>
+          <a:bodyPr rtlCol="0" anchor="ctr"/>
+          <a:lstStyle/>
+          <a:p>
+            <a:pPr algn="ctr"/>
+            <a:endParaRPr lang="en-NZ"/>
+          </a:p>
+        </p:txBody>
+      </p:sp>
+      <p:sp>
+        <p:nvSpPr>
+          <p:cNvPr id="17" name="Rectangle 16">
+            <a:extLst>
+              <a:ext uri="{FF2B5EF4-FFF2-40B4-BE49-F238E27FC236}">
+                <a16:creationId xmlns:a16="http://schemas.microsoft.com/office/drawing/2014/main" id="{08224065-3BAA-FC38-2CB6-BDEA71778BE4}"/>
+              </a:ext>
+            </a:extLst>
+          </p:cNvPr>
+          <p:cNvSpPr/>
+          <p:nvPr/>
+        </p:nvSpPr>
+        <p:spPr>
+          <a:xfrm>
+            <a:off x="388776" y="3242361"/>
+            <a:ext cx="3937039" cy="609959"/>
+          </a:xfrm>
+          <a:prstGeom prst="rect">
+            <a:avLst/>
+          </a:prstGeom>
+          <a:noFill/>
+          <a:ln w="19050">
+            <a:solidFill>
+              <a:srgbClr val="0070C0"/>
+            </a:solidFill>
+          </a:ln>
+        </p:spPr>
+        <p:style>
+          <a:lnRef idx="2">
+            <a:schemeClr val="accent1">
+              <a:shade val="50000"/>
+            </a:schemeClr>
+          </a:lnRef>
+          <a:fillRef idx="1">
+            <a:schemeClr val="accent1"/>
+          </a:fillRef>
+          <a:effectRef idx="0">
+            <a:schemeClr val="accent1"/>
+          </a:effectRef>
+          <a:fontRef idx="minor">
+            <a:schemeClr val="lt1"/>
+          </a:fontRef>
+        </p:style>
+        <p:txBody>
+          <a:bodyPr rtlCol="0" anchor="ctr"/>
+          <a:lstStyle/>
+          <a:p>
+            <a:pPr algn="ctr"/>
+            <a:endParaRPr lang="en-NZ"/>
+          </a:p>
+        </p:txBody>
+      </p:sp>
+      <p:sp>
+        <p:nvSpPr>
+          <p:cNvPr id="18" name="Rectangle 17">
+            <a:extLst>
+              <a:ext uri="{FF2B5EF4-FFF2-40B4-BE49-F238E27FC236}">
+                <a16:creationId xmlns:a16="http://schemas.microsoft.com/office/drawing/2014/main" id="{C01080D1-BBEC-E9C4-2670-70CCD2414C32}"/>
+              </a:ext>
+            </a:extLst>
+          </p:cNvPr>
+          <p:cNvSpPr/>
+          <p:nvPr/>
+        </p:nvSpPr>
+        <p:spPr>
+          <a:xfrm>
+            <a:off x="176804" y="3899212"/>
+            <a:ext cx="5545749" cy="2079557"/>
+          </a:xfrm>
+          <a:prstGeom prst="rect">
+            <a:avLst/>
+          </a:prstGeom>
+          <a:noFill/>
+          <a:ln w="19050">
+            <a:solidFill>
+              <a:srgbClr val="92D050"/>
+            </a:solidFill>
+          </a:ln>
+        </p:spPr>
+        <p:style>
+          <a:lnRef idx="2">
+            <a:schemeClr val="accent1">
+              <a:shade val="50000"/>
+            </a:schemeClr>
+          </a:lnRef>
+          <a:fillRef idx="1">
+            <a:schemeClr val="accent1"/>
+          </a:fillRef>
+          <a:effectRef idx="0">
+            <a:schemeClr val="accent1"/>
+          </a:effectRef>
+          <a:fontRef idx="minor">
+            <a:schemeClr val="lt1"/>
+          </a:fontRef>
+        </p:style>
+        <p:txBody>
+          <a:bodyPr rtlCol="0" anchor="ctr"/>
+          <a:lstStyle/>
+          <a:p>
+            <a:pPr algn="ctr"/>
+            <a:endParaRPr lang="en-NZ"/>
+          </a:p>
+        </p:txBody>
+      </p:sp>
+      <p:sp>
+        <p:nvSpPr>
+          <p:cNvPr id="19" name="Rectangle 18">
+            <a:extLst>
+              <a:ext uri="{FF2B5EF4-FFF2-40B4-BE49-F238E27FC236}">
+                <a16:creationId xmlns:a16="http://schemas.microsoft.com/office/drawing/2014/main" id="{89475772-E8B2-8867-5E9C-A97B50106FBF}"/>
+              </a:ext>
+            </a:extLst>
+          </p:cNvPr>
+          <p:cNvSpPr/>
+          <p:nvPr/>
+        </p:nvSpPr>
+        <p:spPr>
+          <a:xfrm>
+            <a:off x="4775239" y="946874"/>
+            <a:ext cx="7027985" cy="2757863"/>
+          </a:xfrm>
+          <a:prstGeom prst="rect">
+            <a:avLst/>
+          </a:prstGeom>
+          <a:noFill/>
+          <a:ln w="19050">
+            <a:solidFill>
+              <a:srgbClr val="FF0000"/>
+            </a:solidFill>
+          </a:ln>
+        </p:spPr>
+        <p:style>
+          <a:lnRef idx="2">
+            <a:schemeClr val="accent1">
+              <a:shade val="50000"/>
+            </a:schemeClr>
+          </a:lnRef>
+          <a:fillRef idx="1">
+            <a:schemeClr val="accent1"/>
+          </a:fillRef>
+          <a:effectRef idx="0">
+            <a:schemeClr val="accent1"/>
+          </a:effectRef>
+          <a:fontRef idx="minor">
+            <a:schemeClr val="lt1"/>
+          </a:fontRef>
+        </p:style>
+        <p:txBody>
+          <a:bodyPr rtlCol="0" anchor="ctr"/>
+          <a:lstStyle/>
+          <a:p>
+            <a:pPr algn="ctr"/>
+            <a:endParaRPr lang="en-NZ"/>
+          </a:p>
+        </p:txBody>
+      </p:sp>
+      <p:sp>
+        <p:nvSpPr>
+          <p:cNvPr id="20" name="Rectangle 19">
+            <a:extLst>
+              <a:ext uri="{FF2B5EF4-FFF2-40B4-BE49-F238E27FC236}">
+                <a16:creationId xmlns:a16="http://schemas.microsoft.com/office/drawing/2014/main" id="{79D6457C-FE66-B01C-ADCA-CC43AD689206}"/>
+              </a:ext>
+            </a:extLst>
+          </p:cNvPr>
+          <p:cNvSpPr/>
+          <p:nvPr/>
+        </p:nvSpPr>
+        <p:spPr>
+          <a:xfrm>
+            <a:off x="6274545" y="3852320"/>
+            <a:ext cx="5683728" cy="2865003"/>
+          </a:xfrm>
+          <a:prstGeom prst="rect">
+            <a:avLst/>
+          </a:prstGeom>
+          <a:noFill/>
+          <a:ln w="19050">
+            <a:solidFill>
+              <a:srgbClr val="0070C0"/>
+            </a:solidFill>
+          </a:ln>
+        </p:spPr>
+        <p:style>
+          <a:lnRef idx="2">
+            <a:schemeClr val="accent1">
+              <a:shade val="50000"/>
+            </a:schemeClr>
+          </a:lnRef>
+          <a:fillRef idx="1">
+            <a:schemeClr val="accent1"/>
+          </a:fillRef>
+          <a:effectRef idx="0">
+            <a:schemeClr val="accent1"/>
+          </a:effectRef>
+          <a:fontRef idx="minor">
+            <a:schemeClr val="lt1"/>
+          </a:fontRef>
+        </p:style>
+        <p:txBody>
+          <a:bodyPr rtlCol="0" anchor="ctr"/>
+          <a:lstStyle/>
+          <a:p>
+            <a:pPr algn="ctr"/>
+            <a:endParaRPr lang="en-NZ"/>
+          </a:p>
+        </p:txBody>
+      </p:sp>
+    </p:spTree>
+    <p:extLst>
+      <p:ext uri="{BB962C8B-B14F-4D97-AF65-F5344CB8AC3E}">
+        <p14:creationId xmlns:p14="http://schemas.microsoft.com/office/powerpoint/2010/main" val="455387855"/>
+      </p:ext>
+    </p:extLst>
+  </p:cSld>
+  <p:clrMapOvr>
+    <a:masterClrMapping/>
+  </p:clrMapOvr>
+</p:sld>
+</file>
+
+<file path=ppt/slides/slide44.xml><?xml version="1.0" encoding="utf-8"?>
+<p:sld xmlns:a="http://schemas.openxmlformats.org/drawingml/2006/main" xmlns:r="http://schemas.openxmlformats.org/officeDocument/2006/relationships" xmlns:p="http://schemas.openxmlformats.org/presentationml/2006/main">
+  <p:cSld>
+    <p:spTree>
+      <p:nvGrpSpPr>
+        <p:cNvPr id="1" name=""/>
+        <p:cNvGrpSpPr/>
+        <p:nvPr/>
+      </p:nvGrpSpPr>
+      <p:grpSpPr>
+        <a:xfrm>
+          <a:off x="0" y="0"/>
+          <a:ext cx="0" cy="0"/>
+          <a:chOff x="0" y="0"/>
+          <a:chExt cx="0" cy="0"/>
+        </a:xfrm>
+      </p:grpSpPr>
+      <p:sp>
+        <p:nvSpPr>
+          <p:cNvPr id="2" name="Title 1">
+            <a:extLst>
+              <a:ext uri="{FF2B5EF4-FFF2-40B4-BE49-F238E27FC236}">
+                <a16:creationId xmlns:a16="http://schemas.microsoft.com/office/drawing/2014/main" id="{2BA6171A-A641-4513-B116-739642385FE1}"/>
+              </a:ext>
+            </a:extLst>
+          </p:cNvPr>
+          <p:cNvSpPr>
+            <a:spLocks noGrp="1"/>
+          </p:cNvSpPr>
+          <p:nvPr>
+            <p:ph type="title"/>
+          </p:nvPr>
+        </p:nvSpPr>
+        <p:spPr>
+          <a:xfrm>
+            <a:off x="82062" y="340006"/>
+            <a:ext cx="11690838" cy="1325563"/>
+          </a:xfrm>
+        </p:spPr>
+        <p:txBody>
+          <a:bodyPr/>
+          <a:lstStyle/>
+          <a:p>
+            <a:r>
+              <a:rPr lang="en-NZ" b="1" dirty="0"/>
+              <a:t>3.2 Assembled Outcome Testing – </a:t>
+            </a:r>
+            <a:r>
+              <a:rPr lang="en-NZ" b="1" i="1" dirty="0"/>
+              <a:t>Usability Updated</a:t>
+            </a:r>
+          </a:p>
+        </p:txBody>
+      </p:sp>
+      <p:sp>
+        <p:nvSpPr>
+          <p:cNvPr id="3" name="TextBox 2">
+            <a:extLst>
+              <a:ext uri="{FF2B5EF4-FFF2-40B4-BE49-F238E27FC236}">
+                <a16:creationId xmlns:a16="http://schemas.microsoft.com/office/drawing/2014/main" id="{1D747F7E-567A-1ED7-F99F-C962D0721E37}"/>
+              </a:ext>
+            </a:extLst>
+          </p:cNvPr>
+          <p:cNvSpPr txBox="1"/>
+          <p:nvPr/>
+        </p:nvSpPr>
+        <p:spPr>
+          <a:xfrm>
+            <a:off x="838200" y="2405384"/>
+            <a:ext cx="9591870" cy="3139321"/>
+          </a:xfrm>
+          <a:prstGeom prst="rect">
+            <a:avLst/>
+          </a:prstGeom>
+          <a:noFill/>
+        </p:spPr>
+        <p:txBody>
+          <a:bodyPr wrap="square" rtlCol="0">
+            <a:spAutoFit/>
+          </a:bodyPr>
+          <a:lstStyle/>
+          <a:p>
+            <a:r>
+              <a:rPr lang="en-NZ" dirty="0"/>
+              <a:t>Having updated my code and made the suggested changes I asked the parties back to retry my code and see if they are happy with the updated design:</a:t>
+            </a:r>
+          </a:p>
+          <a:p>
+            <a:endParaRPr lang="en-NZ" dirty="0"/>
+          </a:p>
+          <a:p>
+            <a:r>
+              <a:rPr lang="en-NZ" dirty="0"/>
+              <a:t>Dad:</a:t>
+            </a:r>
+          </a:p>
+          <a:p>
+            <a:r>
+              <a:rPr lang="en-NZ" dirty="0"/>
+              <a:t>He liked the changes made, He said, “the game now requires more skill and awareness” He said that my code now is more playable and user friendly.</a:t>
+            </a:r>
+          </a:p>
+          <a:p>
+            <a:endParaRPr lang="en-NZ" dirty="0"/>
+          </a:p>
+          <a:p>
+            <a:r>
+              <a:rPr lang="en-NZ" dirty="0"/>
+              <a:t>Brother:</a:t>
+            </a:r>
+          </a:p>
+          <a:p>
+            <a:r>
+              <a:rPr lang="en-NZ" dirty="0"/>
+              <a:t>He liked my updated obstacle spawning requirements It means that the player does not have start moving until they are ready making the program more enjoyable and less prone to causing frustration.</a:t>
+            </a:r>
+          </a:p>
+        </p:txBody>
+      </p:sp>
+    </p:spTree>
+    <p:extLst>
+      <p:ext uri="{BB962C8B-B14F-4D97-AF65-F5344CB8AC3E}">
+        <p14:creationId xmlns:p14="http://schemas.microsoft.com/office/powerpoint/2010/main" val="7597475"/>
+      </p:ext>
+    </p:extLst>
+  </p:cSld>
+  <p:clrMapOvr>
+    <a:masterClrMapping/>
+  </p:clrMapOvr>
+</p:sld>
+</file>
+
+<file path=ppt/slides/slide45.xml><?xml version="1.0" encoding="utf-8"?>
+<p:sld xmlns:a="http://schemas.openxmlformats.org/drawingml/2006/main" xmlns:r="http://schemas.openxmlformats.org/officeDocument/2006/relationships" xmlns:p="http://schemas.openxmlformats.org/presentationml/2006/main">
+  <p:cSld>
+    <p:spTree>
+      <p:nvGrpSpPr>
+        <p:cNvPr id="1" name=""/>
+        <p:cNvGrpSpPr/>
+        <p:nvPr/>
+      </p:nvGrpSpPr>
+      <p:grpSpPr>
+        <a:xfrm>
+          <a:off x="0" y="0"/>
+          <a:ext cx="0" cy="0"/>
+          <a:chOff x="0" y="0"/>
+          <a:chExt cx="0" cy="0"/>
+        </a:xfrm>
+      </p:grpSpPr>
+      <p:sp>
+        <p:nvSpPr>
+          <p:cNvPr id="2" name="Title 1">
+            <a:extLst>
+              <a:ext uri="{FF2B5EF4-FFF2-40B4-BE49-F238E27FC236}">
+                <a16:creationId xmlns:a16="http://schemas.microsoft.com/office/drawing/2014/main" id="{D62183D5-E1F8-4917-B0BA-FC2E62047445}"/>
+              </a:ext>
+            </a:extLst>
+          </p:cNvPr>
+          <p:cNvSpPr>
+            <a:spLocks noGrp="1"/>
+          </p:cNvSpPr>
+          <p:nvPr>
+            <p:ph type="title"/>
+          </p:nvPr>
+        </p:nvSpPr>
+        <p:spPr>
+          <a:xfrm>
+            <a:off x="838200" y="365125"/>
+            <a:ext cx="10515600" cy="559435"/>
+          </a:xfrm>
+        </p:spPr>
+        <p:txBody>
+          <a:bodyPr>
+            <a:normAutofit fontScale="90000"/>
+          </a:bodyPr>
+          <a:lstStyle/>
+          <a:p>
+            <a:r>
+              <a:rPr lang="en-NZ" sz="4000" dirty="0"/>
+              <a:t>Version Control Evidence:</a:t>
+            </a:r>
+          </a:p>
+        </p:txBody>
+      </p:sp>
+      <p:pic>
+        <p:nvPicPr>
+          <p:cNvPr id="4" name="Picture 3">
+            <a:extLst>
+              <a:ext uri="{FF2B5EF4-FFF2-40B4-BE49-F238E27FC236}">
+                <a16:creationId xmlns:a16="http://schemas.microsoft.com/office/drawing/2014/main" id="{FF676DCF-5C42-0898-0922-F7D51B4BCF51}"/>
+              </a:ext>
+            </a:extLst>
+          </p:cNvPr>
+          <p:cNvPicPr>
+            <a:picLocks noChangeAspect="1"/>
+          </p:cNvPicPr>
+          <p:nvPr/>
+        </p:nvPicPr>
+        <p:blipFill>
+          <a:blip r:embed="rId3"/>
+          <a:stretch>
+            <a:fillRect/>
+          </a:stretch>
+        </p:blipFill>
+        <p:spPr>
+          <a:xfrm>
+            <a:off x="462565" y="1172306"/>
+            <a:ext cx="4859171" cy="5040923"/>
+          </a:xfrm>
+          <a:prstGeom prst="rect">
+            <a:avLst/>
+          </a:prstGeom>
+        </p:spPr>
+      </p:pic>
+      <p:pic>
+        <p:nvPicPr>
+          <p:cNvPr id="8" name="Picture 7">
+            <a:extLst>
+              <a:ext uri="{FF2B5EF4-FFF2-40B4-BE49-F238E27FC236}">
+                <a16:creationId xmlns:a16="http://schemas.microsoft.com/office/drawing/2014/main" id="{9369350E-ABB0-B3D2-51F8-3FE39757DFD0}"/>
+              </a:ext>
+            </a:extLst>
+          </p:cNvPr>
+          <p:cNvPicPr>
+            <a:picLocks noChangeAspect="1"/>
+          </p:cNvPicPr>
+          <p:nvPr/>
+        </p:nvPicPr>
+        <p:blipFill>
+          <a:blip r:embed="rId4"/>
+          <a:stretch>
+            <a:fillRect/>
+          </a:stretch>
+        </p:blipFill>
+        <p:spPr>
+          <a:xfrm>
+            <a:off x="6345427" y="1324705"/>
+            <a:ext cx="5008373" cy="4736123"/>
+          </a:xfrm>
+          <a:prstGeom prst="rect">
+            <a:avLst/>
+          </a:prstGeom>
+        </p:spPr>
+      </p:pic>
+    </p:spTree>
+    <p:extLst>
+      <p:ext uri="{BB962C8B-B14F-4D97-AF65-F5344CB8AC3E}">
+        <p14:creationId xmlns:p14="http://schemas.microsoft.com/office/powerpoint/2010/main" val="1357549755"/>
+      </p:ext>
+    </p:extLst>
+  </p:cSld>
+  <p:clrMapOvr>
+    <a:masterClrMapping/>
+  </p:clrMapOvr>
+</p:sld>
+</file>
+
+<file path=ppt/slides/slide46.xml><?xml version="1.0" encoding="utf-8"?>
+<p:sld xmlns:a="http://schemas.openxmlformats.org/drawingml/2006/main" xmlns:r="http://schemas.openxmlformats.org/officeDocument/2006/relationships" xmlns:p="http://schemas.openxmlformats.org/presentationml/2006/main">
+  <p:cSld>
+    <p:spTree>
+      <p:nvGrpSpPr>
+        <p:cNvPr id="1" name=""/>
+        <p:cNvGrpSpPr/>
+        <p:nvPr/>
+      </p:nvGrpSpPr>
+      <p:grpSpPr>
+        <a:xfrm>
+          <a:off x="0" y="0"/>
+          <a:ext cx="0" cy="0"/>
+          <a:chOff x="0" y="0"/>
+          <a:chExt cx="0" cy="0"/>
+        </a:xfrm>
+      </p:grpSpPr>
+      <p:sp>
+        <p:nvSpPr>
+          <p:cNvPr id="2" name="Title 1">
+            <a:extLst>
+              <a:ext uri="{FF2B5EF4-FFF2-40B4-BE49-F238E27FC236}">
+                <a16:creationId xmlns:a16="http://schemas.microsoft.com/office/drawing/2014/main" id="{9BF3066F-120D-4CF3-8985-4C98C0AA647F}"/>
+              </a:ext>
+            </a:extLst>
+          </p:cNvPr>
+          <p:cNvSpPr>
+            <a:spLocks noGrp="1"/>
+          </p:cNvSpPr>
+          <p:nvPr>
+            <p:ph type="title"/>
+          </p:nvPr>
+        </p:nvSpPr>
+        <p:spPr/>
+        <p:txBody>
+          <a:bodyPr/>
+          <a:lstStyle/>
+          <a:p>
+            <a:r>
+              <a:rPr lang="en-NZ" b="1" dirty="0"/>
+              <a:t>Complex processes - Discussion</a:t>
+            </a:r>
+          </a:p>
+        </p:txBody>
+      </p:sp>
+      <p:sp>
+        <p:nvSpPr>
+          <p:cNvPr id="3" name="Rectangle 2">
+            <a:extLst>
+              <a:ext uri="{FF2B5EF4-FFF2-40B4-BE49-F238E27FC236}">
+                <a16:creationId xmlns:a16="http://schemas.microsoft.com/office/drawing/2014/main" id="{587AE7D3-5F44-4638-A690-53362BD9429B}"/>
+              </a:ext>
+            </a:extLst>
+          </p:cNvPr>
+          <p:cNvSpPr/>
+          <p:nvPr/>
+        </p:nvSpPr>
+        <p:spPr>
+          <a:xfrm>
+            <a:off x="838200" y="1470395"/>
+            <a:ext cx="8122920" cy="1200329"/>
+          </a:xfrm>
+          <a:prstGeom prst="rect">
+            <a:avLst/>
+          </a:prstGeom>
+        </p:spPr>
+        <p:txBody>
+          <a:bodyPr wrap="square">
+            <a:spAutoFit/>
+          </a:bodyPr>
+          <a:lstStyle/>
+          <a:p>
+            <a:pPr marL="0" lvl="0" indent="0" algn="l" rtl="0">
+              <a:spcBef>
+                <a:spcPts val="0"/>
+              </a:spcBef>
+              <a:spcAft>
+                <a:spcPts val="0"/>
+              </a:spcAft>
+              <a:buClr>
+                <a:schemeClr val="dk1"/>
+              </a:buClr>
+              <a:buSzPts val="1100"/>
+              <a:buFont typeface="Arial"/>
+              <a:buNone/>
+            </a:pPr>
+            <a:r>
+              <a:rPr lang="en-NZ" sz="1800" dirty="0">
+                <a:solidFill>
+                  <a:schemeClr val="dk2"/>
+                </a:solidFill>
+              </a:rPr>
               <a:t>Discuss how you used (and combined) information gained from the planning, testing and trialling of your components to improve the quality of your program.  Note that synthesising information from planning, testing and trialling of components and then discussing how this led to a high quality outcome is needed for an E grade.</a:t>
+            </a:r>
+          </a:p>
+        </p:txBody>
+      </p:sp>
+      <p:sp>
+        <p:nvSpPr>
+          <p:cNvPr id="4" name="TextBox 3">
+            <a:extLst>
+              <a:ext uri="{FF2B5EF4-FFF2-40B4-BE49-F238E27FC236}">
+                <a16:creationId xmlns:a16="http://schemas.microsoft.com/office/drawing/2014/main" id="{B01620EE-248F-E70D-BD7E-801FEB807933}"/>
+              </a:ext>
+            </a:extLst>
+          </p:cNvPr>
+          <p:cNvSpPr txBox="1"/>
+          <p:nvPr/>
+        </p:nvSpPr>
+        <p:spPr>
+          <a:xfrm>
+            <a:off x="246185" y="2653144"/>
+            <a:ext cx="11746523" cy="3416320"/>
+          </a:xfrm>
+          <a:prstGeom prst="rect">
+            <a:avLst/>
+          </a:prstGeom>
+          <a:noFill/>
+        </p:spPr>
+        <p:txBody>
+          <a:bodyPr wrap="square" rtlCol="0">
+            <a:spAutoFit/>
+          </a:bodyPr>
+          <a:lstStyle/>
+          <a:p>
+            <a:r>
+              <a:rPr lang="en-NZ" dirty="0"/>
+              <a:t>I used a Trello board to keep track of my project and ensure the components were developed in a logical way. Trello enabled me to be flexible with my planning, adding and moving cards and lists as new ideas were developed. </a:t>
+            </a:r>
+          </a:p>
+          <a:p>
+            <a:endParaRPr lang="en-NZ" dirty="0"/>
+          </a:p>
+          <a:p>
+            <a:r>
+              <a:rPr lang="en-NZ" dirty="0"/>
+              <a:t>Trialling pieces of code and ensuring that a given component worked correctly made it easy to ensure that problems were resolved prior to combining with others. Once it had been thoroughly trialled and tested to prove that it worked properly, I had would then combine with other components to ensure they would work well with each other. This made the identification and fixing of problems much less complicated. This will also help if another programmer has to make changes and/or update my program. It is easy to follow my different versions as they are well commented and labelled. </a:t>
+            </a:r>
+          </a:p>
+          <a:p>
+            <a:endParaRPr lang="en-NZ" dirty="0"/>
+          </a:p>
+          <a:p>
+            <a:r>
+              <a:rPr lang="en-NZ" dirty="0"/>
+              <a:t>I saved files on my local computer storage as well as using GitHub and Trello, but this meant I had a local set instead of always being on the cloud. The cloud is not always 100% available internet is sometimes not reliable and file syncing can sometimes play up. Having a set of local files meant I always had access to my program.</a:t>
             </a:r>
           </a:p>
         </p:txBody>
@@ -19536,6 +24949,117 @@
     <p:extLst>
       <p:ext uri="{BB962C8B-B14F-4D97-AF65-F5344CB8AC3E}">
         <p14:creationId xmlns:p14="http://schemas.microsoft.com/office/powerpoint/2010/main" val="520546384"/>
+      </p:ext>
+    </p:extLst>
+  </p:cSld>
+  <p:clrMapOvr>
+    <a:masterClrMapping/>
+  </p:clrMapOvr>
+</p:sld>
+</file>
+
+<file path=ppt/slides/slide47.xml><?xml version="1.0" encoding="utf-8"?>
+<p:sld xmlns:a="http://schemas.openxmlformats.org/drawingml/2006/main" xmlns:r="http://schemas.openxmlformats.org/officeDocument/2006/relationships" xmlns:p="http://schemas.openxmlformats.org/presentationml/2006/main">
+  <p:cSld>
+    <p:spTree>
+      <p:nvGrpSpPr>
+        <p:cNvPr id="1" name=""/>
+        <p:cNvGrpSpPr/>
+        <p:nvPr/>
+      </p:nvGrpSpPr>
+      <p:grpSpPr>
+        <a:xfrm>
+          <a:off x="0" y="0"/>
+          <a:ext cx="0" cy="0"/>
+          <a:chOff x="0" y="0"/>
+          <a:chExt cx="0" cy="0"/>
+        </a:xfrm>
+      </p:grpSpPr>
+      <p:sp>
+        <p:nvSpPr>
+          <p:cNvPr id="2" name="Title 1">
+            <a:extLst>
+              <a:ext uri="{FF2B5EF4-FFF2-40B4-BE49-F238E27FC236}">
+                <a16:creationId xmlns:a16="http://schemas.microsoft.com/office/drawing/2014/main" id="{9BF3066F-120D-4CF3-8985-4C98C0AA647F}"/>
+              </a:ext>
+            </a:extLst>
+          </p:cNvPr>
+          <p:cNvSpPr>
+            <a:spLocks noGrp="1"/>
+          </p:cNvSpPr>
+          <p:nvPr>
+            <p:ph type="title"/>
+          </p:nvPr>
+        </p:nvSpPr>
+        <p:spPr/>
+        <p:txBody>
+          <a:bodyPr/>
+          <a:lstStyle/>
+          <a:p>
+            <a:r>
+              <a:rPr lang="en-NZ" b="1" dirty="0"/>
+              <a:t>Complex processes - Discussion</a:t>
+            </a:r>
+          </a:p>
+        </p:txBody>
+      </p:sp>
+      <p:sp>
+        <p:nvSpPr>
+          <p:cNvPr id="4" name="TextBox 3">
+            <a:extLst>
+              <a:ext uri="{FF2B5EF4-FFF2-40B4-BE49-F238E27FC236}">
+                <a16:creationId xmlns:a16="http://schemas.microsoft.com/office/drawing/2014/main" id="{B01620EE-248F-E70D-BD7E-801FEB807933}"/>
+              </a:ext>
+            </a:extLst>
+          </p:cNvPr>
+          <p:cNvSpPr txBox="1"/>
+          <p:nvPr/>
+        </p:nvSpPr>
+        <p:spPr>
+          <a:xfrm>
+            <a:off x="222738" y="1516005"/>
+            <a:ext cx="11746523" cy="3693319"/>
+          </a:xfrm>
+          <a:prstGeom prst="rect">
+            <a:avLst/>
+          </a:prstGeom>
+          <a:noFill/>
+        </p:spPr>
+        <p:txBody>
+          <a:bodyPr wrap="square" rtlCol="0">
+            <a:spAutoFit/>
+          </a:bodyPr>
+          <a:lstStyle/>
+          <a:p>
+            <a:r>
+              <a:rPr lang="en-NZ" dirty="0"/>
+              <a:t>I trialled all of my components finding the best way to implement them in the game. I would use the one that best made sense to use for this program. By doing this I would ensure that my game was high quality and efficient for the user. It would also mean another programmer would understand what my code is doing.</a:t>
+            </a:r>
+          </a:p>
+          <a:p>
+            <a:endParaRPr lang="en-NZ" dirty="0"/>
+          </a:p>
+          <a:p>
+            <a:r>
+              <a:rPr lang="en-NZ" dirty="0"/>
+              <a:t>Per examples previous for each component, I ensured testing was done this meant the game I created was fun and enjoyable. I would not have been able to produce such a high-quality game without this level of testing.</a:t>
+            </a:r>
+          </a:p>
+          <a:p>
+            <a:endParaRPr lang="en-NZ" dirty="0"/>
+          </a:p>
+          <a:p>
+            <a:r>
+              <a:rPr lang="en-NZ" dirty="0"/>
+              <a:t>Another way I collated information about how to further improve my program was the amount of other third-party user I got to test the program and provide any relevant feedback. Some if the feedback received was not of relevance to the project so I could not change and therefore have not been able to update. But for all feedback relating to the code and design of the game I was able to update and then once run past the user again they were happy with the result and gameplay. This meant that the game I produced was already tested to be of value to others not just me and would reach out to the intended audience.</a:t>
+            </a:r>
+          </a:p>
+        </p:txBody>
+      </p:sp>
+    </p:spTree>
+    <p:extLst>
+      <p:ext uri="{BB962C8B-B14F-4D97-AF65-F5344CB8AC3E}">
+        <p14:creationId xmlns:p14="http://schemas.microsoft.com/office/powerpoint/2010/main" val="2685980049"/>
       </p:ext>
     </p:extLst>
   </p:cSld>
@@ -19796,7 +25320,7 @@
                 <a:effectLst/>
                 <a:latin typeface="inherit"/>
               </a:rPr>
-              <a:t>The social implications of an outcome involve how it affects users, the wider community and society as a whole. For example, car crashes are uncomfortable topic for some based their personal experiences or others around them. These social implications matter because If they are not considered and addressed, an outcome could have unintended consequences. </a:t>
+              <a:t>The social implications of an outcome involve how it affects users, the wider community and society as a whole. For example, car crashes are uncomfortable topic for some, based on their personal experiences or others around them. These social implications matter because If they are not considered and addressed, an outcome could have unintended consequences. </a:t>
             </a:r>
           </a:p>
           <a:p>
@@ -21615,14 +27139,6 @@
 </file>
 
 <file path=customXml/item1.xml><?xml version="1.0" encoding="utf-8"?>
-<p:properties xmlns:p="http://schemas.microsoft.com/office/2006/metadata/properties" xmlns:xsi="http://www.w3.org/2001/XMLSchema-instance" xmlns:pc="http://schemas.microsoft.com/office/infopath/2007/PartnerControls">
-  <documentManagement>
-    <ReferenceId xmlns="12aa44a7-9dfd-4ca0-86a8-cc75321b8748" xsi:nil="true"/>
-  </documentManagement>
-</p:properties>
-</file>
-
-<file path=customXml/item2.xml><?xml version="1.0" encoding="utf-8"?>
 <ct:contentTypeSchema xmlns:ct="http://schemas.microsoft.com/office/2006/metadata/contentType" xmlns:ma="http://schemas.microsoft.com/office/2006/metadata/properties/metaAttributes" ct:_="" ma:_="" ma:contentTypeName="Document" ma:contentTypeID="0x0101001F653CD421917B4ABFB2FF890D072FA1" ma:contentTypeVersion="3" ma:contentTypeDescription="Create a new document." ma:contentTypeScope="" ma:versionID="c58b526d3fc989d9439617c3e8695d30">
   <xsd:schema xmlns:xsd="http://www.w3.org/2001/XMLSchema" xmlns:xs="http://www.w3.org/2001/XMLSchema" xmlns:p="http://schemas.microsoft.com/office/2006/metadata/properties" xmlns:ns2="12aa44a7-9dfd-4ca0-86a8-cc75321b8748" targetNamespace="http://schemas.microsoft.com/office/2006/metadata/properties" ma:root="true" ma:fieldsID="d941548c3405a86ea95c85affbb287d0" ns2:_="">
     <xsd:import namespace="12aa44a7-9dfd-4ca0-86a8-cc75321b8748"/>
@@ -21760,7 +27276,7 @@
 </ct:contentTypeSchema>
 </file>
 
-<file path=customXml/item3.xml><?xml version="1.0" encoding="utf-8"?>
+<file path=customXml/item2.xml><?xml version="1.0" encoding="utf-8"?>
 <?mso-contentType ?>
 <FormTemplates xmlns="http://schemas.microsoft.com/sharepoint/v3/contenttype/forms">
   <Display>DocumentLibraryForm</Display>
@@ -21769,17 +27285,15 @@
 </FormTemplates>
 </file>
 
-<file path=customXml/itemProps1.xml><?xml version="1.0" encoding="utf-8"?>
-<ds:datastoreItem xmlns:ds="http://schemas.openxmlformats.org/officeDocument/2006/customXml" ds:itemID="{6C50612E-F1E5-4F56-91C6-EC12B0BDAC14}">
-  <ds:schemaRefs>
-    <ds:schemaRef ds:uri="http://schemas.microsoft.com/office/2006/metadata/properties"/>
-    <ds:schemaRef ds:uri="http://schemas.microsoft.com/office/infopath/2007/PartnerControls"/>
-    <ds:schemaRef ds:uri="12aa44a7-9dfd-4ca0-86a8-cc75321b8748"/>
-  </ds:schemaRefs>
-</ds:datastoreItem>
+<file path=customXml/item3.xml><?xml version="1.0" encoding="utf-8"?>
+<p:properties xmlns:p="http://schemas.microsoft.com/office/2006/metadata/properties" xmlns:xsi="http://www.w3.org/2001/XMLSchema-instance" xmlns:pc="http://schemas.microsoft.com/office/infopath/2007/PartnerControls">
+  <documentManagement>
+    <ReferenceId xmlns="12aa44a7-9dfd-4ca0-86a8-cc75321b8748" xsi:nil="true"/>
+  </documentManagement>
+</p:properties>
 </file>
 
-<file path=customXml/itemProps2.xml><?xml version="1.0" encoding="utf-8"?>
+<file path=customXml/itemProps1.xml><?xml version="1.0" encoding="utf-8"?>
 <ds:datastoreItem xmlns:ds="http://schemas.openxmlformats.org/officeDocument/2006/customXml" ds:itemID="{D88AC42B-C4F1-4434-9D5A-895EE658203A}">
   <ds:schemaRefs>
     <ds:schemaRef ds:uri="http://schemas.microsoft.com/office/2006/metadata/contentType"/>
@@ -21797,10 +27311,20 @@
 </ds:datastoreItem>
 </file>
 
-<file path=customXml/itemProps3.xml><?xml version="1.0" encoding="utf-8"?>
+<file path=customXml/itemProps2.xml><?xml version="1.0" encoding="utf-8"?>
 <ds:datastoreItem xmlns:ds="http://schemas.openxmlformats.org/officeDocument/2006/customXml" ds:itemID="{25660B88-93BD-441B-8193-7A1E5DE6F2E8}">
   <ds:schemaRefs>
     <ds:schemaRef ds:uri="http://schemas.microsoft.com/sharepoint/v3/contenttype/forms"/>
   </ds:schemaRefs>
 </ds:datastoreItem>
+</file>
+
+<file path=customXml/itemProps3.xml><?xml version="1.0" encoding="utf-8"?>
+<ds:datastoreItem xmlns:ds="http://schemas.openxmlformats.org/officeDocument/2006/customXml" ds:itemID="{6C50612E-F1E5-4F56-91C6-EC12B0BDAC14}">
+  <ds:schemaRefs>
+    <ds:schemaRef ds:uri="http://schemas.microsoft.com/office/2006/metadata/properties"/>
+    <ds:schemaRef ds:uri="http://schemas.microsoft.com/office/infopath/2007/PartnerControls"/>
+    <ds:schemaRef ds:uri="12aa44a7-9dfd-4ca0-86a8-cc75321b8748"/>
+  </ds:schemaRefs>
+</ds:datastoreItem>
 </file>
--- a/3.7 and 3.8 Documentation Template (1).pptx
+++ b/3.7 and 3.8 Documentation Template (1).pptx
@@ -286,22 +286,6 @@
         <pc:sldMkLst>
           <pc:docMk/>
           <pc:sldMk cId="3838895173" sldId="258"/>
-        </pc:sldMkLst>
-      </pc:sldChg>
-    </pc:docChg>
-  </pc:docChgLst>
-  <pc:docChgLst>
-    <pc:chgData name="Patrick Baker" userId="dbad0e87-82bb-43bf-9a70-a6d8fad31ef1" providerId="ADAL" clId="{7D8F8EE7-E92D-4C89-905A-9A2ACB7D2A64}"/>
-    <pc:docChg chg="addSld modSld">
-      <pc:chgData name="Patrick Baker" userId="dbad0e87-82bb-43bf-9a70-a6d8fad31ef1" providerId="ADAL" clId="{7D8F8EE7-E92D-4C89-905A-9A2ACB7D2A64}" dt="2021-11-12T21:38:41.727" v="0"/>
-      <pc:docMkLst>
-        <pc:docMk/>
-      </pc:docMkLst>
-      <pc:sldChg chg="add">
-        <pc:chgData name="Patrick Baker" userId="dbad0e87-82bb-43bf-9a70-a6d8fad31ef1" providerId="ADAL" clId="{7D8F8EE7-E92D-4C89-905A-9A2ACB7D2A64}" dt="2021-11-12T21:38:41.727" v="0"/>
-        <pc:sldMkLst>
-          <pc:docMk/>
-          <pc:sldMk cId="1393068817" sldId="277"/>
         </pc:sldMkLst>
       </pc:sldChg>
     </pc:docChg>
@@ -710,6 +694,22 @@
       </pc:sldMasterChg>
     </pc:docChg>
   </pc:docChgLst>
+  <pc:docChgLst>
+    <pc:chgData name="Patrick Baker" userId="dbad0e87-82bb-43bf-9a70-a6d8fad31ef1" providerId="ADAL" clId="{7D8F8EE7-E92D-4C89-905A-9A2ACB7D2A64}"/>
+    <pc:docChg chg="addSld modSld">
+      <pc:chgData name="Patrick Baker" userId="dbad0e87-82bb-43bf-9a70-a6d8fad31ef1" providerId="ADAL" clId="{7D8F8EE7-E92D-4C89-905A-9A2ACB7D2A64}" dt="2021-11-12T21:38:41.727" v="0"/>
+      <pc:docMkLst>
+        <pc:docMk/>
+      </pc:docMkLst>
+      <pc:sldChg chg="add">
+        <pc:chgData name="Patrick Baker" userId="dbad0e87-82bb-43bf-9a70-a6d8fad31ef1" providerId="ADAL" clId="{7D8F8EE7-E92D-4C89-905A-9A2ACB7D2A64}" dt="2021-11-12T21:38:41.727" v="0"/>
+        <pc:sldMkLst>
+          <pc:docMk/>
+          <pc:sldMk cId="1393068817" sldId="277"/>
+        </pc:sldMkLst>
+      </pc:sldChg>
+    </pc:docChg>
+  </pc:docChgLst>
 </pc:chgInfo>
 </file>
 
@@ -14098,30 +14098,22 @@
               <a:t>Link to final version of your program: </a:t>
             </a:r>
             <a:r>
-              <a:rPr lang="en-US" sz="1400" dirty="0">
+              <a:rPr lang="en-US" sz="1050" dirty="0">
                 <a:hlinkClick r:id="rId4"/>
               </a:rPr>
-              <a:t>Assessment/Fully working game.py at main · </a:t>
-            </a:r>
-            <a:r>
-              <a:rPr lang="en-US" sz="1400" dirty="0" err="1">
+              <a:t>Assessment/Car Driving Game.py at main · </a:t>
+            </a:r>
+            <a:r>
+              <a:rPr lang="en-US" sz="1050" dirty="0" err="1">
                 <a:hlinkClick r:id="rId4"/>
               </a:rPr>
               <a:t>SmitieC</a:t>
             </a:r>
             <a:r>
-              <a:rPr lang="en-US" sz="1400" dirty="0">
+              <a:rPr lang="en-US" sz="1050" dirty="0">
                 <a:hlinkClick r:id="rId4"/>
               </a:rPr>
               <a:t>/Assessment (github.com)</a:t>
-            </a:r>
-            <a:r>
-              <a:rPr lang="en-NZ" sz="2000" b="1" dirty="0">
-                <a:solidFill>
-                  <a:srgbClr val="274E13"/>
-                </a:solidFill>
-              </a:rPr>
-              <a:t> </a:t>
             </a:r>
             <a:endParaRPr lang="en-NZ" sz="2000" dirty="0"/>
           </a:p>
@@ -27139,6 +27131,14 @@
 </file>
 
 <file path=customXml/item1.xml><?xml version="1.0" encoding="utf-8"?>
+<p:properties xmlns:p="http://schemas.microsoft.com/office/2006/metadata/properties" xmlns:xsi="http://www.w3.org/2001/XMLSchema-instance" xmlns:pc="http://schemas.microsoft.com/office/infopath/2007/PartnerControls">
+  <documentManagement>
+    <ReferenceId xmlns="12aa44a7-9dfd-4ca0-86a8-cc75321b8748" xsi:nil="true"/>
+  </documentManagement>
+</p:properties>
+</file>
+
+<file path=customXml/item2.xml><?xml version="1.0" encoding="utf-8"?>
 <ct:contentTypeSchema xmlns:ct="http://schemas.microsoft.com/office/2006/metadata/contentType" xmlns:ma="http://schemas.microsoft.com/office/2006/metadata/properties/metaAttributes" ct:_="" ma:_="" ma:contentTypeName="Document" ma:contentTypeID="0x0101001F653CD421917B4ABFB2FF890D072FA1" ma:contentTypeVersion="3" ma:contentTypeDescription="Create a new document." ma:contentTypeScope="" ma:versionID="c58b526d3fc989d9439617c3e8695d30">
   <xsd:schema xmlns:xsd="http://www.w3.org/2001/XMLSchema" xmlns:xs="http://www.w3.org/2001/XMLSchema" xmlns:p="http://schemas.microsoft.com/office/2006/metadata/properties" xmlns:ns2="12aa44a7-9dfd-4ca0-86a8-cc75321b8748" targetNamespace="http://schemas.microsoft.com/office/2006/metadata/properties" ma:root="true" ma:fieldsID="d941548c3405a86ea95c85affbb287d0" ns2:_="">
     <xsd:import namespace="12aa44a7-9dfd-4ca0-86a8-cc75321b8748"/>
@@ -27276,7 +27276,7 @@
 </ct:contentTypeSchema>
 </file>
 
-<file path=customXml/item2.xml><?xml version="1.0" encoding="utf-8"?>
+<file path=customXml/item3.xml><?xml version="1.0" encoding="utf-8"?>
 <?mso-contentType ?>
 <FormTemplates xmlns="http://schemas.microsoft.com/sharepoint/v3/contenttype/forms">
   <Display>DocumentLibraryForm</Display>
@@ -27285,15 +27285,17 @@
 </FormTemplates>
 </file>
 
-<file path=customXml/item3.xml><?xml version="1.0" encoding="utf-8"?>
-<p:properties xmlns:p="http://schemas.microsoft.com/office/2006/metadata/properties" xmlns:xsi="http://www.w3.org/2001/XMLSchema-instance" xmlns:pc="http://schemas.microsoft.com/office/infopath/2007/PartnerControls">
-  <documentManagement>
-    <ReferenceId xmlns="12aa44a7-9dfd-4ca0-86a8-cc75321b8748" xsi:nil="true"/>
-  </documentManagement>
-</p:properties>
+<file path=customXml/itemProps1.xml><?xml version="1.0" encoding="utf-8"?>
+<ds:datastoreItem xmlns:ds="http://schemas.openxmlformats.org/officeDocument/2006/customXml" ds:itemID="{6C50612E-F1E5-4F56-91C6-EC12B0BDAC14}">
+  <ds:schemaRefs>
+    <ds:schemaRef ds:uri="http://schemas.microsoft.com/office/2006/metadata/properties"/>
+    <ds:schemaRef ds:uri="http://schemas.microsoft.com/office/infopath/2007/PartnerControls"/>
+    <ds:schemaRef ds:uri="12aa44a7-9dfd-4ca0-86a8-cc75321b8748"/>
+  </ds:schemaRefs>
+</ds:datastoreItem>
 </file>
 
-<file path=customXml/itemProps1.xml><?xml version="1.0" encoding="utf-8"?>
+<file path=customXml/itemProps2.xml><?xml version="1.0" encoding="utf-8"?>
 <ds:datastoreItem xmlns:ds="http://schemas.openxmlformats.org/officeDocument/2006/customXml" ds:itemID="{D88AC42B-C4F1-4434-9D5A-895EE658203A}">
   <ds:schemaRefs>
     <ds:schemaRef ds:uri="http://schemas.microsoft.com/office/2006/metadata/contentType"/>
@@ -27311,20 +27313,10 @@
 </ds:datastoreItem>
 </file>
 
-<file path=customXml/itemProps2.xml><?xml version="1.0" encoding="utf-8"?>
+<file path=customXml/itemProps3.xml><?xml version="1.0" encoding="utf-8"?>
 <ds:datastoreItem xmlns:ds="http://schemas.openxmlformats.org/officeDocument/2006/customXml" ds:itemID="{25660B88-93BD-441B-8193-7A1E5DE6F2E8}">
   <ds:schemaRefs>
     <ds:schemaRef ds:uri="http://schemas.microsoft.com/sharepoint/v3/contenttype/forms"/>
   </ds:schemaRefs>
 </ds:datastoreItem>
-</file>
-
-<file path=customXml/itemProps3.xml><?xml version="1.0" encoding="utf-8"?>
-<ds:datastoreItem xmlns:ds="http://schemas.openxmlformats.org/officeDocument/2006/customXml" ds:itemID="{6C50612E-F1E5-4F56-91C6-EC12B0BDAC14}">
-  <ds:schemaRefs>
-    <ds:schemaRef ds:uri="http://schemas.microsoft.com/office/2006/metadata/properties"/>
-    <ds:schemaRef ds:uri="http://schemas.microsoft.com/office/infopath/2007/PartnerControls"/>
-    <ds:schemaRef ds:uri="12aa44a7-9dfd-4ca0-86a8-cc75321b8748"/>
-  </ds:schemaRefs>
-</ds:datastoreItem>
 </file>